--- a/AI的数学基础.pptx
+++ b/AI的数学基础.pptx
@@ -121,7 +121,7 @@
   </p:defaultTextStyle>
   <p:extLst>
     <p:ext uri="{EFAFB233-063F-42B5-8137-9DF3F51BA10A}">
-      <p15:sldGuideLst xmlns:p15="http://schemas.microsoft.com/office/powerpoint/2012/main" xmlns=""/>
+      <p15:sldGuideLst xmlns="" xmlns:p15="http://schemas.microsoft.com/office/powerpoint/2012/main"/>
     </p:ext>
   </p:extLst>
 </p:presentation>
@@ -132,7 +132,7 @@
   <p:cmAuthor id="1" name="thinkpad" initials="t" lastIdx="1" clrIdx="0">
     <p:extLst>
       <p:ext uri="{19B8F6BF-5375-455C-9EA6-DF929625EA0E}">
-        <p15:presenceInfo xmlns:p15="http://schemas.microsoft.com/office/powerpoint/2012/main" xmlns="" userId="thinkpad" providerId="None"/>
+        <p15:presenceInfo xmlns="" xmlns:p15="http://schemas.microsoft.com/office/powerpoint/2012/main" userId="thinkpad" providerId="None"/>
       </p:ext>
     </p:extLst>
   </p:cmAuthor>
@@ -378,7 +378,7 @@
     </p:spTree>
     <p:extLst>
       <p:ext uri="{BB962C8B-B14F-4D97-AF65-F5344CB8AC3E}">
-        <p14:creationId xmlns:p14="http://schemas.microsoft.com/office/powerpoint/2010/main" xmlns="" val="784820452"/>
+        <p14:creationId xmlns="" xmlns:p14="http://schemas.microsoft.com/office/powerpoint/2010/main" val="784820452"/>
       </p:ext>
     </p:extLst>
   </p:cSld>
@@ -655,7 +655,7 @@
     </p:spTree>
     <p:extLst>
       <p:ext uri="{BB962C8B-B14F-4D97-AF65-F5344CB8AC3E}">
-        <p14:creationId xmlns:p14="http://schemas.microsoft.com/office/powerpoint/2010/main" xmlns="" val="3833863019"/>
+        <p14:creationId xmlns="" xmlns:p14="http://schemas.microsoft.com/office/powerpoint/2010/main" val="3833863019"/>
       </p:ext>
     </p:extLst>
   </p:cSld>
@@ -851,7 +851,7 @@
     </p:spTree>
     <p:extLst>
       <p:ext uri="{BB962C8B-B14F-4D97-AF65-F5344CB8AC3E}">
-        <p14:creationId xmlns:p14="http://schemas.microsoft.com/office/powerpoint/2010/main" xmlns="" val="2196700477"/>
+        <p14:creationId xmlns="" xmlns:p14="http://schemas.microsoft.com/office/powerpoint/2010/main" val="2196700477"/>
       </p:ext>
     </p:extLst>
   </p:cSld>
@@ -1220,7 +1220,7 @@
     </p:spTree>
     <p:extLst>
       <p:ext uri="{BB962C8B-B14F-4D97-AF65-F5344CB8AC3E}">
-        <p14:creationId xmlns:p14="http://schemas.microsoft.com/office/powerpoint/2010/main" xmlns="" val="3770968240"/>
+        <p14:creationId xmlns="" xmlns:p14="http://schemas.microsoft.com/office/powerpoint/2010/main" val="3770968240"/>
       </p:ext>
     </p:extLst>
   </p:cSld>
@@ -1469,7 +1469,7 @@
     </p:spTree>
     <p:extLst>
       <p:ext uri="{BB962C8B-B14F-4D97-AF65-F5344CB8AC3E}">
-        <p14:creationId xmlns:p14="http://schemas.microsoft.com/office/powerpoint/2010/main" xmlns="" val="2631992690"/>
+        <p14:creationId xmlns="" xmlns:p14="http://schemas.microsoft.com/office/powerpoint/2010/main" val="2631992690"/>
       </p:ext>
     </p:extLst>
   </p:cSld>
@@ -2094,7 +2094,7 @@
     </p:spTree>
     <p:extLst>
       <p:ext uri="{BB962C8B-B14F-4D97-AF65-F5344CB8AC3E}">
-        <p14:creationId xmlns:p14="http://schemas.microsoft.com/office/powerpoint/2010/main" xmlns="" val="145725664"/>
+        <p14:creationId xmlns="" xmlns:p14="http://schemas.microsoft.com/office/powerpoint/2010/main" val="145725664"/>
       </p:ext>
     </p:extLst>
   </p:cSld>
@@ -2956,7 +2956,7 @@
     </p:spTree>
     <p:extLst>
       <p:ext uri="{BB962C8B-B14F-4D97-AF65-F5344CB8AC3E}">
-        <p14:creationId xmlns:p14="http://schemas.microsoft.com/office/powerpoint/2010/main" xmlns="" val="2724141065"/>
+        <p14:creationId xmlns="" xmlns:p14="http://schemas.microsoft.com/office/powerpoint/2010/main" val="2724141065"/>
       </p:ext>
     </p:extLst>
   </p:cSld>
@@ -3128,7 +3128,7 @@
     </p:spTree>
     <p:extLst>
       <p:ext uri="{BB962C8B-B14F-4D97-AF65-F5344CB8AC3E}">
-        <p14:creationId xmlns:p14="http://schemas.microsoft.com/office/powerpoint/2010/main" xmlns="" val="2406706004"/>
+        <p14:creationId xmlns="" xmlns:p14="http://schemas.microsoft.com/office/powerpoint/2010/main" val="2406706004"/>
       </p:ext>
     </p:extLst>
   </p:cSld>
@@ -3310,7 +3310,7 @@
     </p:spTree>
     <p:extLst>
       <p:ext uri="{BB962C8B-B14F-4D97-AF65-F5344CB8AC3E}">
-        <p14:creationId xmlns:p14="http://schemas.microsoft.com/office/powerpoint/2010/main" xmlns="" val="3591632062"/>
+        <p14:creationId xmlns="" xmlns:p14="http://schemas.microsoft.com/office/powerpoint/2010/main" val="3591632062"/>
       </p:ext>
     </p:extLst>
   </p:cSld>
@@ -3482,7 +3482,7 @@
     </p:spTree>
     <p:extLst>
       <p:ext uri="{BB962C8B-B14F-4D97-AF65-F5344CB8AC3E}">
-        <p14:creationId xmlns:p14="http://schemas.microsoft.com/office/powerpoint/2010/main" xmlns="" val="3052837754"/>
+        <p14:creationId xmlns="" xmlns:p14="http://schemas.microsoft.com/office/powerpoint/2010/main" val="3052837754"/>
       </p:ext>
     </p:extLst>
   </p:cSld>
@@ -3731,7 +3731,7 @@
     </p:spTree>
     <p:extLst>
       <p:ext uri="{BB962C8B-B14F-4D97-AF65-F5344CB8AC3E}">
-        <p14:creationId xmlns:p14="http://schemas.microsoft.com/office/powerpoint/2010/main" xmlns="" val="2421868335"/>
+        <p14:creationId xmlns="" xmlns:p14="http://schemas.microsoft.com/office/powerpoint/2010/main" val="2421868335"/>
       </p:ext>
     </p:extLst>
   </p:cSld>
@@ -4025,7 +4025,7 @@
     </p:spTree>
     <p:extLst>
       <p:ext uri="{BB962C8B-B14F-4D97-AF65-F5344CB8AC3E}">
-        <p14:creationId xmlns:p14="http://schemas.microsoft.com/office/powerpoint/2010/main" xmlns="" val="2045234162"/>
+        <p14:creationId xmlns="" xmlns:p14="http://schemas.microsoft.com/office/powerpoint/2010/main" val="2045234162"/>
       </p:ext>
     </p:extLst>
   </p:cSld>
@@ -4471,7 +4471,7 @@
     </p:spTree>
     <p:extLst>
       <p:ext uri="{BB962C8B-B14F-4D97-AF65-F5344CB8AC3E}">
-        <p14:creationId xmlns:p14="http://schemas.microsoft.com/office/powerpoint/2010/main" xmlns="" val="3300931318"/>
+        <p14:creationId xmlns="" xmlns:p14="http://schemas.microsoft.com/office/powerpoint/2010/main" val="3300931318"/>
       </p:ext>
     </p:extLst>
   </p:cSld>
@@ -4591,7 +4591,7 @@
     </p:spTree>
     <p:extLst>
       <p:ext uri="{BB962C8B-B14F-4D97-AF65-F5344CB8AC3E}">
-        <p14:creationId xmlns:p14="http://schemas.microsoft.com/office/powerpoint/2010/main" xmlns="" val="3128714500"/>
+        <p14:creationId xmlns="" xmlns:p14="http://schemas.microsoft.com/office/powerpoint/2010/main" val="3128714500"/>
       </p:ext>
     </p:extLst>
   </p:cSld>
@@ -4688,7 +4688,7 @@
     </p:spTree>
     <p:extLst>
       <p:ext uri="{BB962C8B-B14F-4D97-AF65-F5344CB8AC3E}">
-        <p14:creationId xmlns:p14="http://schemas.microsoft.com/office/powerpoint/2010/main" xmlns="" val="1104944725"/>
+        <p14:creationId xmlns="" xmlns:p14="http://schemas.microsoft.com/office/powerpoint/2010/main" val="1104944725"/>
       </p:ext>
     </p:extLst>
   </p:cSld>
@@ -4969,7 +4969,7 @@
     </p:spTree>
     <p:extLst>
       <p:ext uri="{BB962C8B-B14F-4D97-AF65-F5344CB8AC3E}">
-        <p14:creationId xmlns:p14="http://schemas.microsoft.com/office/powerpoint/2010/main" xmlns="" val="2688443126"/>
+        <p14:creationId xmlns="" xmlns:p14="http://schemas.microsoft.com/office/powerpoint/2010/main" val="2688443126"/>
       </p:ext>
     </p:extLst>
   </p:cSld>
@@ -5246,7 +5246,7 @@
     </p:spTree>
     <p:extLst>
       <p:ext uri="{BB962C8B-B14F-4D97-AF65-F5344CB8AC3E}">
-        <p14:creationId xmlns:p14="http://schemas.microsoft.com/office/powerpoint/2010/main" xmlns="" val="1632158210"/>
+        <p14:creationId xmlns="" xmlns:p14="http://schemas.microsoft.com/office/powerpoint/2010/main" val="1632158210"/>
       </p:ext>
     </p:extLst>
   </p:cSld>
@@ -5290,7 +5290,7 @@
           <a:blip r:embed="rId19">
             <a:extLst>
               <a:ext uri="{28A0092B-C50C-407E-A947-70E740481C1C}">
-                <a14:useLocalDpi xmlns:a14="http://schemas.microsoft.com/office/drawing/2010/main" xmlns="" val="0"/>
+                <a14:useLocalDpi xmlns="" xmlns:a14="http://schemas.microsoft.com/office/drawing/2010/main" val="0"/>
               </a:ext>
             </a:extLst>
           </a:blip>
@@ -5319,7 +5319,7 @@
           <a:blip r:embed="rId20">
             <a:extLst>
               <a:ext uri="{28A0092B-C50C-407E-A947-70E740481C1C}">
-                <a14:useLocalDpi xmlns:a14="http://schemas.microsoft.com/office/drawing/2010/main" xmlns="" val="0"/>
+                <a14:useLocalDpi xmlns="" xmlns:a14="http://schemas.microsoft.com/office/drawing/2010/main" val="0"/>
               </a:ext>
             </a:extLst>
           </a:blip>
@@ -5411,7 +5411,7 @@
           <a:blip r:embed="rId21">
             <a:extLst>
               <a:ext uri="{28A0092B-C50C-407E-A947-70E740481C1C}">
-                <a14:useLocalDpi xmlns:a14="http://schemas.microsoft.com/office/drawing/2010/main" xmlns="" val="0"/>
+                <a14:useLocalDpi xmlns="" xmlns:a14="http://schemas.microsoft.com/office/drawing/2010/main" val="0"/>
               </a:ext>
             </a:extLst>
           </a:blip>
@@ -5440,7 +5440,7 @@
           <a:blip r:embed="rId22">
             <a:extLst>
               <a:ext uri="{28A0092B-C50C-407E-A947-70E740481C1C}">
-                <a14:useLocalDpi xmlns:a14="http://schemas.microsoft.com/office/drawing/2010/main" xmlns="" val="0"/>
+                <a14:useLocalDpi xmlns="" xmlns:a14="http://schemas.microsoft.com/office/drawing/2010/main" val="0"/>
               </a:ext>
             </a:extLst>
           </a:blip>
@@ -5714,7 +5714,7 @@
     </p:spTree>
     <p:extLst>
       <p:ext uri="{BB962C8B-B14F-4D97-AF65-F5344CB8AC3E}">
-        <p14:creationId xmlns:p14="http://schemas.microsoft.com/office/powerpoint/2010/main" xmlns="" val="3518667080"/>
+        <p14:creationId xmlns="" xmlns:p14="http://schemas.microsoft.com/office/powerpoint/2010/main" val="3518667080"/>
       </p:ext>
     </p:extLst>
   </p:cSld>
@@ -6159,7 +6159,7 @@
           <p:cNvPr id="2" name="标题 1">
             <a:extLst>
               <a:ext uri="{FF2B5EF4-FFF2-40B4-BE49-F238E27FC236}">
-                <a16:creationId xmlns:a16="http://schemas.microsoft.com/office/drawing/2014/main" xmlns="" id="{80902938-E901-4C80-B5EB-6CB90CA76B92}"/>
+                <a16:creationId xmlns="" xmlns:a16="http://schemas.microsoft.com/office/drawing/2014/main" id="{80902938-E901-4C80-B5EB-6CB90CA76B92}"/>
               </a:ext>
             </a:extLst>
           </p:cNvPr>
@@ -6191,7 +6191,7 @@
           <p:cNvPr id="3" name="副标题 2">
             <a:extLst>
               <a:ext uri="{FF2B5EF4-FFF2-40B4-BE49-F238E27FC236}">
-                <a16:creationId xmlns:a16="http://schemas.microsoft.com/office/drawing/2014/main" xmlns="" id="{A17CEEB7-976D-4463-900C-B0BA7A0621FF}"/>
+                <a16:creationId xmlns="" xmlns:a16="http://schemas.microsoft.com/office/drawing/2014/main" id="{A17CEEB7-976D-4463-900C-B0BA7A0621FF}"/>
               </a:ext>
             </a:extLst>
           </p:cNvPr>
@@ -6218,13 +6218,20 @@
     </p:spTree>
     <p:extLst>
       <p:ext uri="{BB962C8B-B14F-4D97-AF65-F5344CB8AC3E}">
-        <p14:creationId xmlns:p14="http://schemas.microsoft.com/office/powerpoint/2010/main" xmlns="" val="251577674"/>
+        <p14:creationId xmlns="" xmlns:p14="http://schemas.microsoft.com/office/powerpoint/2010/main" val="251577674"/>
       </p:ext>
     </p:extLst>
   </p:cSld>
   <p:clrMapOvr>
     <a:masterClrMapping/>
   </p:clrMapOvr>
+  <p:timing>
+    <p:tnLst>
+      <p:par>
+        <p:cTn id="1" dur="indefinite" restart="never" nodeType="tmRoot"/>
+      </p:par>
+    </p:tnLst>
+  </p:timing>
 </p:sld>
 </file>
 
@@ -6250,7 +6257,7 @@
           <p:cNvPr id="2" name="标题 1">
             <a:extLst>
               <a:ext uri="{FF2B5EF4-FFF2-40B4-BE49-F238E27FC236}">
-                <a16:creationId xmlns:a16="http://schemas.microsoft.com/office/drawing/2014/main" xmlns="" id="{80902938-E901-4C80-B5EB-6CB90CA76B92}"/>
+                <a16:creationId xmlns="" xmlns:a16="http://schemas.microsoft.com/office/drawing/2014/main" id="{80902938-E901-4C80-B5EB-6CB90CA76B92}"/>
               </a:ext>
             </a:extLst>
           </p:cNvPr>
@@ -6292,7 +6299,7 @@
           <p:cNvPr id="3" name="副标题 2">
             <a:extLst>
               <a:ext uri="{FF2B5EF4-FFF2-40B4-BE49-F238E27FC236}">
-                <a16:creationId xmlns:a16="http://schemas.microsoft.com/office/drawing/2014/main" xmlns="" id="{A17CEEB7-976D-4463-900C-B0BA7A0621FF}"/>
+                <a16:creationId xmlns="" xmlns:a16="http://schemas.microsoft.com/office/drawing/2014/main" id="{A17CEEB7-976D-4463-900C-B0BA7A0621FF}"/>
               </a:ext>
             </a:extLst>
           </p:cNvPr>
@@ -6418,13 +6425,20 @@
     </p:spTree>
     <p:extLst>
       <p:ext uri="{BB962C8B-B14F-4D97-AF65-F5344CB8AC3E}">
-        <p14:creationId xmlns:p14="http://schemas.microsoft.com/office/powerpoint/2010/main" xmlns="" val="909776569"/>
+        <p14:creationId xmlns="" xmlns:p14="http://schemas.microsoft.com/office/powerpoint/2010/main" val="909776569"/>
       </p:ext>
     </p:extLst>
   </p:cSld>
   <p:clrMapOvr>
     <a:masterClrMapping/>
   </p:clrMapOvr>
+  <p:timing>
+    <p:tnLst>
+      <p:par>
+        <p:cTn id="1" dur="indefinite" restart="never" nodeType="tmRoot"/>
+      </p:par>
+    </p:tnLst>
+  </p:timing>
 </p:sld>
 </file>
 
@@ -6450,7 +6464,7 @@
           <p:cNvPr id="2" name="标题 1">
             <a:extLst>
               <a:ext uri="{FF2B5EF4-FFF2-40B4-BE49-F238E27FC236}">
-                <a16:creationId xmlns:a16="http://schemas.microsoft.com/office/drawing/2014/main" xmlns="" id="{80902938-E901-4C80-B5EB-6CB90CA76B92}"/>
+                <a16:creationId xmlns="" xmlns:a16="http://schemas.microsoft.com/office/drawing/2014/main" id="{80902938-E901-4C80-B5EB-6CB90CA76B92}"/>
               </a:ext>
             </a:extLst>
           </p:cNvPr>
@@ -6492,7 +6506,7 @@
           <p:cNvPr id="3" name="副标题 2">
             <a:extLst>
               <a:ext uri="{FF2B5EF4-FFF2-40B4-BE49-F238E27FC236}">
-                <a16:creationId xmlns:a16="http://schemas.microsoft.com/office/drawing/2014/main" xmlns="" id="{A17CEEB7-976D-4463-900C-B0BA7A0621FF}"/>
+                <a16:creationId xmlns="" xmlns:a16="http://schemas.microsoft.com/office/drawing/2014/main" id="{A17CEEB7-976D-4463-900C-B0BA7A0621FF}"/>
               </a:ext>
             </a:extLst>
           </p:cNvPr>
@@ -6573,7 +6587,7 @@
     </p:spTree>
     <p:extLst>
       <p:ext uri="{BB962C8B-B14F-4D97-AF65-F5344CB8AC3E}">
-        <p14:creationId xmlns:p14="http://schemas.microsoft.com/office/powerpoint/2010/main" xmlns="" val="937811590"/>
+        <p14:creationId xmlns="" xmlns:p14="http://schemas.microsoft.com/office/powerpoint/2010/main" val="937811590"/>
       </p:ext>
     </p:extLst>
   </p:cSld>
@@ -6605,7 +6619,7 @@
           <p:cNvPr id="2" name="标题 1">
             <a:extLst>
               <a:ext uri="{FF2B5EF4-FFF2-40B4-BE49-F238E27FC236}">
-                <a16:creationId xmlns:a16="http://schemas.microsoft.com/office/drawing/2014/main" xmlns="" id="{80902938-E901-4C80-B5EB-6CB90CA76B92}"/>
+                <a16:creationId xmlns="" xmlns:a16="http://schemas.microsoft.com/office/drawing/2014/main" id="{80902938-E901-4C80-B5EB-6CB90CA76B92}"/>
               </a:ext>
             </a:extLst>
           </p:cNvPr>
@@ -6647,7 +6661,7 @@
           <p:cNvPr id="3" name="副标题 2">
             <a:extLst>
               <a:ext uri="{FF2B5EF4-FFF2-40B4-BE49-F238E27FC236}">
-                <a16:creationId xmlns:a16="http://schemas.microsoft.com/office/drawing/2014/main" xmlns="" id="{A17CEEB7-976D-4463-900C-B0BA7A0621FF}"/>
+                <a16:creationId xmlns="" xmlns:a16="http://schemas.microsoft.com/office/drawing/2014/main" id="{A17CEEB7-976D-4463-900C-B0BA7A0621FF}"/>
               </a:ext>
             </a:extLst>
           </p:cNvPr>
@@ -6690,7 +6704,7 @@
     </p:spTree>
     <p:extLst>
       <p:ext uri="{BB962C8B-B14F-4D97-AF65-F5344CB8AC3E}">
-        <p14:creationId xmlns:p14="http://schemas.microsoft.com/office/powerpoint/2010/main" xmlns="" val="2541280008"/>
+        <p14:creationId xmlns="" xmlns:p14="http://schemas.microsoft.com/office/powerpoint/2010/main" val="2541280008"/>
       </p:ext>
     </p:extLst>
   </p:cSld>
@@ -6722,7 +6736,7 @@
           <p:cNvPr id="2" name="标题 1">
             <a:extLst>
               <a:ext uri="{FF2B5EF4-FFF2-40B4-BE49-F238E27FC236}">
-                <a16:creationId xmlns:a16="http://schemas.microsoft.com/office/drawing/2014/main" xmlns="" id="{80902938-E901-4C80-B5EB-6CB90CA76B92}"/>
+                <a16:creationId xmlns="" xmlns:a16="http://schemas.microsoft.com/office/drawing/2014/main" id="{80902938-E901-4C80-B5EB-6CB90CA76B92}"/>
               </a:ext>
             </a:extLst>
           </p:cNvPr>
@@ -6764,7 +6778,7 @@
           <p:cNvPr id="3" name="副标题 2">
             <a:extLst>
               <a:ext uri="{FF2B5EF4-FFF2-40B4-BE49-F238E27FC236}">
-                <a16:creationId xmlns:a16="http://schemas.microsoft.com/office/drawing/2014/main" xmlns="" id="{A17CEEB7-976D-4463-900C-B0BA7A0621FF}"/>
+                <a16:creationId xmlns="" xmlns:a16="http://schemas.microsoft.com/office/drawing/2014/main" id="{A17CEEB7-976D-4463-900C-B0BA7A0621FF}"/>
               </a:ext>
             </a:extLst>
           </p:cNvPr>
@@ -6799,15 +6813,7 @@
             </a:r>
             <a:r>
               <a:rPr lang="zh-CN" altLang="en-US" dirty="0" smtClean="0"/>
-              <a:t>方差</a:t>
-            </a:r>
-            <a:r>
-              <a:rPr lang="zh-CN" altLang="en-US" dirty="0" smtClean="0"/>
-              <a:t>分解</a:t>
-            </a:r>
-            <a:r>
-              <a:rPr lang="zh-CN" altLang="en-US" dirty="0" smtClean="0"/>
-              <a:t>（</a:t>
+              <a:t>方差分解（</a:t>
             </a:r>
             <a:r>
               <a:rPr lang="zh-CN" altLang="en-US" dirty="0"/>
@@ -6853,7 +6859,7 @@
           <p:cNvPr id="4" name="Picture 2" descr="https://images2017.cnblogs.com/blog/1158734/201709/1158734-20170905083743335-142842313.png">
             <a:extLst>
               <a:ext uri="{FF2B5EF4-FFF2-40B4-BE49-F238E27FC236}">
-                <a16:creationId xmlns:a16="http://schemas.microsoft.com/office/drawing/2014/main" xmlns="" id="{1E3C4758-D7BE-4DE6-AFC6-9330BD943888}"/>
+                <a16:creationId xmlns="" xmlns:a16="http://schemas.microsoft.com/office/drawing/2014/main" id="{1E3C4758-D7BE-4DE6-AFC6-9330BD943888}"/>
               </a:ext>
             </a:extLst>
           </p:cNvPr>
@@ -6866,7 +6872,7 @@
           <a:blip r:embed="rId2">
             <a:extLst>
               <a:ext uri="{28A0092B-C50C-407E-A947-70E740481C1C}">
-                <a14:useLocalDpi xmlns:a14="http://schemas.microsoft.com/office/drawing/2010/main" xmlns="" val="0"/>
+                <a14:useLocalDpi xmlns="" xmlns:a14="http://schemas.microsoft.com/office/drawing/2010/main" val="0"/>
               </a:ext>
             </a:extLst>
           </a:blip>
@@ -6886,7 +6892,7 @@
           <a:noFill/>
           <a:extLst>
             <a:ext uri="{909E8E84-426E-40DD-AFC4-6F175D3DCCD1}">
-              <a14:hiddenFill xmlns:a14="http://schemas.microsoft.com/office/drawing/2010/main" xmlns="">
+              <a14:hiddenFill xmlns="" xmlns:a14="http://schemas.microsoft.com/office/drawing/2010/main">
                 <a:solidFill>
                   <a:srgbClr val="FFFFFF"/>
                 </a:solidFill>
@@ -6900,7 +6906,7 @@
           <p:cNvPr id="6" name="矩形 5">
             <a:extLst>
               <a:ext uri="{FF2B5EF4-FFF2-40B4-BE49-F238E27FC236}">
-                <a16:creationId xmlns:a16="http://schemas.microsoft.com/office/drawing/2014/main" xmlns="" id="{92B24D52-B406-4BF3-8371-296C7C288DA1}"/>
+                <a16:creationId xmlns="" xmlns:a16="http://schemas.microsoft.com/office/drawing/2014/main" id="{92B24D52-B406-4BF3-8371-296C7C288DA1}"/>
               </a:ext>
             </a:extLst>
           </p:cNvPr>
@@ -6956,7 +6962,7 @@
           <p:cNvPr id="11" name="Rectangle 5">
             <a:extLst>
               <a:ext uri="{FF2B5EF4-FFF2-40B4-BE49-F238E27FC236}">
-                <a16:creationId xmlns:a16="http://schemas.microsoft.com/office/drawing/2014/main" xmlns="" id="{8E672278-F5D1-42C5-A080-0FC0C2EF2499}"/>
+                <a16:creationId xmlns="" xmlns:a16="http://schemas.microsoft.com/office/drawing/2014/main" id="{8E672278-F5D1-42C5-A080-0FC0C2EF2499}"/>
               </a:ext>
             </a:extLst>
           </p:cNvPr>
@@ -6980,14 +6986,14 @@
           <a:effectLst/>
           <a:extLst>
             <a:ext uri="{909E8E84-426E-40DD-AFC4-6F175D3DCCD1}">
-              <a14:hiddenFill xmlns:a14="http://schemas.microsoft.com/office/drawing/2010/main" xmlns="">
+              <a14:hiddenFill xmlns="" xmlns:a14="http://schemas.microsoft.com/office/drawing/2010/main">
                 <a:solidFill>
                   <a:schemeClr val="accent1"/>
                 </a:solidFill>
               </a14:hiddenFill>
             </a:ext>
             <a:ext uri="{91240B29-F687-4F45-9708-019B960494DF}">
-              <a14:hiddenLine xmlns:a14="http://schemas.microsoft.com/office/drawing/2010/main" xmlns="" w="9525">
+              <a14:hiddenLine xmlns="" xmlns:a14="http://schemas.microsoft.com/office/drawing/2010/main" w="9525">
                 <a:solidFill>
                   <a:schemeClr val="tx1"/>
                 </a:solidFill>
@@ -6997,7 +7003,7 @@
               </a14:hiddenLine>
             </a:ext>
             <a:ext uri="{AF507438-7753-43E0-B8FC-AC1667EBCBE1}">
-              <a14:hiddenEffects xmlns:a14="http://schemas.microsoft.com/office/drawing/2010/main" xmlns="">
+              <a14:hiddenEffects xmlns="" xmlns:a14="http://schemas.microsoft.com/office/drawing/2010/main">
                 <a:effectLst>
                   <a:outerShdw dist="35921" dir="2700000" algn="ctr" rotWithShape="0">
                     <a:schemeClr val="bg2"/>
@@ -7256,7 +7262,7 @@
           <p:cNvPr id="12" name="Rectangle 6">
             <a:extLst>
               <a:ext uri="{FF2B5EF4-FFF2-40B4-BE49-F238E27FC236}">
-                <a16:creationId xmlns:a16="http://schemas.microsoft.com/office/drawing/2014/main" xmlns="" id="{28274D3B-A936-4604-AF45-330428509862}"/>
+                <a16:creationId xmlns="" xmlns:a16="http://schemas.microsoft.com/office/drawing/2014/main" id="{28274D3B-A936-4604-AF45-330428509862}"/>
               </a:ext>
             </a:extLst>
           </p:cNvPr>
@@ -7280,14 +7286,14 @@
           <a:effectLst/>
           <a:extLst>
             <a:ext uri="{909E8E84-426E-40DD-AFC4-6F175D3DCCD1}">
-              <a14:hiddenFill xmlns:a14="http://schemas.microsoft.com/office/drawing/2010/main" xmlns="">
+              <a14:hiddenFill xmlns="" xmlns:a14="http://schemas.microsoft.com/office/drawing/2010/main">
                 <a:solidFill>
                   <a:schemeClr val="accent1"/>
                 </a:solidFill>
               </a14:hiddenFill>
             </a:ext>
             <a:ext uri="{91240B29-F687-4F45-9708-019B960494DF}">
-              <a14:hiddenLine xmlns:a14="http://schemas.microsoft.com/office/drawing/2010/main" xmlns="" w="9525">
+              <a14:hiddenLine xmlns="" xmlns:a14="http://schemas.microsoft.com/office/drawing/2010/main" w="9525">
                 <a:solidFill>
                   <a:schemeClr val="tx1"/>
                 </a:solidFill>
@@ -7297,7 +7303,7 @@
               </a14:hiddenLine>
             </a:ext>
             <a:ext uri="{AF507438-7753-43E0-B8FC-AC1667EBCBE1}">
-              <a14:hiddenEffects xmlns:a14="http://schemas.microsoft.com/office/drawing/2010/main" xmlns="">
+              <a14:hiddenEffects xmlns="" xmlns:a14="http://schemas.microsoft.com/office/drawing/2010/main">
                 <a:effectLst>
                   <a:outerShdw dist="35921" dir="2700000" algn="ctr" rotWithShape="0">
                     <a:schemeClr val="bg2"/>
@@ -7471,7 +7477,7 @@
     </p:spTree>
     <p:extLst>
       <p:ext uri="{BB962C8B-B14F-4D97-AF65-F5344CB8AC3E}">
-        <p14:creationId xmlns:p14="http://schemas.microsoft.com/office/powerpoint/2010/main" xmlns="" val="3712739744"/>
+        <p14:creationId xmlns="" xmlns:p14="http://schemas.microsoft.com/office/powerpoint/2010/main" val="3712739744"/>
       </p:ext>
     </p:extLst>
   </p:cSld>
@@ -7479,7 +7485,7 @@
     <a:masterClrMapping/>
   </p:clrMapOvr>
   <mc:AlternateContent xmlns:mc="http://schemas.openxmlformats.org/markup-compatibility/2006">
-    <mc:Choice xmlns:p14="http://schemas.microsoft.com/office/powerpoint/2010/main" xmlns="" Requires="p14">
+    <mc:Choice xmlns="" xmlns:p14="http://schemas.microsoft.com/office/powerpoint/2010/main" Requires="p14">
       <p:transition p14:dur="10"/>
     </mc:Choice>
     <mc:Fallback>
@@ -7511,7 +7517,7 @@
           <p:cNvPr id="2" name="标题 1">
             <a:extLst>
               <a:ext uri="{FF2B5EF4-FFF2-40B4-BE49-F238E27FC236}">
-                <a16:creationId xmlns:a16="http://schemas.microsoft.com/office/drawing/2014/main" xmlns="" id="{80902938-E901-4C80-B5EB-6CB90CA76B92}"/>
+                <a16:creationId xmlns="" xmlns:a16="http://schemas.microsoft.com/office/drawing/2014/main" id="{80902938-E901-4C80-B5EB-6CB90CA76B92}"/>
               </a:ext>
             </a:extLst>
           </p:cNvPr>
@@ -7545,7 +7551,7 @@
           <p:cNvPr id="4" name="副标题 5">
             <a:extLst>
               <a:ext uri="{FF2B5EF4-FFF2-40B4-BE49-F238E27FC236}">
-                <a16:creationId xmlns:a16="http://schemas.microsoft.com/office/drawing/2014/main" xmlns="" id="{4076475B-A27A-4F0D-809A-CA48E27A9C0B}"/>
+                <a16:creationId xmlns="" xmlns:a16="http://schemas.microsoft.com/office/drawing/2014/main" id="{4076475B-A27A-4F0D-809A-CA48E27A9C0B}"/>
               </a:ext>
             </a:extLst>
           </p:cNvPr>
@@ -7828,7 +7834,7 @@
     </p:spTree>
     <p:extLst>
       <p:ext uri="{BB962C8B-B14F-4D97-AF65-F5344CB8AC3E}">
-        <p14:creationId xmlns:p14="http://schemas.microsoft.com/office/powerpoint/2010/main" xmlns="" val="1012183448"/>
+        <p14:creationId xmlns="" xmlns:p14="http://schemas.microsoft.com/office/powerpoint/2010/main" val="1012183448"/>
       </p:ext>
     </p:extLst>
   </p:cSld>
@@ -7860,7 +7866,7 @@
           <p:cNvPr id="2" name="标题 1">
             <a:extLst>
               <a:ext uri="{FF2B5EF4-FFF2-40B4-BE49-F238E27FC236}">
-                <a16:creationId xmlns:a16="http://schemas.microsoft.com/office/drawing/2014/main" xmlns="" id="{80902938-E901-4C80-B5EB-6CB90CA76B92}"/>
+                <a16:creationId xmlns="" xmlns:a16="http://schemas.microsoft.com/office/drawing/2014/main" id="{80902938-E901-4C80-B5EB-6CB90CA76B92}"/>
               </a:ext>
             </a:extLst>
           </p:cNvPr>
@@ -7894,7 +7900,7 @@
           <p:cNvPr id="4" name="副标题 5">
             <a:extLst>
               <a:ext uri="{FF2B5EF4-FFF2-40B4-BE49-F238E27FC236}">
-                <a16:creationId xmlns:a16="http://schemas.microsoft.com/office/drawing/2014/main" xmlns="" id="{4076475B-A27A-4F0D-809A-CA48E27A9C0B}"/>
+                <a16:creationId xmlns="" xmlns:a16="http://schemas.microsoft.com/office/drawing/2014/main" id="{4076475B-A27A-4F0D-809A-CA48E27A9C0B}"/>
               </a:ext>
             </a:extLst>
           </p:cNvPr>
@@ -8177,7 +8183,7 @@
     </p:spTree>
     <p:extLst>
       <p:ext uri="{BB962C8B-B14F-4D97-AF65-F5344CB8AC3E}">
-        <p14:creationId xmlns:p14="http://schemas.microsoft.com/office/powerpoint/2010/main" xmlns="" val="1012183448"/>
+        <p14:creationId xmlns="" xmlns:p14="http://schemas.microsoft.com/office/powerpoint/2010/main" val="1012183448"/>
       </p:ext>
     </p:extLst>
   </p:cSld>
@@ -8209,7 +8215,7 @@
           <p:cNvPr id="2" name="标题 1">
             <a:extLst>
               <a:ext uri="{FF2B5EF4-FFF2-40B4-BE49-F238E27FC236}">
-                <a16:creationId xmlns:a16="http://schemas.microsoft.com/office/drawing/2014/main" xmlns="" id="{80902938-E901-4C80-B5EB-6CB90CA76B92}"/>
+                <a16:creationId xmlns="" xmlns:a16="http://schemas.microsoft.com/office/drawing/2014/main" id="{80902938-E901-4C80-B5EB-6CB90CA76B92}"/>
               </a:ext>
             </a:extLst>
           </p:cNvPr>
@@ -8242,7 +8248,7 @@
           <p:cNvPr id="3" name="副标题 2">
             <a:extLst>
               <a:ext uri="{FF2B5EF4-FFF2-40B4-BE49-F238E27FC236}">
-                <a16:creationId xmlns:a16="http://schemas.microsoft.com/office/drawing/2014/main" xmlns="" id="{A17CEEB7-976D-4463-900C-B0BA7A0621FF}"/>
+                <a16:creationId xmlns="" xmlns:a16="http://schemas.microsoft.com/office/drawing/2014/main" id="{A17CEEB7-976D-4463-900C-B0BA7A0621FF}"/>
               </a:ext>
             </a:extLst>
           </p:cNvPr>
@@ -8286,7 +8292,7 @@
     </p:spTree>
     <p:extLst>
       <p:ext uri="{BB962C8B-B14F-4D97-AF65-F5344CB8AC3E}">
-        <p14:creationId xmlns:p14="http://schemas.microsoft.com/office/powerpoint/2010/main" xmlns="" val="2121645548"/>
+        <p14:creationId xmlns="" xmlns:p14="http://schemas.microsoft.com/office/powerpoint/2010/main" val="2121645548"/>
       </p:ext>
     </p:extLst>
   </p:cSld>
@@ -8318,7 +8324,7 @@
           <p:cNvPr id="3" name="图片 2">
             <a:extLst>
               <a:ext uri="{FF2B5EF4-FFF2-40B4-BE49-F238E27FC236}">
-                <a16:creationId xmlns:a16="http://schemas.microsoft.com/office/drawing/2014/main" xmlns="" id="{3E56A10C-BBE5-41F6-9ABE-BF6121D952FE}"/>
+                <a16:creationId xmlns="" xmlns:a16="http://schemas.microsoft.com/office/drawing/2014/main" id="{3E56A10C-BBE5-41F6-9ABE-BF6121D952FE}"/>
               </a:ext>
             </a:extLst>
           </p:cNvPr>
@@ -8361,7 +8367,7 @@
           <p:cNvPr id="5" name="图片 4">
             <a:extLst>
               <a:ext uri="{FF2B5EF4-FFF2-40B4-BE49-F238E27FC236}">
-                <a16:creationId xmlns:a16="http://schemas.microsoft.com/office/drawing/2014/main" xmlns="" id="{7E920799-904E-4F94-94CC-FB24B9FAC50B}"/>
+                <a16:creationId xmlns="" xmlns:a16="http://schemas.microsoft.com/office/drawing/2014/main" id="{7E920799-904E-4F94-94CC-FB24B9FAC50B}"/>
               </a:ext>
             </a:extLst>
           </p:cNvPr>
@@ -8374,7 +8380,7 @@
           <a:blip r:embed="rId3" cstate="print">
             <a:extLst>
               <a:ext uri="{28A0092B-C50C-407E-A947-70E740481C1C}">
-                <a14:useLocalDpi xmlns:a14="http://schemas.microsoft.com/office/drawing/2010/main" xmlns="" val="0"/>
+                <a14:useLocalDpi xmlns="" xmlns:a14="http://schemas.microsoft.com/office/drawing/2010/main" val="0"/>
               </a:ext>
             </a:extLst>
           </a:blip>
@@ -8410,7 +8416,7 @@
           <p:cNvPr id="6" name="矩形 5">
             <a:extLst>
               <a:ext uri="{FF2B5EF4-FFF2-40B4-BE49-F238E27FC236}">
-                <a16:creationId xmlns:a16="http://schemas.microsoft.com/office/drawing/2014/main" xmlns="" id="{B1017966-2F8B-495F-BEC7-AA848D09816B}"/>
+                <a16:creationId xmlns="" xmlns:a16="http://schemas.microsoft.com/office/drawing/2014/main" id="{B1017966-2F8B-495F-BEC7-AA848D09816B}"/>
               </a:ext>
             </a:extLst>
           </p:cNvPr>
@@ -8458,7 +8464,7 @@
           <p:cNvPr id="7" name="矩形 6">
             <a:extLst>
               <a:ext uri="{FF2B5EF4-FFF2-40B4-BE49-F238E27FC236}">
-                <a16:creationId xmlns:a16="http://schemas.microsoft.com/office/drawing/2014/main" xmlns="" id="{73F88DF0-E775-4B59-8F1C-8A5457CCFF4E}"/>
+                <a16:creationId xmlns="" xmlns:a16="http://schemas.microsoft.com/office/drawing/2014/main" id="{73F88DF0-E775-4B59-8F1C-8A5457CCFF4E}"/>
               </a:ext>
             </a:extLst>
           </p:cNvPr>
@@ -8516,7 +8522,7 @@
           <p:cNvPr id="8" name="标题 1">
             <a:extLst>
               <a:ext uri="{FF2B5EF4-FFF2-40B4-BE49-F238E27FC236}">
-                <a16:creationId xmlns:a16="http://schemas.microsoft.com/office/drawing/2014/main" xmlns="" id="{80902938-E901-4C80-B5EB-6CB90CA76B92}"/>
+                <a16:creationId xmlns="" xmlns:a16="http://schemas.microsoft.com/office/drawing/2014/main" id="{80902938-E901-4C80-B5EB-6CB90CA76B92}"/>
               </a:ext>
             </a:extLst>
           </p:cNvPr>
@@ -8548,13 +8554,20 @@
     </p:spTree>
     <p:extLst>
       <p:ext uri="{BB962C8B-B14F-4D97-AF65-F5344CB8AC3E}">
-        <p14:creationId xmlns:p14="http://schemas.microsoft.com/office/powerpoint/2010/main" xmlns="" val="2385893079"/>
+        <p14:creationId xmlns="" xmlns:p14="http://schemas.microsoft.com/office/powerpoint/2010/main" val="2385893079"/>
       </p:ext>
     </p:extLst>
   </p:cSld>
   <p:clrMapOvr>
     <a:masterClrMapping/>
   </p:clrMapOvr>
+  <p:timing>
+    <p:tnLst>
+      <p:par>
+        <p:cTn id="1" dur="indefinite" restart="never" nodeType="tmRoot"/>
+      </p:par>
+    </p:tnLst>
+  </p:timing>
 </p:sld>
 </file>
 
@@ -8580,7 +8593,7 @@
           <p:cNvPr id="2" name="标题 1">
             <a:extLst>
               <a:ext uri="{FF2B5EF4-FFF2-40B4-BE49-F238E27FC236}">
-                <a16:creationId xmlns:a16="http://schemas.microsoft.com/office/drawing/2014/main" xmlns="" id="{80902938-E901-4C80-B5EB-6CB90CA76B92}"/>
+                <a16:creationId xmlns="" xmlns:a16="http://schemas.microsoft.com/office/drawing/2014/main" id="{80902938-E901-4C80-B5EB-6CB90CA76B92}"/>
               </a:ext>
             </a:extLst>
           </p:cNvPr>
@@ -8621,7 +8634,7 @@
           <p:cNvPr id="6" name="副标题 5">
             <a:extLst>
               <a:ext uri="{FF2B5EF4-FFF2-40B4-BE49-F238E27FC236}">
-                <a16:creationId xmlns:a16="http://schemas.microsoft.com/office/drawing/2014/main" xmlns="" id="{897EB50D-10C1-4F1B-BC16-4F64912A5FA8}"/>
+                <a16:creationId xmlns="" xmlns:a16="http://schemas.microsoft.com/office/drawing/2014/main" id="{897EB50D-10C1-4F1B-BC16-4F64912A5FA8}"/>
               </a:ext>
             </a:extLst>
           </p:cNvPr>
@@ -8797,13 +8810,20 @@
     </p:spTree>
     <p:extLst>
       <p:ext uri="{BB962C8B-B14F-4D97-AF65-F5344CB8AC3E}">
-        <p14:creationId xmlns:p14="http://schemas.microsoft.com/office/powerpoint/2010/main" xmlns="" val="2233355971"/>
+        <p14:creationId xmlns="" xmlns:p14="http://schemas.microsoft.com/office/powerpoint/2010/main" val="2233355971"/>
       </p:ext>
     </p:extLst>
   </p:cSld>
   <p:clrMapOvr>
     <a:masterClrMapping/>
   </p:clrMapOvr>
+  <p:timing>
+    <p:tnLst>
+      <p:par>
+        <p:cTn id="1" dur="indefinite" restart="never" nodeType="tmRoot"/>
+      </p:par>
+    </p:tnLst>
+  </p:timing>
 </p:sld>
 </file>
 
@@ -8829,7 +8849,7 @@
           <p:cNvPr id="2" name="标题 1">
             <a:extLst>
               <a:ext uri="{FF2B5EF4-FFF2-40B4-BE49-F238E27FC236}">
-                <a16:creationId xmlns:a16="http://schemas.microsoft.com/office/drawing/2014/main" xmlns="" id="{80902938-E901-4C80-B5EB-6CB90CA76B92}"/>
+                <a16:creationId xmlns="" xmlns:a16="http://schemas.microsoft.com/office/drawing/2014/main" id="{80902938-E901-4C80-B5EB-6CB90CA76B92}"/>
               </a:ext>
             </a:extLst>
           </p:cNvPr>
@@ -8870,7 +8890,7 @@
           <p:cNvPr id="6" name="副标题 5">
             <a:extLst>
               <a:ext uri="{FF2B5EF4-FFF2-40B4-BE49-F238E27FC236}">
-                <a16:creationId xmlns:a16="http://schemas.microsoft.com/office/drawing/2014/main" xmlns="" id="{897EB50D-10C1-4F1B-BC16-4F64912A5FA8}"/>
+                <a16:creationId xmlns="" xmlns:a16="http://schemas.microsoft.com/office/drawing/2014/main" id="{897EB50D-10C1-4F1B-BC16-4F64912A5FA8}"/>
               </a:ext>
             </a:extLst>
           </p:cNvPr>
@@ -9025,7 +9045,7 @@
     </p:spTree>
     <p:extLst>
       <p:ext uri="{BB962C8B-B14F-4D97-AF65-F5344CB8AC3E}">
-        <p14:creationId xmlns:p14="http://schemas.microsoft.com/office/powerpoint/2010/main" xmlns="" val="1348612037"/>
+        <p14:creationId xmlns="" xmlns:p14="http://schemas.microsoft.com/office/powerpoint/2010/main" val="1348612037"/>
       </p:ext>
     </p:extLst>
   </p:cSld>
@@ -9033,13 +9053,20 @@
     <a:masterClrMapping/>
   </p:clrMapOvr>
   <mc:AlternateContent xmlns:mc="http://schemas.openxmlformats.org/markup-compatibility/2006">
-    <mc:Choice xmlns:p14="http://schemas.microsoft.com/office/powerpoint/2010/main" xmlns="" Requires="p14">
+    <mc:Choice xmlns="" xmlns:p14="http://schemas.microsoft.com/office/powerpoint/2010/main" Requires="p14">
       <p:transition p14:dur="10"/>
     </mc:Choice>
     <mc:Fallback>
       <p:transition/>
     </mc:Fallback>
   </mc:AlternateContent>
+  <p:timing>
+    <p:tnLst>
+      <p:par>
+        <p:cTn id="1" dur="indefinite" restart="never" nodeType="tmRoot"/>
+      </p:par>
+    </p:tnLst>
+  </p:timing>
 </p:sld>
 </file>
 
@@ -9065,7 +9092,7 @@
           <p:cNvPr id="2" name="标题 1">
             <a:extLst>
               <a:ext uri="{FF2B5EF4-FFF2-40B4-BE49-F238E27FC236}">
-                <a16:creationId xmlns:a16="http://schemas.microsoft.com/office/drawing/2014/main" xmlns="" id="{80902938-E901-4C80-B5EB-6CB90CA76B92}"/>
+                <a16:creationId xmlns="" xmlns:a16="http://schemas.microsoft.com/office/drawing/2014/main" id="{80902938-E901-4C80-B5EB-6CB90CA76B92}"/>
               </a:ext>
             </a:extLst>
           </p:cNvPr>
@@ -9098,7 +9125,7 @@
           <p:cNvPr id="6" name="副标题 5">
             <a:extLst>
               <a:ext uri="{FF2B5EF4-FFF2-40B4-BE49-F238E27FC236}">
-                <a16:creationId xmlns:a16="http://schemas.microsoft.com/office/drawing/2014/main" xmlns="" id="{897EB50D-10C1-4F1B-BC16-4F64912A5FA8}"/>
+                <a16:creationId xmlns="" xmlns:a16="http://schemas.microsoft.com/office/drawing/2014/main" id="{897EB50D-10C1-4F1B-BC16-4F64912A5FA8}"/>
               </a:ext>
             </a:extLst>
           </p:cNvPr>
@@ -9169,13 +9196,20 @@
     </p:spTree>
     <p:extLst>
       <p:ext uri="{BB962C8B-B14F-4D97-AF65-F5344CB8AC3E}">
-        <p14:creationId xmlns:p14="http://schemas.microsoft.com/office/powerpoint/2010/main" xmlns="" val="3079813442"/>
+        <p14:creationId xmlns="" xmlns:p14="http://schemas.microsoft.com/office/powerpoint/2010/main" val="3079813442"/>
       </p:ext>
     </p:extLst>
   </p:cSld>
   <p:clrMapOvr>
     <a:masterClrMapping/>
   </p:clrMapOvr>
+  <p:timing>
+    <p:tnLst>
+      <p:par>
+        <p:cTn id="1" dur="indefinite" restart="never" nodeType="tmRoot"/>
+      </p:par>
+    </p:tnLst>
+  </p:timing>
 </p:sld>
 </file>
 
@@ -9201,7 +9235,7 @@
           <p:cNvPr id="2" name="标题 1">
             <a:extLst>
               <a:ext uri="{FF2B5EF4-FFF2-40B4-BE49-F238E27FC236}">
-                <a16:creationId xmlns:a16="http://schemas.microsoft.com/office/drawing/2014/main" xmlns="" id="{80902938-E901-4C80-B5EB-6CB90CA76B92}"/>
+                <a16:creationId xmlns="" xmlns:a16="http://schemas.microsoft.com/office/drawing/2014/main" id="{80902938-E901-4C80-B5EB-6CB90CA76B92}"/>
               </a:ext>
             </a:extLst>
           </p:cNvPr>
@@ -9234,7 +9268,7 @@
           <p:cNvPr id="6" name="副标题 5">
             <a:extLst>
               <a:ext uri="{FF2B5EF4-FFF2-40B4-BE49-F238E27FC236}">
-                <a16:creationId xmlns:a16="http://schemas.microsoft.com/office/drawing/2014/main" xmlns="" id="{897EB50D-10C1-4F1B-BC16-4F64912A5FA8}"/>
+                <a16:creationId xmlns="" xmlns:a16="http://schemas.microsoft.com/office/drawing/2014/main" id="{897EB50D-10C1-4F1B-BC16-4F64912A5FA8}"/>
               </a:ext>
             </a:extLst>
           </p:cNvPr>
@@ -9264,13 +9298,20 @@
     </p:spTree>
     <p:extLst>
       <p:ext uri="{BB962C8B-B14F-4D97-AF65-F5344CB8AC3E}">
-        <p14:creationId xmlns:p14="http://schemas.microsoft.com/office/powerpoint/2010/main" xmlns="" val="1729450342"/>
+        <p14:creationId xmlns="" xmlns:p14="http://schemas.microsoft.com/office/powerpoint/2010/main" val="1729450342"/>
       </p:ext>
     </p:extLst>
   </p:cSld>
   <p:clrMapOvr>
     <a:masterClrMapping/>
   </p:clrMapOvr>
+  <p:timing>
+    <p:tnLst>
+      <p:par>
+        <p:cTn id="1" dur="indefinite" restart="never" nodeType="tmRoot"/>
+      </p:par>
+    </p:tnLst>
+  </p:timing>
 </p:sld>
 </file>
 
@@ -9296,7 +9337,7 @@
           <p:cNvPr id="2" name="标题 1">
             <a:extLst>
               <a:ext uri="{FF2B5EF4-FFF2-40B4-BE49-F238E27FC236}">
-                <a16:creationId xmlns:a16="http://schemas.microsoft.com/office/drawing/2014/main" xmlns="" id="{80902938-E901-4C80-B5EB-6CB90CA76B92}"/>
+                <a16:creationId xmlns="" xmlns:a16="http://schemas.microsoft.com/office/drawing/2014/main" id="{80902938-E901-4C80-B5EB-6CB90CA76B92}"/>
               </a:ext>
             </a:extLst>
           </p:cNvPr>
@@ -9329,7 +9370,7 @@
           <p:cNvPr id="6" name="副标题 5">
             <a:extLst>
               <a:ext uri="{FF2B5EF4-FFF2-40B4-BE49-F238E27FC236}">
-                <a16:creationId xmlns:a16="http://schemas.microsoft.com/office/drawing/2014/main" xmlns="" id="{897EB50D-10C1-4F1B-BC16-4F64912A5FA8}"/>
+                <a16:creationId xmlns="" xmlns:a16="http://schemas.microsoft.com/office/drawing/2014/main" id="{897EB50D-10C1-4F1B-BC16-4F64912A5FA8}"/>
               </a:ext>
             </a:extLst>
           </p:cNvPr>
@@ -9359,13 +9400,20 @@
     </p:spTree>
     <p:extLst>
       <p:ext uri="{BB962C8B-B14F-4D97-AF65-F5344CB8AC3E}">
-        <p14:creationId xmlns:p14="http://schemas.microsoft.com/office/powerpoint/2010/main" xmlns="" val="3762058229"/>
+        <p14:creationId xmlns="" xmlns:p14="http://schemas.microsoft.com/office/powerpoint/2010/main" val="3762058229"/>
       </p:ext>
     </p:extLst>
   </p:cSld>
   <p:clrMapOvr>
     <a:masterClrMapping/>
   </p:clrMapOvr>
+  <p:timing>
+    <p:tnLst>
+      <p:par>
+        <p:cTn id="1" dur="indefinite" restart="never" nodeType="tmRoot"/>
+      </p:par>
+    </p:tnLst>
+  </p:timing>
 </p:sld>
 </file>
 
@@ -9391,7 +9439,7 @@
           <p:cNvPr id="2" name="标题 1">
             <a:extLst>
               <a:ext uri="{FF2B5EF4-FFF2-40B4-BE49-F238E27FC236}">
-                <a16:creationId xmlns:a16="http://schemas.microsoft.com/office/drawing/2014/main" xmlns="" id="{80902938-E901-4C80-B5EB-6CB90CA76B92}"/>
+                <a16:creationId xmlns="" xmlns:a16="http://schemas.microsoft.com/office/drawing/2014/main" id="{80902938-E901-4C80-B5EB-6CB90CA76B92}"/>
               </a:ext>
             </a:extLst>
           </p:cNvPr>
@@ -9424,7 +9472,7 @@
           <p:cNvPr id="7" name="副标题 5">
             <a:extLst>
               <a:ext uri="{FF2B5EF4-FFF2-40B4-BE49-F238E27FC236}">
-                <a16:creationId xmlns:a16="http://schemas.microsoft.com/office/drawing/2014/main" xmlns="" id="{4033271F-F664-4B63-B286-B34A2920298A}"/>
+                <a16:creationId xmlns="" xmlns:a16="http://schemas.microsoft.com/office/drawing/2014/main" id="{4033271F-F664-4B63-B286-B34A2920298A}"/>
               </a:ext>
             </a:extLst>
           </p:cNvPr>
@@ -9810,13 +9858,20 @@
     </p:spTree>
     <p:extLst>
       <p:ext uri="{BB962C8B-B14F-4D97-AF65-F5344CB8AC3E}">
-        <p14:creationId xmlns:p14="http://schemas.microsoft.com/office/powerpoint/2010/main" xmlns="" val="3302367872"/>
+        <p14:creationId xmlns="" xmlns:p14="http://schemas.microsoft.com/office/powerpoint/2010/main" val="3302367872"/>
       </p:ext>
     </p:extLst>
   </p:cSld>
   <p:clrMapOvr>
     <a:masterClrMapping/>
   </p:clrMapOvr>
+  <p:timing>
+    <p:tnLst>
+      <p:par>
+        <p:cTn id="1" dur="indefinite" restart="never" nodeType="tmRoot"/>
+      </p:par>
+    </p:tnLst>
+  </p:timing>
 </p:sld>
 </file>
 
@@ -9842,7 +9897,7 @@
           <p:cNvPr id="2" name="标题 1">
             <a:extLst>
               <a:ext uri="{FF2B5EF4-FFF2-40B4-BE49-F238E27FC236}">
-                <a16:creationId xmlns:a16="http://schemas.microsoft.com/office/drawing/2014/main" xmlns="" id="{80902938-E901-4C80-B5EB-6CB90CA76B92}"/>
+                <a16:creationId xmlns="" xmlns:a16="http://schemas.microsoft.com/office/drawing/2014/main" id="{80902938-E901-4C80-B5EB-6CB90CA76B92}"/>
               </a:ext>
             </a:extLst>
           </p:cNvPr>
@@ -9865,11 +9920,11 @@
           <a:p>
             <a:r>
               <a:rPr lang="en-US" altLang="zh-CN" sz="4000" dirty="0" smtClean="0"/>
-              <a:t> </a:t>
-            </a:r>
-            <a:r>
-              <a:rPr lang="en-US" altLang="zh-CN" sz="4000" dirty="0" smtClean="0"/>
-              <a:t> </a:t>
+              <a:t>  </a:t>
+            </a:r>
+            <a:r>
+              <a:rPr lang="zh-CN" altLang="en-US" sz="4000" dirty="0" smtClean="0"/>
+              <a:t>概率和</a:t>
             </a:r>
             <a:r>
               <a:rPr lang="zh-CN" altLang="en-US" sz="4000" dirty="0" smtClean="0"/>
@@ -9884,7 +9939,7 @@
           <p:cNvPr id="3" name="副标题 2">
             <a:extLst>
               <a:ext uri="{FF2B5EF4-FFF2-40B4-BE49-F238E27FC236}">
-                <a16:creationId xmlns:a16="http://schemas.microsoft.com/office/drawing/2014/main" xmlns="" id="{A17CEEB7-976D-4463-900C-B0BA7A0621FF}"/>
+                <a16:creationId xmlns="" xmlns:a16="http://schemas.microsoft.com/office/drawing/2014/main" id="{A17CEEB7-976D-4463-900C-B0BA7A0621FF}"/>
               </a:ext>
             </a:extLst>
           </p:cNvPr>
@@ -9897,31 +9952,865 @@
         </p:nvSpPr>
         <p:spPr>
           <a:xfrm>
-            <a:off x="531500" y="1067825"/>
-            <a:ext cx="9890582" cy="470030"/>
+            <a:off x="531500" y="1258957"/>
+            <a:ext cx="1403317" cy="5062330"/>
           </a:xfrm>
         </p:spPr>
         <p:txBody>
-          <a:bodyPr/>
+          <a:bodyPr>
+            <a:normAutofit fontScale="92500" lnSpcReduction="10000"/>
+          </a:bodyPr>
           <a:lstStyle/>
           <a:p>
             <a:r>
-              <a:rPr lang="zh-CN" altLang="en-US" dirty="0"/>
+              <a:rPr lang="zh-CN" altLang="en-US" dirty="0" smtClean="0"/>
               <a:t>概率</a:t>
             </a:r>
+            <a:r>
+              <a:rPr lang="en-US" altLang="zh-CN" dirty="0" smtClean="0"/>
+              <a:t/>
+            </a:r>
+            <a:br>
+              <a:rPr lang="en-US" altLang="zh-CN" dirty="0" smtClean="0"/>
+            </a:br>
+            <a:r>
+              <a:rPr lang="zh-CN" altLang="en-US" dirty="0" smtClean="0"/>
+              <a:t>分布</a:t>
+            </a:r>
+            <a:endParaRPr lang="en-US" altLang="zh-CN" dirty="0" smtClean="0"/>
+          </a:p>
+          <a:p>
+            <a:r>
+              <a:rPr lang="zh-CN" altLang="en-US" dirty="0" smtClean="0"/>
+              <a:t>随机变量</a:t>
+            </a:r>
+            <a:endParaRPr lang="en-US" altLang="zh-CN" dirty="0" smtClean="0"/>
+          </a:p>
+          <a:p>
+            <a:r>
+              <a:rPr lang="zh-CN" altLang="en-US" dirty="0" smtClean="0"/>
+              <a:t>期望</a:t>
+            </a:r>
+            <a:endParaRPr lang="en-US" altLang="zh-CN" dirty="0" smtClean="0"/>
+          </a:p>
+          <a:p>
+            <a:r>
+              <a:rPr lang="zh-CN" altLang="en-US" dirty="0" smtClean="0"/>
+              <a:t>方差</a:t>
+            </a:r>
+            <a:endParaRPr lang="en-US" altLang="zh-CN" dirty="0" smtClean="0"/>
+          </a:p>
+          <a:p>
+            <a:r>
+              <a:rPr lang="zh-CN" altLang="en-US" dirty="0" smtClean="0"/>
+              <a:t>协方差</a:t>
+            </a:r>
+            <a:endParaRPr lang="en-US" altLang="zh-CN" dirty="0" smtClean="0"/>
+          </a:p>
+          <a:p>
+            <a:r>
+              <a:rPr lang="zh-CN" altLang="en-US" dirty="0" smtClean="0"/>
+              <a:t>条件期望</a:t>
+            </a:r>
+            <a:endParaRPr lang="en-US" altLang="zh-CN" dirty="0" smtClean="0"/>
+          </a:p>
+          <a:p>
+            <a:r>
+              <a:rPr lang="zh-CN" altLang="en-US" dirty="0" smtClean="0"/>
+              <a:t>矩生成函数</a:t>
+            </a:r>
+            <a:endParaRPr lang="en-US" altLang="zh-CN" dirty="0" smtClean="0"/>
+          </a:p>
+          <a:p>
+            <a:r>
+              <a:rPr lang="zh-CN" altLang="en-US" dirty="0" smtClean="0"/>
+              <a:t>大数定理</a:t>
+            </a:r>
+            <a:endParaRPr lang="en-US" altLang="zh-CN" dirty="0" smtClean="0"/>
+          </a:p>
+          <a:p>
+            <a:r>
+              <a:rPr lang="zh-CN" altLang="en-US" dirty="0" smtClean="0"/>
+              <a:t>中心极限定理</a:t>
+            </a:r>
+            <a:endParaRPr lang="en-US" altLang="zh-CN" dirty="0" smtClean="0"/>
+          </a:p>
+          <a:p>
+            <a:r>
+              <a:rPr lang="zh-CN" altLang="en-US" dirty="0" smtClean="0"/>
+              <a:t>抽样分布</a:t>
+            </a:r>
+            <a:endParaRPr lang="en-US" altLang="zh-CN" dirty="0" smtClean="0"/>
+          </a:p>
+          <a:p>
+            <a:r>
+              <a:rPr lang="zh-CN" altLang="en-US" dirty="0" smtClean="0"/>
+              <a:t>偏倚</a:t>
+            </a:r>
+            <a:endParaRPr lang="en-US" altLang="zh-CN" dirty="0" smtClean="0"/>
+          </a:p>
+        </p:txBody>
+      </p:sp>
+      <p:sp>
+        <p:nvSpPr>
+          <p:cNvPr id="4" name="副标题 2">
+            <a:extLst>
+              <a:ext uri="{FF2B5EF4-FFF2-40B4-BE49-F238E27FC236}">
+                <a16:creationId xmlns="" xmlns:a16="http://schemas.microsoft.com/office/drawing/2014/main" id="{A17CEEB7-976D-4463-900C-B0BA7A0621FF}"/>
+              </a:ext>
+            </a:extLst>
+          </p:cNvPr>
+          <p:cNvSpPr txBox="1">
+            <a:spLocks/>
+          </p:cNvSpPr>
+          <p:nvPr/>
+        </p:nvSpPr>
+        <p:spPr>
+          <a:xfrm>
+            <a:off x="2923517" y="1100956"/>
+            <a:ext cx="2052674" cy="5253462"/>
+          </a:xfrm>
+          <a:prstGeom prst="rect">
+            <a:avLst/>
+          </a:prstGeom>
+        </p:spPr>
+        <p:txBody>
+          <a:bodyPr vert="horz" lIns="91440" tIns="45720" rIns="91440" bIns="45720" rtlCol="0" anchor="t">
+            <a:normAutofit/>
+          </a:bodyPr>
+          <a:lstStyle/>
+          <a:p>
+            <a:pPr marL="0" marR="0" lvl="0" indent="0" algn="l" defTabSz="457200" rtl="0" eaLnBrk="1" fontAlgn="auto" latinLnBrk="0" hangingPunct="1">
+              <a:lnSpc>
+                <a:spcPct val="100000"/>
+              </a:lnSpc>
+              <a:spcBef>
+                <a:spcPts val="1000"/>
+              </a:spcBef>
+              <a:spcAft>
+                <a:spcPts val="0"/>
+              </a:spcAft>
+              <a:buClr>
+                <a:schemeClr val="bg2">
+                  <a:lumMod val="40000"/>
+                  <a:lumOff val="60000"/>
+                </a:schemeClr>
+              </a:buClr>
+              <a:buSzPct val="80000"/>
+              <a:buFont typeface="Wingdings 3" charset="2"/>
+              <a:buNone/>
+              <a:tabLst/>
+              <a:defRPr/>
+            </a:pPr>
+            <a:r>
+              <a:rPr lang="zh-CN" altLang="en-US" sz="2000" cap="all" dirty="0" smtClean="0">
+                <a:solidFill>
+                  <a:schemeClr val="bg2">
+                    <a:lumMod val="40000"/>
+                    <a:lumOff val="60000"/>
+                  </a:schemeClr>
+                </a:solidFill>
+                <a:latin typeface="+mj-lt"/>
+                <a:ea typeface="+mj-ea"/>
+                <a:cs typeface="+mj-cs"/>
+              </a:rPr>
+              <a:t>标准误差</a:t>
+            </a:r>
+            <a:r>
+              <a:rPr kumimoji="0" lang="en-US" altLang="zh-CN" sz="2000" b="0" i="0" u="none" strike="noStrike" kern="1200" cap="all" spc="0" normalizeH="0" baseline="0" noProof="0" dirty="0" smtClean="0">
+                <a:ln>
+                  <a:noFill/>
+                </a:ln>
+                <a:solidFill>
+                  <a:schemeClr val="bg2">
+                    <a:lumMod val="40000"/>
+                    <a:lumOff val="60000"/>
+                  </a:schemeClr>
+                </a:solidFill>
+                <a:effectLst/>
+                <a:uLnTx/>
+                <a:uFillTx/>
+                <a:latin typeface="+mj-lt"/>
+                <a:ea typeface="+mj-ea"/>
+                <a:cs typeface="+mj-cs"/>
+              </a:rPr>
+              <a:t/>
+            </a:r>
+            <a:br>
+              <a:rPr kumimoji="0" lang="en-US" altLang="zh-CN" sz="2000" b="0" i="0" u="none" strike="noStrike" kern="1200" cap="all" spc="0" normalizeH="0" baseline="0" noProof="0" dirty="0" smtClean="0">
+                <a:ln>
+                  <a:noFill/>
+                </a:ln>
+                <a:solidFill>
+                  <a:schemeClr val="bg2">
+                    <a:lumMod val="40000"/>
+                    <a:lumOff val="60000"/>
+                  </a:schemeClr>
+                </a:solidFill>
+                <a:effectLst/>
+                <a:uLnTx/>
+                <a:uFillTx/>
+                <a:latin typeface="+mj-lt"/>
+                <a:ea typeface="+mj-ea"/>
+                <a:cs typeface="+mj-cs"/>
+              </a:rPr>
+            </a:br>
+            <a:r>
+              <a:rPr lang="zh-CN" altLang="en-US" sz="2000" cap="all" dirty="0" smtClean="0">
+                <a:solidFill>
+                  <a:schemeClr val="bg2">
+                    <a:lumMod val="40000"/>
+                    <a:lumOff val="60000"/>
+                  </a:schemeClr>
+                </a:solidFill>
+                <a:latin typeface="+mj-lt"/>
+                <a:ea typeface="+mj-ea"/>
+                <a:cs typeface="+mj-cs"/>
+              </a:rPr>
+              <a:t>均方误差</a:t>
+            </a:r>
+            <a:endParaRPr kumimoji="0" lang="en-US" altLang="zh-CN" sz="2000" b="0" i="0" u="none" strike="noStrike" kern="1200" cap="all" spc="0" normalizeH="0" baseline="0" noProof="0" dirty="0" smtClean="0">
+              <a:ln>
+                <a:noFill/>
+              </a:ln>
+              <a:solidFill>
+                <a:schemeClr val="bg2">
+                  <a:lumMod val="40000"/>
+                  <a:lumOff val="60000"/>
+                </a:schemeClr>
+              </a:solidFill>
+              <a:effectLst/>
+              <a:uLnTx/>
+              <a:uFillTx/>
+              <a:latin typeface="+mj-lt"/>
+              <a:ea typeface="+mj-ea"/>
+              <a:cs typeface="+mj-cs"/>
+            </a:endParaRPr>
+          </a:p>
+          <a:p>
+            <a:pPr marL="0" marR="0" lvl="0" indent="0" algn="l" defTabSz="457200" rtl="0" eaLnBrk="1" fontAlgn="auto" latinLnBrk="0" hangingPunct="1">
+              <a:lnSpc>
+                <a:spcPct val="100000"/>
+              </a:lnSpc>
+              <a:spcBef>
+                <a:spcPts val="1000"/>
+              </a:spcBef>
+              <a:spcAft>
+                <a:spcPts val="0"/>
+              </a:spcAft>
+              <a:buClr>
+                <a:schemeClr val="bg2">
+                  <a:lumMod val="40000"/>
+                  <a:lumOff val="60000"/>
+                </a:schemeClr>
+              </a:buClr>
+              <a:buSzPct val="80000"/>
+              <a:buFont typeface="Wingdings 3" charset="2"/>
+              <a:buNone/>
+              <a:tabLst/>
+              <a:defRPr/>
+            </a:pPr>
+            <a:r>
+              <a:rPr lang="zh-CN" altLang="en-US" sz="2000" cap="all" dirty="0" smtClean="0">
+                <a:solidFill>
+                  <a:schemeClr val="bg2">
+                    <a:lumMod val="40000"/>
+                    <a:lumOff val="60000"/>
+                  </a:schemeClr>
+                </a:solidFill>
+                <a:latin typeface="+mj-lt"/>
+                <a:ea typeface="+mj-ea"/>
+                <a:cs typeface="+mj-cs"/>
+              </a:rPr>
+              <a:t>总体</a:t>
+            </a:r>
+            <a:endParaRPr lang="en-US" altLang="zh-CN" sz="2000" cap="all" dirty="0" smtClean="0">
+              <a:solidFill>
+                <a:schemeClr val="bg2">
+                  <a:lumMod val="40000"/>
+                  <a:lumOff val="60000"/>
+                </a:schemeClr>
+              </a:solidFill>
+              <a:latin typeface="+mj-lt"/>
+              <a:ea typeface="+mj-ea"/>
+              <a:cs typeface="+mj-cs"/>
+            </a:endParaRPr>
+          </a:p>
+          <a:p>
+            <a:pPr marL="0" marR="0" lvl="0" indent="0" algn="l" defTabSz="457200" rtl="0" eaLnBrk="1" fontAlgn="auto" latinLnBrk="0" hangingPunct="1">
+              <a:lnSpc>
+                <a:spcPct val="100000"/>
+              </a:lnSpc>
+              <a:spcBef>
+                <a:spcPts val="1000"/>
+              </a:spcBef>
+              <a:spcAft>
+                <a:spcPts val="0"/>
+              </a:spcAft>
+              <a:buClr>
+                <a:schemeClr val="bg2">
+                  <a:lumMod val="40000"/>
+                  <a:lumOff val="60000"/>
+                </a:schemeClr>
+              </a:buClr>
+              <a:buSzPct val="80000"/>
+              <a:buFont typeface="Wingdings 3" charset="2"/>
+              <a:buNone/>
+              <a:tabLst/>
+              <a:defRPr/>
+            </a:pPr>
+            <a:r>
+              <a:rPr lang="zh-CN" altLang="en-US" sz="2000" cap="all" dirty="0" smtClean="0">
+                <a:solidFill>
+                  <a:schemeClr val="bg2">
+                    <a:lumMod val="40000"/>
+                    <a:lumOff val="60000"/>
+                  </a:schemeClr>
+                </a:solidFill>
+                <a:latin typeface="+mj-lt"/>
+                <a:ea typeface="+mj-ea"/>
+                <a:cs typeface="+mj-cs"/>
+              </a:rPr>
+              <a:t>样本</a:t>
+            </a:r>
+            <a:endParaRPr lang="en-US" altLang="zh-CN" sz="2000" cap="all" dirty="0" smtClean="0">
+              <a:solidFill>
+                <a:schemeClr val="bg2">
+                  <a:lumMod val="40000"/>
+                  <a:lumOff val="60000"/>
+                </a:schemeClr>
+              </a:solidFill>
+              <a:latin typeface="+mj-lt"/>
+              <a:ea typeface="+mj-ea"/>
+              <a:cs typeface="+mj-cs"/>
+            </a:endParaRPr>
+          </a:p>
+          <a:p>
+            <a:pPr marL="0" marR="0" lvl="0" indent="0" algn="l" defTabSz="457200" rtl="0" eaLnBrk="1" fontAlgn="auto" latinLnBrk="0" hangingPunct="1">
+              <a:lnSpc>
+                <a:spcPct val="100000"/>
+              </a:lnSpc>
+              <a:spcBef>
+                <a:spcPts val="1000"/>
+              </a:spcBef>
+              <a:spcAft>
+                <a:spcPts val="0"/>
+              </a:spcAft>
+              <a:buClr>
+                <a:schemeClr val="bg2">
+                  <a:lumMod val="40000"/>
+                  <a:lumOff val="60000"/>
+                </a:schemeClr>
+              </a:buClr>
+              <a:buSzPct val="80000"/>
+              <a:buFont typeface="Wingdings 3" charset="2"/>
+              <a:buNone/>
+              <a:tabLst/>
+              <a:defRPr/>
+            </a:pPr>
+            <a:r>
+              <a:rPr lang="zh-CN" altLang="en-US" sz="2000" cap="all" dirty="0" smtClean="0">
+                <a:solidFill>
+                  <a:schemeClr val="bg2">
+                    <a:lumMod val="40000"/>
+                    <a:lumOff val="60000"/>
+                  </a:schemeClr>
+                </a:solidFill>
+                <a:latin typeface="+mj-lt"/>
+                <a:ea typeface="+mj-ea"/>
+                <a:cs typeface="+mj-cs"/>
+              </a:rPr>
+              <a:t>参数估计</a:t>
+            </a:r>
+            <a:endParaRPr lang="en-US" altLang="zh-CN" sz="2000" cap="all" dirty="0" smtClean="0">
+              <a:solidFill>
+                <a:schemeClr val="bg2">
+                  <a:lumMod val="40000"/>
+                  <a:lumOff val="60000"/>
+                </a:schemeClr>
+              </a:solidFill>
+              <a:latin typeface="+mj-lt"/>
+              <a:ea typeface="+mj-ea"/>
+              <a:cs typeface="+mj-cs"/>
+            </a:endParaRPr>
+          </a:p>
+          <a:p>
+            <a:pPr marL="0" marR="0" lvl="0" indent="0" algn="l" defTabSz="457200" rtl="0" eaLnBrk="1" fontAlgn="auto" latinLnBrk="0" hangingPunct="1">
+              <a:lnSpc>
+                <a:spcPct val="100000"/>
+              </a:lnSpc>
+              <a:spcBef>
+                <a:spcPts val="1000"/>
+              </a:spcBef>
+              <a:spcAft>
+                <a:spcPts val="0"/>
+              </a:spcAft>
+              <a:buClr>
+                <a:schemeClr val="bg2">
+                  <a:lumMod val="40000"/>
+                  <a:lumOff val="60000"/>
+                </a:schemeClr>
+              </a:buClr>
+              <a:buSzPct val="80000"/>
+              <a:buFont typeface="Wingdings 3" charset="2"/>
+              <a:buNone/>
+              <a:tabLst/>
+              <a:defRPr/>
+            </a:pPr>
+            <a:r>
+              <a:rPr lang="zh-CN" altLang="en-US" sz="2000" cap="all" dirty="0" smtClean="0">
+                <a:solidFill>
+                  <a:schemeClr val="bg2">
+                    <a:lumMod val="40000"/>
+                    <a:lumOff val="60000"/>
+                  </a:schemeClr>
+                </a:solidFill>
+                <a:latin typeface="+mj-lt"/>
+                <a:ea typeface="+mj-ea"/>
+                <a:cs typeface="+mj-cs"/>
+              </a:rPr>
+              <a:t>非参数方法</a:t>
+            </a:r>
+            <a:endParaRPr lang="en-US" altLang="zh-CN" sz="2000" cap="all" dirty="0" smtClean="0">
+              <a:solidFill>
+                <a:schemeClr val="bg2">
+                  <a:lumMod val="40000"/>
+                  <a:lumOff val="60000"/>
+                </a:schemeClr>
+              </a:solidFill>
+              <a:latin typeface="+mj-lt"/>
+              <a:ea typeface="+mj-ea"/>
+              <a:cs typeface="+mj-cs"/>
+            </a:endParaRPr>
+          </a:p>
+          <a:p>
+            <a:pPr marL="0" marR="0" lvl="0" indent="0" algn="l" defTabSz="457200" rtl="0" eaLnBrk="1" fontAlgn="auto" latinLnBrk="0" hangingPunct="1">
+              <a:lnSpc>
+                <a:spcPct val="100000"/>
+              </a:lnSpc>
+              <a:spcBef>
+                <a:spcPts val="1000"/>
+              </a:spcBef>
+              <a:spcAft>
+                <a:spcPts val="0"/>
+              </a:spcAft>
+              <a:buClr>
+                <a:schemeClr val="bg2">
+                  <a:lumMod val="40000"/>
+                  <a:lumOff val="60000"/>
+                </a:schemeClr>
+              </a:buClr>
+              <a:buSzPct val="80000"/>
+              <a:buFont typeface="Wingdings 3" charset="2"/>
+              <a:buNone/>
+              <a:tabLst/>
+              <a:defRPr/>
+            </a:pPr>
+            <a:r>
+              <a:rPr lang="zh-CN" altLang="en-US" sz="2000" cap="all" dirty="0" smtClean="0">
+                <a:solidFill>
+                  <a:schemeClr val="bg2">
+                    <a:lumMod val="40000"/>
+                    <a:lumOff val="60000"/>
+                  </a:schemeClr>
+                </a:solidFill>
+                <a:latin typeface="+mj-lt"/>
+                <a:ea typeface="+mj-ea"/>
+                <a:cs typeface="+mj-cs"/>
+              </a:rPr>
+              <a:t>矩方法</a:t>
+            </a:r>
+            <a:endParaRPr lang="en-US" altLang="zh-CN" sz="2000" cap="all" dirty="0" smtClean="0">
+              <a:solidFill>
+                <a:schemeClr val="bg2">
+                  <a:lumMod val="40000"/>
+                  <a:lumOff val="60000"/>
+                </a:schemeClr>
+              </a:solidFill>
+              <a:latin typeface="+mj-lt"/>
+              <a:ea typeface="+mj-ea"/>
+              <a:cs typeface="+mj-cs"/>
+            </a:endParaRPr>
+          </a:p>
+          <a:p>
+            <a:pPr marL="0" marR="0" lvl="0" indent="0" algn="l" defTabSz="457200" rtl="0" eaLnBrk="1" fontAlgn="auto" latinLnBrk="0" hangingPunct="1">
+              <a:lnSpc>
+                <a:spcPct val="100000"/>
+              </a:lnSpc>
+              <a:spcBef>
+                <a:spcPts val="1000"/>
+              </a:spcBef>
+              <a:spcAft>
+                <a:spcPts val="0"/>
+              </a:spcAft>
+              <a:buClr>
+                <a:schemeClr val="bg2">
+                  <a:lumMod val="40000"/>
+                  <a:lumOff val="60000"/>
+                </a:schemeClr>
+              </a:buClr>
+              <a:buSzPct val="80000"/>
+              <a:buFont typeface="Wingdings 3" charset="2"/>
+              <a:buNone/>
+              <a:tabLst/>
+              <a:defRPr/>
+            </a:pPr>
+            <a:r>
+              <a:rPr lang="zh-CN" altLang="en-US" sz="2000" cap="all" dirty="0" smtClean="0">
+                <a:solidFill>
+                  <a:schemeClr val="bg2">
+                    <a:lumMod val="40000"/>
+                    <a:lumOff val="60000"/>
+                  </a:schemeClr>
+                </a:solidFill>
+                <a:latin typeface="+mj-lt"/>
+                <a:ea typeface="+mj-ea"/>
+                <a:cs typeface="+mj-cs"/>
+              </a:rPr>
+              <a:t>最大似然估计</a:t>
+            </a:r>
+            <a:endParaRPr lang="en-US" altLang="zh-CN" sz="2000" cap="all" dirty="0" smtClean="0">
+              <a:solidFill>
+                <a:schemeClr val="bg2">
+                  <a:lumMod val="40000"/>
+                  <a:lumOff val="60000"/>
+                </a:schemeClr>
+              </a:solidFill>
+              <a:latin typeface="+mj-lt"/>
+              <a:ea typeface="+mj-ea"/>
+              <a:cs typeface="+mj-cs"/>
+            </a:endParaRPr>
+          </a:p>
+          <a:p>
+            <a:pPr marL="0" marR="0" lvl="0" indent="0" algn="l" defTabSz="457200" rtl="0" eaLnBrk="1" fontAlgn="auto" latinLnBrk="0" hangingPunct="1">
+              <a:lnSpc>
+                <a:spcPct val="100000"/>
+              </a:lnSpc>
+              <a:spcBef>
+                <a:spcPts val="1000"/>
+              </a:spcBef>
+              <a:spcAft>
+                <a:spcPts val="0"/>
+              </a:spcAft>
+              <a:buClr>
+                <a:schemeClr val="bg2">
+                  <a:lumMod val="40000"/>
+                  <a:lumOff val="60000"/>
+                </a:schemeClr>
+              </a:buClr>
+              <a:buSzPct val="80000"/>
+              <a:buFont typeface="Wingdings 3" charset="2"/>
+              <a:buNone/>
+              <a:tabLst/>
+              <a:defRPr/>
+            </a:pPr>
+            <a:r>
+              <a:rPr lang="zh-CN" altLang="en-US" sz="2000" cap="all" dirty="0" smtClean="0">
+                <a:solidFill>
+                  <a:schemeClr val="bg2">
+                    <a:lumMod val="40000"/>
+                    <a:lumOff val="60000"/>
+                  </a:schemeClr>
+                </a:solidFill>
+                <a:latin typeface="+mj-lt"/>
+                <a:ea typeface="+mj-ea"/>
+                <a:cs typeface="+mj-cs"/>
+              </a:rPr>
+              <a:t>贝叶斯推断</a:t>
+            </a:r>
+            <a:endParaRPr lang="en-US" altLang="zh-CN" sz="2000" cap="all" dirty="0" smtClean="0">
+              <a:solidFill>
+                <a:schemeClr val="bg2">
+                  <a:lumMod val="40000"/>
+                  <a:lumOff val="60000"/>
+                </a:schemeClr>
+              </a:solidFill>
+              <a:latin typeface="+mj-lt"/>
+              <a:ea typeface="+mj-ea"/>
+              <a:cs typeface="+mj-cs"/>
+            </a:endParaRPr>
+          </a:p>
+          <a:p>
+            <a:pPr marL="0" marR="0" lvl="0" indent="0" algn="l" defTabSz="457200" rtl="0" eaLnBrk="1" fontAlgn="auto" latinLnBrk="0" hangingPunct="1">
+              <a:lnSpc>
+                <a:spcPct val="100000"/>
+              </a:lnSpc>
+              <a:spcBef>
+                <a:spcPts val="1000"/>
+              </a:spcBef>
+              <a:spcAft>
+                <a:spcPts val="0"/>
+              </a:spcAft>
+              <a:buClr>
+                <a:schemeClr val="bg2">
+                  <a:lumMod val="40000"/>
+                  <a:lumOff val="60000"/>
+                </a:schemeClr>
+              </a:buClr>
+              <a:buSzPct val="80000"/>
+              <a:buFont typeface="Wingdings 3" charset="2"/>
+              <a:buNone/>
+              <a:tabLst/>
+              <a:defRPr/>
+            </a:pPr>
+            <a:r>
+              <a:rPr lang="zh-CN" altLang="en-US" sz="2000" cap="all" dirty="0" smtClean="0">
+                <a:solidFill>
+                  <a:schemeClr val="bg2">
+                    <a:lumMod val="40000"/>
+                    <a:lumOff val="60000"/>
+                  </a:schemeClr>
+                </a:solidFill>
+                <a:latin typeface="+mj-lt"/>
+                <a:ea typeface="+mj-ea"/>
+                <a:cs typeface="+mj-cs"/>
+              </a:rPr>
+              <a:t>置信区间</a:t>
+            </a:r>
+            <a:endParaRPr lang="en-US" altLang="zh-CN" sz="2000" cap="all" dirty="0" smtClean="0">
+              <a:solidFill>
+                <a:schemeClr val="bg2">
+                  <a:lumMod val="40000"/>
+                  <a:lumOff val="60000"/>
+                </a:schemeClr>
+              </a:solidFill>
+              <a:latin typeface="+mj-lt"/>
+              <a:ea typeface="+mj-ea"/>
+              <a:cs typeface="+mj-cs"/>
+            </a:endParaRPr>
+          </a:p>
+          <a:p>
+            <a:pPr marL="0" marR="0" lvl="0" indent="0" algn="l" defTabSz="457200" rtl="0" eaLnBrk="1" fontAlgn="auto" latinLnBrk="0" hangingPunct="1">
+              <a:lnSpc>
+                <a:spcPct val="100000"/>
+              </a:lnSpc>
+              <a:spcBef>
+                <a:spcPts val="1000"/>
+              </a:spcBef>
+              <a:spcAft>
+                <a:spcPts val="0"/>
+              </a:spcAft>
+              <a:buClr>
+                <a:schemeClr val="bg2">
+                  <a:lumMod val="40000"/>
+                  <a:lumOff val="60000"/>
+                </a:schemeClr>
+              </a:buClr>
+              <a:buSzPct val="80000"/>
+              <a:buFont typeface="Wingdings 3" charset="2"/>
+              <a:buNone/>
+              <a:tabLst/>
+              <a:defRPr/>
+            </a:pPr>
+            <a:r>
+              <a:rPr kumimoji="0" lang="zh-CN" altLang="en-US" sz="2000" b="0" i="0" u="none" strike="noStrike" kern="1200" cap="all" spc="0" normalizeH="0" baseline="0" noProof="0" dirty="0" smtClean="0">
+                <a:ln>
+                  <a:noFill/>
+                </a:ln>
+                <a:solidFill>
+                  <a:schemeClr val="bg2">
+                    <a:lumMod val="40000"/>
+                    <a:lumOff val="60000"/>
+                  </a:schemeClr>
+                </a:solidFill>
+                <a:effectLst/>
+                <a:uLnTx/>
+                <a:uFillTx/>
+                <a:latin typeface="+mj-lt"/>
+                <a:ea typeface="+mj-ea"/>
+                <a:cs typeface="+mj-cs"/>
+              </a:rPr>
+              <a:t>假设检验</a:t>
+            </a:r>
+            <a:endParaRPr kumimoji="0" lang="en-US" altLang="zh-CN" sz="2000" b="0" i="0" u="none" strike="noStrike" kern="1200" cap="all" spc="0" normalizeH="0" baseline="0" noProof="0" dirty="0" smtClean="0">
+              <a:ln>
+                <a:noFill/>
+              </a:ln>
+              <a:solidFill>
+                <a:schemeClr val="bg2">
+                  <a:lumMod val="40000"/>
+                  <a:lumOff val="60000"/>
+                </a:schemeClr>
+              </a:solidFill>
+              <a:effectLst/>
+              <a:uLnTx/>
+              <a:uFillTx/>
+              <a:latin typeface="+mj-lt"/>
+              <a:ea typeface="+mj-ea"/>
+              <a:cs typeface="+mj-cs"/>
+            </a:endParaRPr>
+          </a:p>
+          <a:p>
+            <a:pPr marL="0" marR="0" lvl="0" indent="0" algn="l" defTabSz="457200" rtl="0" eaLnBrk="1" fontAlgn="auto" latinLnBrk="0" hangingPunct="1">
+              <a:lnSpc>
+                <a:spcPct val="100000"/>
+              </a:lnSpc>
+              <a:spcBef>
+                <a:spcPts val="1000"/>
+              </a:spcBef>
+              <a:spcAft>
+                <a:spcPts val="0"/>
+              </a:spcAft>
+              <a:buClr>
+                <a:schemeClr val="bg2">
+                  <a:lumMod val="40000"/>
+                  <a:lumOff val="60000"/>
+                </a:schemeClr>
+              </a:buClr>
+              <a:buSzPct val="80000"/>
+              <a:buFont typeface="Wingdings 3" charset="2"/>
+              <a:buNone/>
+              <a:tabLst/>
+              <a:defRPr/>
+            </a:pPr>
+            <a:r>
+              <a:rPr kumimoji="0" lang="zh-CN" altLang="en-US" sz="2000" b="0" i="0" u="none" strike="noStrike" kern="1200" cap="all" spc="0" normalizeH="0" baseline="0" noProof="0" dirty="0" smtClean="0">
+                <a:ln>
+                  <a:noFill/>
+                </a:ln>
+                <a:solidFill>
+                  <a:schemeClr val="bg2">
+                    <a:lumMod val="40000"/>
+                    <a:lumOff val="60000"/>
+                  </a:schemeClr>
+                </a:solidFill>
+                <a:effectLst/>
+                <a:uLnTx/>
+                <a:uFillTx/>
+                <a:latin typeface="+mj-lt"/>
+                <a:ea typeface="+mj-ea"/>
+                <a:cs typeface="+mj-cs"/>
+              </a:rPr>
+              <a:t>方差分析</a:t>
+            </a:r>
+            <a:endParaRPr kumimoji="0" lang="en-US" altLang="zh-CN" sz="2000" b="0" i="0" u="none" strike="noStrike" kern="1200" cap="all" spc="0" normalizeH="0" baseline="0" noProof="0" dirty="0" smtClean="0">
+              <a:ln>
+                <a:noFill/>
+              </a:ln>
+              <a:solidFill>
+                <a:schemeClr val="bg2">
+                  <a:lumMod val="40000"/>
+                  <a:lumOff val="60000"/>
+                </a:schemeClr>
+              </a:solidFill>
+              <a:effectLst/>
+              <a:uLnTx/>
+              <a:uFillTx/>
+              <a:latin typeface="+mj-lt"/>
+              <a:ea typeface="+mj-ea"/>
+              <a:cs typeface="+mj-cs"/>
+            </a:endParaRPr>
+          </a:p>
+        </p:txBody>
+      </p:sp>
+      <p:sp>
+        <p:nvSpPr>
+          <p:cNvPr id="5" name="副标题 2">
+            <a:extLst>
+              <a:ext uri="{FF2B5EF4-FFF2-40B4-BE49-F238E27FC236}">
+                <a16:creationId xmlns="" xmlns:a16="http://schemas.microsoft.com/office/drawing/2014/main" id="{A17CEEB7-976D-4463-900C-B0BA7A0621FF}"/>
+              </a:ext>
+            </a:extLst>
+          </p:cNvPr>
+          <p:cNvSpPr txBox="1">
+            <a:spLocks/>
+          </p:cNvSpPr>
+          <p:nvPr/>
+        </p:nvSpPr>
+        <p:spPr>
+          <a:xfrm>
+            <a:off x="5501065" y="1147339"/>
+            <a:ext cx="2052674" cy="5253462"/>
+          </a:xfrm>
+          <a:prstGeom prst="rect">
+            <a:avLst/>
+          </a:prstGeom>
+        </p:spPr>
+        <p:txBody>
+          <a:bodyPr vert="horz" lIns="91440" tIns="45720" rIns="91440" bIns="45720" rtlCol="0" anchor="t">
+            <a:normAutofit/>
+          </a:bodyPr>
+          <a:lstStyle/>
+          <a:p>
+            <a:pPr marL="0" marR="0" lvl="0" indent="0" algn="l" defTabSz="457200" rtl="0" eaLnBrk="1" fontAlgn="auto" latinLnBrk="0" hangingPunct="1">
+              <a:lnSpc>
+                <a:spcPct val="100000"/>
+              </a:lnSpc>
+              <a:spcBef>
+                <a:spcPts val="1000"/>
+              </a:spcBef>
+              <a:spcAft>
+                <a:spcPts val="0"/>
+              </a:spcAft>
+              <a:buClr>
+                <a:schemeClr val="bg2">
+                  <a:lumMod val="40000"/>
+                  <a:lumOff val="60000"/>
+                </a:schemeClr>
+              </a:buClr>
+              <a:buSzPct val="80000"/>
+              <a:buFont typeface="Wingdings 3" charset="2"/>
+              <a:buNone/>
+              <a:tabLst/>
+              <a:defRPr/>
+            </a:pPr>
+            <a:r>
+              <a:rPr kumimoji="0" lang="zh-CN" altLang="en-US" sz="2000" b="0" i="0" u="none" strike="noStrike" kern="1200" cap="all" spc="0" normalizeH="0" baseline="0" noProof="0" dirty="0" smtClean="0">
+                <a:ln>
+                  <a:noFill/>
+                </a:ln>
+                <a:solidFill>
+                  <a:schemeClr val="bg2">
+                    <a:lumMod val="40000"/>
+                    <a:lumOff val="60000"/>
+                  </a:schemeClr>
+                </a:solidFill>
+                <a:effectLst/>
+                <a:uLnTx/>
+                <a:uFillTx/>
+                <a:latin typeface="+mj-lt"/>
+                <a:ea typeface="+mj-ea"/>
+                <a:cs typeface="+mj-cs"/>
+              </a:rPr>
+              <a:t>最小二乘法</a:t>
+            </a:r>
+            <a:endParaRPr kumimoji="0" lang="en-US" altLang="zh-CN" sz="2000" b="0" i="0" u="none" strike="noStrike" kern="1200" cap="all" spc="0" normalizeH="0" baseline="0" noProof="0" dirty="0" smtClean="0">
+              <a:ln>
+                <a:noFill/>
+              </a:ln>
+              <a:solidFill>
+                <a:schemeClr val="bg2">
+                  <a:lumMod val="40000"/>
+                  <a:lumOff val="60000"/>
+                </a:schemeClr>
+              </a:solidFill>
+              <a:effectLst/>
+              <a:uLnTx/>
+              <a:uFillTx/>
+              <a:latin typeface="+mj-lt"/>
+              <a:ea typeface="+mj-ea"/>
+              <a:cs typeface="+mj-cs"/>
+            </a:endParaRPr>
           </a:p>
         </p:txBody>
       </p:sp>
     </p:spTree>
     <p:extLst>
       <p:ext uri="{BB962C8B-B14F-4D97-AF65-F5344CB8AC3E}">
-        <p14:creationId xmlns:p14="http://schemas.microsoft.com/office/powerpoint/2010/main" xmlns="" val="1205979388"/>
+        <p14:creationId xmlns="" xmlns:p14="http://schemas.microsoft.com/office/powerpoint/2010/main" val="1205979388"/>
       </p:ext>
     </p:extLst>
   </p:cSld>
   <p:clrMapOvr>
     <a:masterClrMapping/>
   </p:clrMapOvr>
+  <p:timing>
+    <p:tnLst>
+      <p:par>
+        <p:cTn id="1" dur="indefinite" restart="never" nodeType="tmRoot"/>
+      </p:par>
+    </p:tnLst>
+  </p:timing>
 </p:sld>
 </file>
 
@@ -10185,7 +11074,7 @@
   <a:extraClrSchemeLst/>
   <a:extLst>
     <a:ext uri="{05A4C25C-085E-4340-85A3-A5531E510DB2}">
-      <thm15:themeFamily xmlns:thm15="http://schemas.microsoft.com/office/thememl/2012/main" xmlns="" name="Ion" id="{B8441ADB-2E43-4AF7-B97A-BD870242C6A8}" vid="{292E63A9-BB86-4E3D-B92A-7223C6510D2E}"/>
+      <thm15:themeFamily xmlns="" xmlns:thm15="http://schemas.microsoft.com/office/thememl/2012/main" name="Ion" id="{B8441ADB-2E43-4AF7-B97A-BD870242C6A8}" vid="{292E63A9-BB86-4E3D-B92A-7223C6510D2E}"/>
     </a:ext>
   </a:extLst>
 </a:theme>

--- a/AI的数学基础.pptx
+++ b/AI的数学基础.pptx
@@ -4,6 +4,9 @@
   <p:sldMasterIdLst>
     <p:sldMasterId id="2147483672" r:id="rId1"/>
   </p:sldMasterIdLst>
+  <p:notesMasterIdLst>
+    <p:notesMasterId r:id="rId21"/>
+  </p:notesMasterIdLst>
   <p:sldIdLst>
     <p:sldId id="270" r:id="rId2"/>
     <p:sldId id="256" r:id="rId3"/>
@@ -13,14 +16,17 @@
     <p:sldId id="264" r:id="rId7"/>
     <p:sldId id="267" r:id="rId8"/>
     <p:sldId id="258" r:id="rId9"/>
-    <p:sldId id="257" r:id="rId10"/>
-    <p:sldId id="266" r:id="rId11"/>
-    <p:sldId id="268" r:id="rId12"/>
-    <p:sldId id="260" r:id="rId13"/>
-    <p:sldId id="269" r:id="rId14"/>
-    <p:sldId id="261" r:id="rId15"/>
-    <p:sldId id="271" r:id="rId16"/>
-    <p:sldId id="259" r:id="rId17"/>
+    <p:sldId id="272" r:id="rId10"/>
+    <p:sldId id="257" r:id="rId11"/>
+    <p:sldId id="273" r:id="rId12"/>
+    <p:sldId id="274" r:id="rId13"/>
+    <p:sldId id="266" r:id="rId14"/>
+    <p:sldId id="268" r:id="rId15"/>
+    <p:sldId id="260" r:id="rId16"/>
+    <p:sldId id="269" r:id="rId17"/>
+    <p:sldId id="261" r:id="rId18"/>
+    <p:sldId id="271" r:id="rId19"/>
+    <p:sldId id="259" r:id="rId20"/>
   </p:sldIdLst>
   <p:sldSz cx="12192000" cy="6858000"/>
   <p:notesSz cx="6858000" cy="9144000"/>
@@ -121,7 +127,18 @@
   </p:defaultTextStyle>
   <p:extLst>
     <p:ext uri="{EFAFB233-063F-42B5-8137-9DF3F51BA10A}">
-      <p15:sldGuideLst xmlns="" xmlns:p15="http://schemas.microsoft.com/office/powerpoint/2012/main"/>
+      <p15:sldGuideLst xmlns:p15="http://schemas.microsoft.com/office/powerpoint/2012/main">
+        <p15:guide id="1" orient="horz" pos="2160">
+          <p15:clr>
+            <a:srgbClr val="A4A3A4"/>
+          </p15:clr>
+        </p15:guide>
+        <p15:guide id="2" pos="3840">
+          <p15:clr>
+            <a:srgbClr val="A4A3A4"/>
+          </p15:clr>
+        </p15:guide>
+      </p15:sldGuideLst>
     </p:ext>
   </p:extLst>
 </p:presentation>
@@ -132,11 +149,444 @@
   <p:cmAuthor id="1" name="thinkpad" initials="t" lastIdx="1" clrIdx="0">
     <p:extLst>
       <p:ext uri="{19B8F6BF-5375-455C-9EA6-DF929625EA0E}">
-        <p15:presenceInfo xmlns="" xmlns:p15="http://schemas.microsoft.com/office/powerpoint/2012/main" userId="thinkpad" providerId="None"/>
+        <p15:presenceInfo xmlns:p15="http://schemas.microsoft.com/office/powerpoint/2012/main" userId="thinkpad" providerId="None"/>
       </p:ext>
     </p:extLst>
   </p:cmAuthor>
 </p:cmAuthorLst>
+</file>
+
+<file path=ppt/notesMasters/notesMaster1.xml><?xml version="1.0" encoding="utf-8"?>
+<p:notesMaster xmlns:a="http://schemas.openxmlformats.org/drawingml/2006/main" xmlns:r="http://schemas.openxmlformats.org/officeDocument/2006/relationships" xmlns:p="http://schemas.openxmlformats.org/presentationml/2006/main">
+  <p:cSld>
+    <p:bg>
+      <p:bgRef idx="1001">
+        <a:schemeClr val="bg1"/>
+      </p:bgRef>
+    </p:bg>
+    <p:spTree>
+      <p:nvGrpSpPr>
+        <p:cNvPr id="1" name=""/>
+        <p:cNvGrpSpPr/>
+        <p:nvPr/>
+      </p:nvGrpSpPr>
+      <p:grpSpPr>
+        <a:xfrm>
+          <a:off x="0" y="0"/>
+          <a:ext cx="0" cy="0"/>
+          <a:chOff x="0" y="0"/>
+          <a:chExt cx="0" cy="0"/>
+        </a:xfrm>
+      </p:grpSpPr>
+      <p:sp>
+        <p:nvSpPr>
+          <p:cNvPr id="2" name="页眉占位符 1"/>
+          <p:cNvSpPr>
+            <a:spLocks noGrp="1"/>
+          </p:cNvSpPr>
+          <p:nvPr>
+            <p:ph type="hdr" sz="quarter"/>
+          </p:nvPr>
+        </p:nvSpPr>
+        <p:spPr>
+          <a:xfrm>
+            <a:off x="0" y="0"/>
+            <a:ext cx="2971800" cy="458788"/>
+          </a:xfrm>
+          <a:prstGeom prst="rect">
+            <a:avLst/>
+          </a:prstGeom>
+        </p:spPr>
+        <p:txBody>
+          <a:bodyPr vert="horz" lIns="91440" tIns="45720" rIns="91440" bIns="45720" rtlCol="0"/>
+          <a:lstStyle>
+            <a:lvl1pPr algn="l">
+              <a:defRPr sz="1200"/>
+            </a:lvl1pPr>
+          </a:lstStyle>
+          <a:p>
+            <a:endParaRPr lang="zh-CN" altLang="en-US"/>
+          </a:p>
+        </p:txBody>
+      </p:sp>
+      <p:sp>
+        <p:nvSpPr>
+          <p:cNvPr id="3" name="日期占位符 2"/>
+          <p:cNvSpPr>
+            <a:spLocks noGrp="1"/>
+          </p:cNvSpPr>
+          <p:nvPr>
+            <p:ph type="dt" idx="1"/>
+          </p:nvPr>
+        </p:nvSpPr>
+        <p:spPr>
+          <a:xfrm>
+            <a:off x="3884613" y="0"/>
+            <a:ext cx="2971800" cy="458788"/>
+          </a:xfrm>
+          <a:prstGeom prst="rect">
+            <a:avLst/>
+          </a:prstGeom>
+        </p:spPr>
+        <p:txBody>
+          <a:bodyPr vert="horz" lIns="91440" tIns="45720" rIns="91440" bIns="45720" rtlCol="0"/>
+          <a:lstStyle>
+            <a:lvl1pPr algn="r">
+              <a:defRPr sz="1200"/>
+            </a:lvl1pPr>
+          </a:lstStyle>
+          <a:p>
+            <a:fld id="{21FB6327-F885-4EC3-B2A2-05BBACB2BAFB}" type="datetimeFigureOut">
+              <a:rPr lang="zh-CN" altLang="en-US" smtClean="0"/>
+              <a:t>2018/10/18</a:t>
+            </a:fld>
+            <a:endParaRPr lang="zh-CN" altLang="en-US"/>
+          </a:p>
+        </p:txBody>
+      </p:sp>
+      <p:sp>
+        <p:nvSpPr>
+          <p:cNvPr id="4" name="幻灯片图像占位符 3"/>
+          <p:cNvSpPr>
+            <a:spLocks noGrp="1" noRot="1" noChangeAspect="1"/>
+          </p:cNvSpPr>
+          <p:nvPr>
+            <p:ph type="sldImg" idx="2"/>
+          </p:nvPr>
+        </p:nvSpPr>
+        <p:spPr>
+          <a:xfrm>
+            <a:off x="685800" y="1143000"/>
+            <a:ext cx="5486400" cy="3086100"/>
+          </a:xfrm>
+          <a:prstGeom prst="rect">
+            <a:avLst/>
+          </a:prstGeom>
+          <a:noFill/>
+          <a:ln w="12700">
+            <a:solidFill>
+              <a:prstClr val="black"/>
+            </a:solidFill>
+          </a:ln>
+        </p:spPr>
+        <p:txBody>
+          <a:bodyPr vert="horz" lIns="91440" tIns="45720" rIns="91440" bIns="45720" rtlCol="0" anchor="ctr"/>
+          <a:lstStyle/>
+          <a:p>
+            <a:endParaRPr lang="zh-CN" altLang="en-US"/>
+          </a:p>
+        </p:txBody>
+      </p:sp>
+      <p:sp>
+        <p:nvSpPr>
+          <p:cNvPr id="5" name="备注占位符 4"/>
+          <p:cNvSpPr>
+            <a:spLocks noGrp="1"/>
+          </p:cNvSpPr>
+          <p:nvPr>
+            <p:ph type="body" sz="quarter" idx="3"/>
+          </p:nvPr>
+        </p:nvSpPr>
+        <p:spPr>
+          <a:xfrm>
+            <a:off x="685800" y="4400550"/>
+            <a:ext cx="5486400" cy="3600450"/>
+          </a:xfrm>
+          <a:prstGeom prst="rect">
+            <a:avLst/>
+          </a:prstGeom>
+        </p:spPr>
+        <p:txBody>
+          <a:bodyPr vert="horz" lIns="91440" tIns="45720" rIns="91440" bIns="45720" rtlCol="0"/>
+          <a:lstStyle/>
+          <a:p>
+            <a:pPr lvl="0"/>
+            <a:r>
+              <a:rPr lang="zh-CN" altLang="en-US"/>
+              <a:t>编辑母版文本样式</a:t>
+            </a:r>
+          </a:p>
+          <a:p>
+            <a:pPr lvl="1"/>
+            <a:r>
+              <a:rPr lang="zh-CN" altLang="en-US"/>
+              <a:t>第二级</a:t>
+            </a:r>
+          </a:p>
+          <a:p>
+            <a:pPr lvl="2"/>
+            <a:r>
+              <a:rPr lang="zh-CN" altLang="en-US"/>
+              <a:t>第三级</a:t>
+            </a:r>
+          </a:p>
+          <a:p>
+            <a:pPr lvl="3"/>
+            <a:r>
+              <a:rPr lang="zh-CN" altLang="en-US"/>
+              <a:t>第四级</a:t>
+            </a:r>
+          </a:p>
+          <a:p>
+            <a:pPr lvl="4"/>
+            <a:r>
+              <a:rPr lang="zh-CN" altLang="en-US"/>
+              <a:t>第五级</a:t>
+            </a:r>
+          </a:p>
+        </p:txBody>
+      </p:sp>
+      <p:sp>
+        <p:nvSpPr>
+          <p:cNvPr id="6" name="页脚占位符 5"/>
+          <p:cNvSpPr>
+            <a:spLocks noGrp="1"/>
+          </p:cNvSpPr>
+          <p:nvPr>
+            <p:ph type="ftr" sz="quarter" idx="4"/>
+          </p:nvPr>
+        </p:nvSpPr>
+        <p:spPr>
+          <a:xfrm>
+            <a:off x="0" y="8685213"/>
+            <a:ext cx="2971800" cy="458787"/>
+          </a:xfrm>
+          <a:prstGeom prst="rect">
+            <a:avLst/>
+          </a:prstGeom>
+        </p:spPr>
+        <p:txBody>
+          <a:bodyPr vert="horz" lIns="91440" tIns="45720" rIns="91440" bIns="45720" rtlCol="0" anchor="b"/>
+          <a:lstStyle>
+            <a:lvl1pPr algn="l">
+              <a:defRPr sz="1200"/>
+            </a:lvl1pPr>
+          </a:lstStyle>
+          <a:p>
+            <a:endParaRPr lang="zh-CN" altLang="en-US"/>
+          </a:p>
+        </p:txBody>
+      </p:sp>
+      <p:sp>
+        <p:nvSpPr>
+          <p:cNvPr id="7" name="灯片编号占位符 6"/>
+          <p:cNvSpPr>
+            <a:spLocks noGrp="1"/>
+          </p:cNvSpPr>
+          <p:nvPr>
+            <p:ph type="sldNum" sz="quarter" idx="5"/>
+          </p:nvPr>
+        </p:nvSpPr>
+        <p:spPr>
+          <a:xfrm>
+            <a:off x="3884613" y="8685213"/>
+            <a:ext cx="2971800" cy="458787"/>
+          </a:xfrm>
+          <a:prstGeom prst="rect">
+            <a:avLst/>
+          </a:prstGeom>
+        </p:spPr>
+        <p:txBody>
+          <a:bodyPr vert="horz" lIns="91440" tIns="45720" rIns="91440" bIns="45720" rtlCol="0" anchor="b"/>
+          <a:lstStyle>
+            <a:lvl1pPr algn="r">
+              <a:defRPr sz="1200"/>
+            </a:lvl1pPr>
+          </a:lstStyle>
+          <a:p>
+            <a:fld id="{004B6102-E2B0-4917-A89A-890A3541D536}" type="slidenum">
+              <a:rPr lang="zh-CN" altLang="en-US" smtClean="0"/>
+              <a:t>‹#›</a:t>
+            </a:fld>
+            <a:endParaRPr lang="zh-CN" altLang="en-US"/>
+          </a:p>
+        </p:txBody>
+      </p:sp>
+    </p:spTree>
+    <p:extLst>
+      <p:ext uri="{BB962C8B-B14F-4D97-AF65-F5344CB8AC3E}">
+        <p14:creationId xmlns:p14="http://schemas.microsoft.com/office/powerpoint/2010/main" val="2190263657"/>
+      </p:ext>
+    </p:extLst>
+  </p:cSld>
+  <p:clrMap bg1="lt1" tx1="dk1" bg2="lt2" tx2="dk2" accent1="accent1" accent2="accent2" accent3="accent3" accent4="accent4" accent5="accent5" accent6="accent6" hlink="hlink" folHlink="folHlink"/>
+  <p:notesStyle>
+    <a:lvl1pPr marL="0" algn="l" defTabSz="914400" rtl="0" eaLnBrk="1" latinLnBrk="0" hangingPunct="1">
+      <a:defRPr sz="1200" kern="1200">
+        <a:solidFill>
+          <a:schemeClr val="tx1"/>
+        </a:solidFill>
+        <a:latin typeface="+mn-lt"/>
+        <a:ea typeface="+mn-ea"/>
+        <a:cs typeface="+mn-cs"/>
+      </a:defRPr>
+    </a:lvl1pPr>
+    <a:lvl2pPr marL="457200" algn="l" defTabSz="914400" rtl="0" eaLnBrk="1" latinLnBrk="0" hangingPunct="1">
+      <a:defRPr sz="1200" kern="1200">
+        <a:solidFill>
+          <a:schemeClr val="tx1"/>
+        </a:solidFill>
+        <a:latin typeface="+mn-lt"/>
+        <a:ea typeface="+mn-ea"/>
+        <a:cs typeface="+mn-cs"/>
+      </a:defRPr>
+    </a:lvl2pPr>
+    <a:lvl3pPr marL="914400" algn="l" defTabSz="914400" rtl="0" eaLnBrk="1" latinLnBrk="0" hangingPunct="1">
+      <a:defRPr sz="1200" kern="1200">
+        <a:solidFill>
+          <a:schemeClr val="tx1"/>
+        </a:solidFill>
+        <a:latin typeface="+mn-lt"/>
+        <a:ea typeface="+mn-ea"/>
+        <a:cs typeface="+mn-cs"/>
+      </a:defRPr>
+    </a:lvl3pPr>
+    <a:lvl4pPr marL="1371600" algn="l" defTabSz="914400" rtl="0" eaLnBrk="1" latinLnBrk="0" hangingPunct="1">
+      <a:defRPr sz="1200" kern="1200">
+        <a:solidFill>
+          <a:schemeClr val="tx1"/>
+        </a:solidFill>
+        <a:latin typeface="+mn-lt"/>
+        <a:ea typeface="+mn-ea"/>
+        <a:cs typeface="+mn-cs"/>
+      </a:defRPr>
+    </a:lvl4pPr>
+    <a:lvl5pPr marL="1828800" algn="l" defTabSz="914400" rtl="0" eaLnBrk="1" latinLnBrk="0" hangingPunct="1">
+      <a:defRPr sz="1200" kern="1200">
+        <a:solidFill>
+          <a:schemeClr val="tx1"/>
+        </a:solidFill>
+        <a:latin typeface="+mn-lt"/>
+        <a:ea typeface="+mn-ea"/>
+        <a:cs typeface="+mn-cs"/>
+      </a:defRPr>
+    </a:lvl5pPr>
+    <a:lvl6pPr marL="2286000" algn="l" defTabSz="914400" rtl="0" eaLnBrk="1" latinLnBrk="0" hangingPunct="1">
+      <a:defRPr sz="1200" kern="1200">
+        <a:solidFill>
+          <a:schemeClr val="tx1"/>
+        </a:solidFill>
+        <a:latin typeface="+mn-lt"/>
+        <a:ea typeface="+mn-ea"/>
+        <a:cs typeface="+mn-cs"/>
+      </a:defRPr>
+    </a:lvl6pPr>
+    <a:lvl7pPr marL="2743200" algn="l" defTabSz="914400" rtl="0" eaLnBrk="1" latinLnBrk="0" hangingPunct="1">
+      <a:defRPr sz="1200" kern="1200">
+        <a:solidFill>
+          <a:schemeClr val="tx1"/>
+        </a:solidFill>
+        <a:latin typeface="+mn-lt"/>
+        <a:ea typeface="+mn-ea"/>
+        <a:cs typeface="+mn-cs"/>
+      </a:defRPr>
+    </a:lvl7pPr>
+    <a:lvl8pPr marL="3200400" algn="l" defTabSz="914400" rtl="0" eaLnBrk="1" latinLnBrk="0" hangingPunct="1">
+      <a:defRPr sz="1200" kern="1200">
+        <a:solidFill>
+          <a:schemeClr val="tx1"/>
+        </a:solidFill>
+        <a:latin typeface="+mn-lt"/>
+        <a:ea typeface="+mn-ea"/>
+        <a:cs typeface="+mn-cs"/>
+      </a:defRPr>
+    </a:lvl8pPr>
+    <a:lvl9pPr marL="3657600" algn="l" defTabSz="914400" rtl="0" eaLnBrk="1" latinLnBrk="0" hangingPunct="1">
+      <a:defRPr sz="1200" kern="1200">
+        <a:solidFill>
+          <a:schemeClr val="tx1"/>
+        </a:solidFill>
+        <a:latin typeface="+mn-lt"/>
+        <a:ea typeface="+mn-ea"/>
+        <a:cs typeface="+mn-cs"/>
+      </a:defRPr>
+    </a:lvl9pPr>
+  </p:notesStyle>
+</p:notesMaster>
+</file>
+
+<file path=ppt/notesSlides/notesSlide1.xml><?xml version="1.0" encoding="utf-8"?>
+<p:notes xmlns:a="http://schemas.openxmlformats.org/drawingml/2006/main" xmlns:r="http://schemas.openxmlformats.org/officeDocument/2006/relationships" xmlns:p="http://schemas.openxmlformats.org/presentationml/2006/main">
+  <p:cSld>
+    <p:spTree>
+      <p:nvGrpSpPr>
+        <p:cNvPr id="1" name=""/>
+        <p:cNvGrpSpPr/>
+        <p:nvPr/>
+      </p:nvGrpSpPr>
+      <p:grpSpPr>
+        <a:xfrm>
+          <a:off x="0" y="0"/>
+          <a:ext cx="0" cy="0"/>
+          <a:chOff x="0" y="0"/>
+          <a:chExt cx="0" cy="0"/>
+        </a:xfrm>
+      </p:grpSpPr>
+      <p:sp>
+        <p:nvSpPr>
+          <p:cNvPr id="2" name="幻灯片图像占位符 1"/>
+          <p:cNvSpPr>
+            <a:spLocks noGrp="1" noRot="1" noChangeAspect="1"/>
+          </p:cNvSpPr>
+          <p:nvPr>
+            <p:ph type="sldImg"/>
+          </p:nvPr>
+        </p:nvSpPr>
+        <p:spPr/>
+      </p:sp>
+      <p:sp>
+        <p:nvSpPr>
+          <p:cNvPr id="3" name="备注占位符 2"/>
+          <p:cNvSpPr>
+            <a:spLocks noGrp="1"/>
+          </p:cNvSpPr>
+          <p:nvPr>
+            <p:ph type="body" idx="1"/>
+          </p:nvPr>
+        </p:nvSpPr>
+        <p:spPr/>
+        <p:txBody>
+          <a:bodyPr/>
+          <a:lstStyle/>
+          <a:p>
+            <a:endParaRPr lang="zh-CN" altLang="en-US" dirty="0"/>
+          </a:p>
+        </p:txBody>
+      </p:sp>
+      <p:sp>
+        <p:nvSpPr>
+          <p:cNvPr id="4" name="灯片编号占位符 3"/>
+          <p:cNvSpPr>
+            <a:spLocks noGrp="1"/>
+          </p:cNvSpPr>
+          <p:nvPr>
+            <p:ph type="sldNum" sz="quarter" idx="5"/>
+          </p:nvPr>
+        </p:nvSpPr>
+        <p:spPr/>
+        <p:txBody>
+          <a:bodyPr/>
+          <a:lstStyle/>
+          <a:p>
+            <a:fld id="{004B6102-E2B0-4917-A89A-890A3541D536}" type="slidenum">
+              <a:rPr lang="zh-CN" altLang="en-US" smtClean="0"/>
+              <a:t>1</a:t>
+            </a:fld>
+            <a:endParaRPr lang="zh-CN" altLang="en-US"/>
+          </a:p>
+        </p:txBody>
+      </p:sp>
+    </p:spTree>
+    <p:extLst>
+      <p:ext uri="{BB962C8B-B14F-4D97-AF65-F5344CB8AC3E}">
+        <p14:creationId xmlns:p14="http://schemas.microsoft.com/office/powerpoint/2010/main" val="3130930796"/>
+      </p:ext>
+    </p:extLst>
+  </p:cSld>
+  <p:clrMapOvr>
+    <a:masterClrMapping/>
+  </p:clrMapOvr>
+</p:notes>
 </file>
 
 <file path=ppt/slideLayouts/slideLayout1.xml><?xml version="1.0" encoding="utf-8"?>
@@ -326,7 +776,7 @@
             <a:fld id="{B8835A04-46DE-4A0B-9BC4-BC300239B3FB}" type="datetimeFigureOut">
               <a:rPr lang="zh-CN" altLang="en-US" smtClean="0"/>
               <a:pPr/>
-              <a:t>2018/10/17</a:t>
+              <a:t>2018/10/18</a:t>
             </a:fld>
             <a:endParaRPr lang="zh-CN" altLang="en-US"/>
           </a:p>
@@ -378,7 +828,7 @@
     </p:spTree>
     <p:extLst>
       <p:ext uri="{BB962C8B-B14F-4D97-AF65-F5344CB8AC3E}">
-        <p14:creationId xmlns="" xmlns:p14="http://schemas.microsoft.com/office/powerpoint/2010/main" val="784820452"/>
+        <p14:creationId xmlns:p14="http://schemas.microsoft.com/office/powerpoint/2010/main" val="784820452"/>
       </p:ext>
     </p:extLst>
   </p:cSld>
@@ -603,7 +1053,7 @@
             <a:fld id="{B8835A04-46DE-4A0B-9BC4-BC300239B3FB}" type="datetimeFigureOut">
               <a:rPr lang="zh-CN" altLang="en-US" smtClean="0"/>
               <a:pPr/>
-              <a:t>2018/10/17</a:t>
+              <a:t>2018/10/18</a:t>
             </a:fld>
             <a:endParaRPr lang="zh-CN" altLang="en-US"/>
           </a:p>
@@ -655,7 +1105,7 @@
     </p:spTree>
     <p:extLst>
       <p:ext uri="{BB962C8B-B14F-4D97-AF65-F5344CB8AC3E}">
-        <p14:creationId xmlns="" xmlns:p14="http://schemas.microsoft.com/office/powerpoint/2010/main" val="3833863019"/>
+        <p14:creationId xmlns:p14="http://schemas.microsoft.com/office/powerpoint/2010/main" val="3833863019"/>
       </p:ext>
     </p:extLst>
   </p:cSld>
@@ -799,7 +1249,7 @@
             <a:fld id="{B8835A04-46DE-4A0B-9BC4-BC300239B3FB}" type="datetimeFigureOut">
               <a:rPr lang="zh-CN" altLang="en-US" smtClean="0"/>
               <a:pPr/>
-              <a:t>2018/10/17</a:t>
+              <a:t>2018/10/18</a:t>
             </a:fld>
             <a:endParaRPr lang="zh-CN" altLang="en-US"/>
           </a:p>
@@ -851,7 +1301,7 @@
     </p:spTree>
     <p:extLst>
       <p:ext uri="{BB962C8B-B14F-4D97-AF65-F5344CB8AC3E}">
-        <p14:creationId xmlns="" xmlns:p14="http://schemas.microsoft.com/office/powerpoint/2010/main" val="2196700477"/>
+        <p14:creationId xmlns:p14="http://schemas.microsoft.com/office/powerpoint/2010/main" val="2196700477"/>
       </p:ext>
     </p:extLst>
   </p:cSld>
@@ -1074,7 +1524,7 @@
             <a:fld id="{B8835A04-46DE-4A0B-9BC4-BC300239B3FB}" type="datetimeFigureOut">
               <a:rPr lang="zh-CN" altLang="en-US" smtClean="0"/>
               <a:pPr/>
-              <a:t>2018/10/17</a:t>
+              <a:t>2018/10/18</a:t>
             </a:fld>
             <a:endParaRPr lang="zh-CN" altLang="en-US"/>
           </a:p>
@@ -1220,7 +1670,7 @@
     </p:spTree>
     <p:extLst>
       <p:ext uri="{BB962C8B-B14F-4D97-AF65-F5344CB8AC3E}">
-        <p14:creationId xmlns="" xmlns:p14="http://schemas.microsoft.com/office/powerpoint/2010/main" val="3770968240"/>
+        <p14:creationId xmlns:p14="http://schemas.microsoft.com/office/powerpoint/2010/main" val="3770968240"/>
       </p:ext>
     </p:extLst>
   </p:cSld>
@@ -1417,7 +1867,7 @@
             <a:fld id="{B8835A04-46DE-4A0B-9BC4-BC300239B3FB}" type="datetimeFigureOut">
               <a:rPr lang="zh-CN" altLang="en-US" smtClean="0"/>
               <a:pPr/>
-              <a:t>2018/10/17</a:t>
+              <a:t>2018/10/18</a:t>
             </a:fld>
             <a:endParaRPr lang="zh-CN" altLang="en-US"/>
           </a:p>
@@ -1469,7 +1919,7 @@
     </p:spTree>
     <p:extLst>
       <p:ext uri="{BB962C8B-B14F-4D97-AF65-F5344CB8AC3E}">
-        <p14:creationId xmlns="" xmlns:p14="http://schemas.microsoft.com/office/powerpoint/2010/main" val="2631992690"/>
+        <p14:creationId xmlns:p14="http://schemas.microsoft.com/office/powerpoint/2010/main" val="2631992690"/>
       </p:ext>
     </p:extLst>
   </p:cSld>
@@ -2042,7 +2492,7 @@
             <a:fld id="{B8835A04-46DE-4A0B-9BC4-BC300239B3FB}" type="datetimeFigureOut">
               <a:rPr lang="zh-CN" altLang="en-US" smtClean="0"/>
               <a:pPr/>
-              <a:t>2018/10/17</a:t>
+              <a:t>2018/10/18</a:t>
             </a:fld>
             <a:endParaRPr lang="zh-CN" altLang="en-US"/>
           </a:p>
@@ -2094,7 +2544,7 @@
     </p:spTree>
     <p:extLst>
       <p:ext uri="{BB962C8B-B14F-4D97-AF65-F5344CB8AC3E}">
-        <p14:creationId xmlns="" xmlns:p14="http://schemas.microsoft.com/office/powerpoint/2010/main" val="145725664"/>
+        <p14:creationId xmlns:p14="http://schemas.microsoft.com/office/powerpoint/2010/main" val="145725664"/>
       </p:ext>
     </p:extLst>
   </p:cSld>
@@ -2904,7 +3354,7 @@
             <a:fld id="{B8835A04-46DE-4A0B-9BC4-BC300239B3FB}" type="datetimeFigureOut">
               <a:rPr lang="zh-CN" altLang="en-US" smtClean="0"/>
               <a:pPr/>
-              <a:t>2018/10/17</a:t>
+              <a:t>2018/10/18</a:t>
             </a:fld>
             <a:endParaRPr lang="zh-CN" altLang="en-US"/>
           </a:p>
@@ -2956,7 +3406,7 @@
     </p:spTree>
     <p:extLst>
       <p:ext uri="{BB962C8B-B14F-4D97-AF65-F5344CB8AC3E}">
-        <p14:creationId xmlns="" xmlns:p14="http://schemas.microsoft.com/office/powerpoint/2010/main" val="2724141065"/>
+        <p14:creationId xmlns:p14="http://schemas.microsoft.com/office/powerpoint/2010/main" val="2724141065"/>
       </p:ext>
     </p:extLst>
   </p:cSld>
@@ -3076,7 +3526,7 @@
             <a:fld id="{B8835A04-46DE-4A0B-9BC4-BC300239B3FB}" type="datetimeFigureOut">
               <a:rPr lang="zh-CN" altLang="en-US" smtClean="0"/>
               <a:pPr/>
-              <a:t>2018/10/17</a:t>
+              <a:t>2018/10/18</a:t>
             </a:fld>
             <a:endParaRPr lang="zh-CN" altLang="en-US"/>
           </a:p>
@@ -3128,7 +3578,7 @@
     </p:spTree>
     <p:extLst>
       <p:ext uri="{BB962C8B-B14F-4D97-AF65-F5344CB8AC3E}">
-        <p14:creationId xmlns="" xmlns:p14="http://schemas.microsoft.com/office/powerpoint/2010/main" val="2406706004"/>
+        <p14:creationId xmlns:p14="http://schemas.microsoft.com/office/powerpoint/2010/main" val="2406706004"/>
       </p:ext>
     </p:extLst>
   </p:cSld>
@@ -3258,7 +3708,7 @@
             <a:fld id="{B8835A04-46DE-4A0B-9BC4-BC300239B3FB}" type="datetimeFigureOut">
               <a:rPr lang="zh-CN" altLang="en-US" smtClean="0"/>
               <a:pPr/>
-              <a:t>2018/10/17</a:t>
+              <a:t>2018/10/18</a:t>
             </a:fld>
             <a:endParaRPr lang="zh-CN" altLang="en-US"/>
           </a:p>
@@ -3310,7 +3760,7 @@
     </p:spTree>
     <p:extLst>
       <p:ext uri="{BB962C8B-B14F-4D97-AF65-F5344CB8AC3E}">
-        <p14:creationId xmlns="" xmlns:p14="http://schemas.microsoft.com/office/powerpoint/2010/main" val="3591632062"/>
+        <p14:creationId xmlns:p14="http://schemas.microsoft.com/office/powerpoint/2010/main" val="3591632062"/>
       </p:ext>
     </p:extLst>
   </p:cSld>
@@ -3430,7 +3880,7 @@
             <a:fld id="{B8835A04-46DE-4A0B-9BC4-BC300239B3FB}" type="datetimeFigureOut">
               <a:rPr lang="zh-CN" altLang="en-US" smtClean="0"/>
               <a:pPr/>
-              <a:t>2018/10/17</a:t>
+              <a:t>2018/10/18</a:t>
             </a:fld>
             <a:endParaRPr lang="zh-CN" altLang="en-US"/>
           </a:p>
@@ -3482,7 +3932,7 @@
     </p:spTree>
     <p:extLst>
       <p:ext uri="{BB962C8B-B14F-4D97-AF65-F5344CB8AC3E}">
-        <p14:creationId xmlns="" xmlns:p14="http://schemas.microsoft.com/office/powerpoint/2010/main" val="3052837754"/>
+        <p14:creationId xmlns:p14="http://schemas.microsoft.com/office/powerpoint/2010/main" val="3052837754"/>
       </p:ext>
     </p:extLst>
   </p:cSld>
@@ -3679,7 +4129,7 @@
             <a:fld id="{B8835A04-46DE-4A0B-9BC4-BC300239B3FB}" type="datetimeFigureOut">
               <a:rPr lang="zh-CN" altLang="en-US" smtClean="0"/>
               <a:pPr/>
-              <a:t>2018/10/17</a:t>
+              <a:t>2018/10/18</a:t>
             </a:fld>
             <a:endParaRPr lang="zh-CN" altLang="en-US"/>
           </a:p>
@@ -3731,7 +4181,7 @@
     </p:spTree>
     <p:extLst>
       <p:ext uri="{BB962C8B-B14F-4D97-AF65-F5344CB8AC3E}">
-        <p14:creationId xmlns="" xmlns:p14="http://schemas.microsoft.com/office/powerpoint/2010/main" val="2421868335"/>
+        <p14:creationId xmlns:p14="http://schemas.microsoft.com/office/powerpoint/2010/main" val="2421868335"/>
       </p:ext>
     </p:extLst>
   </p:cSld>
@@ -3973,7 +4423,7 @@
             <a:fld id="{B8835A04-46DE-4A0B-9BC4-BC300239B3FB}" type="datetimeFigureOut">
               <a:rPr lang="zh-CN" altLang="en-US" smtClean="0"/>
               <a:pPr/>
-              <a:t>2018/10/17</a:t>
+              <a:t>2018/10/18</a:t>
             </a:fld>
             <a:endParaRPr lang="zh-CN" altLang="en-US"/>
           </a:p>
@@ -4025,7 +4475,7 @@
     </p:spTree>
     <p:extLst>
       <p:ext uri="{BB962C8B-B14F-4D97-AF65-F5344CB8AC3E}">
-        <p14:creationId xmlns="" xmlns:p14="http://schemas.microsoft.com/office/powerpoint/2010/main" val="2045234162"/>
+        <p14:creationId xmlns:p14="http://schemas.microsoft.com/office/powerpoint/2010/main" val="2045234162"/>
       </p:ext>
     </p:extLst>
   </p:cSld>
@@ -4419,7 +4869,7 @@
             <a:fld id="{B8835A04-46DE-4A0B-9BC4-BC300239B3FB}" type="datetimeFigureOut">
               <a:rPr lang="zh-CN" altLang="en-US" smtClean="0"/>
               <a:pPr/>
-              <a:t>2018/10/17</a:t>
+              <a:t>2018/10/18</a:t>
             </a:fld>
             <a:endParaRPr lang="zh-CN" altLang="en-US"/>
           </a:p>
@@ -4471,7 +4921,7 @@
     </p:spTree>
     <p:extLst>
       <p:ext uri="{BB962C8B-B14F-4D97-AF65-F5344CB8AC3E}">
-        <p14:creationId xmlns="" xmlns:p14="http://schemas.microsoft.com/office/powerpoint/2010/main" val="3300931318"/>
+        <p14:creationId xmlns:p14="http://schemas.microsoft.com/office/powerpoint/2010/main" val="3300931318"/>
       </p:ext>
     </p:extLst>
   </p:cSld>
@@ -4539,7 +4989,7 @@
             <a:fld id="{B8835A04-46DE-4A0B-9BC4-BC300239B3FB}" type="datetimeFigureOut">
               <a:rPr lang="zh-CN" altLang="en-US" smtClean="0"/>
               <a:pPr/>
-              <a:t>2018/10/17</a:t>
+              <a:t>2018/10/18</a:t>
             </a:fld>
             <a:endParaRPr lang="zh-CN" altLang="en-US"/>
           </a:p>
@@ -4591,7 +5041,7 @@
     </p:spTree>
     <p:extLst>
       <p:ext uri="{BB962C8B-B14F-4D97-AF65-F5344CB8AC3E}">
-        <p14:creationId xmlns="" xmlns:p14="http://schemas.microsoft.com/office/powerpoint/2010/main" val="3128714500"/>
+        <p14:creationId xmlns:p14="http://schemas.microsoft.com/office/powerpoint/2010/main" val="3128714500"/>
       </p:ext>
     </p:extLst>
   </p:cSld>
@@ -4636,7 +5086,7 @@
             <a:fld id="{B8835A04-46DE-4A0B-9BC4-BC300239B3FB}" type="datetimeFigureOut">
               <a:rPr lang="zh-CN" altLang="en-US" smtClean="0"/>
               <a:pPr/>
-              <a:t>2018/10/17</a:t>
+              <a:t>2018/10/18</a:t>
             </a:fld>
             <a:endParaRPr lang="zh-CN" altLang="en-US"/>
           </a:p>
@@ -4688,7 +5138,7 @@
     </p:spTree>
     <p:extLst>
       <p:ext uri="{BB962C8B-B14F-4D97-AF65-F5344CB8AC3E}">
-        <p14:creationId xmlns="" xmlns:p14="http://schemas.microsoft.com/office/powerpoint/2010/main" val="1104944725"/>
+        <p14:creationId xmlns:p14="http://schemas.microsoft.com/office/powerpoint/2010/main" val="1104944725"/>
       </p:ext>
     </p:extLst>
   </p:cSld>
@@ -4917,7 +5367,7 @@
             <a:fld id="{B8835A04-46DE-4A0B-9BC4-BC300239B3FB}" type="datetimeFigureOut">
               <a:rPr lang="zh-CN" altLang="en-US" smtClean="0"/>
               <a:pPr/>
-              <a:t>2018/10/17</a:t>
+              <a:t>2018/10/18</a:t>
             </a:fld>
             <a:endParaRPr lang="zh-CN" altLang="en-US"/>
           </a:p>
@@ -4969,7 +5419,7 @@
     </p:spTree>
     <p:extLst>
       <p:ext uri="{BB962C8B-B14F-4D97-AF65-F5344CB8AC3E}">
-        <p14:creationId xmlns="" xmlns:p14="http://schemas.microsoft.com/office/powerpoint/2010/main" val="2688443126"/>
+        <p14:creationId xmlns:p14="http://schemas.microsoft.com/office/powerpoint/2010/main" val="2688443126"/>
       </p:ext>
     </p:extLst>
   </p:cSld>
@@ -5194,7 +5644,7 @@
             <a:fld id="{B8835A04-46DE-4A0B-9BC4-BC300239B3FB}" type="datetimeFigureOut">
               <a:rPr lang="zh-CN" altLang="en-US" smtClean="0"/>
               <a:pPr/>
-              <a:t>2018/10/17</a:t>
+              <a:t>2018/10/18</a:t>
             </a:fld>
             <a:endParaRPr lang="zh-CN" altLang="en-US"/>
           </a:p>
@@ -5246,7 +5696,7 @@
     </p:spTree>
     <p:extLst>
       <p:ext uri="{BB962C8B-B14F-4D97-AF65-F5344CB8AC3E}">
-        <p14:creationId xmlns="" xmlns:p14="http://schemas.microsoft.com/office/powerpoint/2010/main" val="1632158210"/>
+        <p14:creationId xmlns:p14="http://schemas.microsoft.com/office/powerpoint/2010/main" val="1632158210"/>
       </p:ext>
     </p:extLst>
   </p:cSld>
@@ -5290,7 +5740,7 @@
           <a:blip r:embed="rId19">
             <a:extLst>
               <a:ext uri="{28A0092B-C50C-407E-A947-70E740481C1C}">
-                <a14:useLocalDpi xmlns="" xmlns:a14="http://schemas.microsoft.com/office/drawing/2010/main" val="0"/>
+                <a14:useLocalDpi xmlns:a14="http://schemas.microsoft.com/office/drawing/2010/main" val="0"/>
               </a:ext>
             </a:extLst>
           </a:blip>
@@ -5319,7 +5769,7 @@
           <a:blip r:embed="rId20">
             <a:extLst>
               <a:ext uri="{28A0092B-C50C-407E-A947-70E740481C1C}">
-                <a14:useLocalDpi xmlns="" xmlns:a14="http://schemas.microsoft.com/office/drawing/2010/main" val="0"/>
+                <a14:useLocalDpi xmlns:a14="http://schemas.microsoft.com/office/drawing/2010/main" val="0"/>
               </a:ext>
             </a:extLst>
           </a:blip>
@@ -5411,7 +5861,7 @@
           <a:blip r:embed="rId21">
             <a:extLst>
               <a:ext uri="{28A0092B-C50C-407E-A947-70E740481C1C}">
-                <a14:useLocalDpi xmlns="" xmlns:a14="http://schemas.microsoft.com/office/drawing/2010/main" val="0"/>
+                <a14:useLocalDpi xmlns:a14="http://schemas.microsoft.com/office/drawing/2010/main" val="0"/>
               </a:ext>
             </a:extLst>
           </a:blip>
@@ -5440,7 +5890,7 @@
           <a:blip r:embed="rId22">
             <a:extLst>
               <a:ext uri="{28A0092B-C50C-407E-A947-70E740481C1C}">
-                <a14:useLocalDpi xmlns="" xmlns:a14="http://schemas.microsoft.com/office/drawing/2010/main" val="0"/>
+                <a14:useLocalDpi xmlns:a14="http://schemas.microsoft.com/office/drawing/2010/main" val="0"/>
               </a:ext>
             </a:extLst>
           </a:blip>
@@ -5625,7 +6075,7 @@
             <a:fld id="{B8835A04-46DE-4A0B-9BC4-BC300239B3FB}" type="datetimeFigureOut">
               <a:rPr lang="zh-CN" altLang="en-US" smtClean="0"/>
               <a:pPr/>
-              <a:t>2018/10/17</a:t>
+              <a:t>2018/10/18</a:t>
             </a:fld>
             <a:endParaRPr lang="zh-CN" altLang="en-US"/>
           </a:p>
@@ -5714,7 +6164,7 @@
     </p:spTree>
     <p:extLst>
       <p:ext uri="{BB962C8B-B14F-4D97-AF65-F5344CB8AC3E}">
-        <p14:creationId xmlns="" xmlns:p14="http://schemas.microsoft.com/office/powerpoint/2010/main" val="3518667080"/>
+        <p14:creationId xmlns:p14="http://schemas.microsoft.com/office/powerpoint/2010/main" val="3518667080"/>
       </p:ext>
     </p:extLst>
   </p:cSld>
@@ -6159,7 +6609,7 @@
           <p:cNvPr id="2" name="标题 1">
             <a:extLst>
               <a:ext uri="{FF2B5EF4-FFF2-40B4-BE49-F238E27FC236}">
-                <a16:creationId xmlns="" xmlns:a16="http://schemas.microsoft.com/office/drawing/2014/main" id="{80902938-E901-4C80-B5EB-6CB90CA76B92}"/>
+                <a16:creationId xmlns:a16="http://schemas.microsoft.com/office/drawing/2014/main" id="{80902938-E901-4C80-B5EB-6CB90CA76B92}"/>
               </a:ext>
             </a:extLst>
           </p:cNvPr>
@@ -6191,7 +6641,7 @@
           <p:cNvPr id="3" name="副标题 2">
             <a:extLst>
               <a:ext uri="{FF2B5EF4-FFF2-40B4-BE49-F238E27FC236}">
-                <a16:creationId xmlns="" xmlns:a16="http://schemas.microsoft.com/office/drawing/2014/main" id="{A17CEEB7-976D-4463-900C-B0BA7A0621FF}"/>
+                <a16:creationId xmlns:a16="http://schemas.microsoft.com/office/drawing/2014/main" id="{A17CEEB7-976D-4463-900C-B0BA7A0621FF}"/>
               </a:ext>
             </a:extLst>
           </p:cNvPr>
@@ -6218,20 +6668,13 @@
     </p:spTree>
     <p:extLst>
       <p:ext uri="{BB962C8B-B14F-4D97-AF65-F5344CB8AC3E}">
-        <p14:creationId xmlns="" xmlns:p14="http://schemas.microsoft.com/office/powerpoint/2010/main" val="251577674"/>
+        <p14:creationId xmlns:p14="http://schemas.microsoft.com/office/powerpoint/2010/main" val="251577674"/>
       </p:ext>
     </p:extLst>
   </p:cSld>
   <p:clrMapOvr>
     <a:masterClrMapping/>
   </p:clrMapOvr>
-  <p:timing>
-    <p:tnLst>
-      <p:par>
-        <p:cTn id="1" dur="indefinite" restart="never" nodeType="tmRoot"/>
-      </p:par>
-    </p:tnLst>
-  </p:timing>
 </p:sld>
 </file>
 
@@ -6257,7 +6700,7 @@
           <p:cNvPr id="2" name="标题 1">
             <a:extLst>
               <a:ext uri="{FF2B5EF4-FFF2-40B4-BE49-F238E27FC236}">
-                <a16:creationId xmlns="" xmlns:a16="http://schemas.microsoft.com/office/drawing/2014/main" id="{80902938-E901-4C80-B5EB-6CB90CA76B92}"/>
+                <a16:creationId xmlns:a16="http://schemas.microsoft.com/office/drawing/2014/main" id="{80902938-E901-4C80-B5EB-6CB90CA76B92}"/>
               </a:ext>
             </a:extLst>
           </p:cNvPr>
@@ -6280,26 +6723,25 @@
           <a:p>
             <a:r>
               <a:rPr lang="zh-CN" altLang="en-US" sz="4000" dirty="0"/>
-              <a:t>统计</a:t>
-            </a:r>
-            <a:r>
-              <a:rPr lang="zh-CN" altLang="en-US" sz="4000" dirty="0" smtClean="0"/>
-              <a:t>学习理论</a:t>
-            </a:r>
-            <a:r>
-              <a:rPr lang="en-US" altLang="zh-CN" sz="4000" dirty="0" smtClean="0"/>
-              <a:t>1</a:t>
-            </a:r>
-            <a:endParaRPr lang="zh-CN" altLang="en-US" sz="4000" dirty="0"/>
-          </a:p>
-        </p:txBody>
-      </p:sp>
-      <p:sp>
-        <p:nvSpPr>
-          <p:cNvPr id="3" name="副标题 2">
+              <a:t>参数估计 </a:t>
+            </a:r>
+            <a:r>
+              <a:rPr lang="en-US" altLang="zh-CN" sz="4000" dirty="0"/>
+              <a:t>vs </a:t>
+            </a:r>
+            <a:r>
+              <a:rPr lang="zh-CN" altLang="en-US" sz="4000" dirty="0"/>
+              <a:t>非参数估计</a:t>
+            </a:r>
+          </a:p>
+        </p:txBody>
+      </p:sp>
+      <p:sp>
+        <p:nvSpPr>
+          <p:cNvPr id="7" name="副标题 6">
             <a:extLst>
               <a:ext uri="{FF2B5EF4-FFF2-40B4-BE49-F238E27FC236}">
-                <a16:creationId xmlns="" xmlns:a16="http://schemas.microsoft.com/office/drawing/2014/main" id="{A17CEEB7-976D-4463-900C-B0BA7A0621FF}"/>
+                <a16:creationId xmlns:a16="http://schemas.microsoft.com/office/drawing/2014/main" id="{0C7CF8DB-5DD9-40EA-8963-648ACE9FE3AE}"/>
               </a:ext>
             </a:extLst>
           </p:cNvPr>
@@ -6310,135 +6752,25 @@
             <p:ph type="subTitle" idx="1"/>
           </p:nvPr>
         </p:nvSpPr>
-        <p:spPr>
-          <a:xfrm>
-            <a:off x="531500" y="1067824"/>
-            <a:ext cx="9890582" cy="5125157"/>
-          </a:xfrm>
-        </p:spPr>
+        <p:spPr/>
         <p:txBody>
           <a:bodyPr/>
           <a:lstStyle/>
           <a:p>
-            <a:pPr marL="342900" indent="-342900">
-              <a:buFont typeface="Wingdings" panose="05000000000000000000" pitchFamily="2" charset="2"/>
-              <a:buChar char="ü"/>
-            </a:pPr>
-            <a:r>
-              <a:rPr lang="zh-CN" altLang="en-US" sz="1800" dirty="0">
-                <a:solidFill>
-                  <a:schemeClr val="tx1">
-                    <a:tint val="75000"/>
-                  </a:schemeClr>
-                </a:solidFill>
-              </a:rPr>
-              <a:t>经典的统计基础存在两个理论缺陷</a:t>
-            </a:r>
-            <a:endParaRPr lang="en-US" altLang="zh-CN" sz="1800" dirty="0">
-              <a:solidFill>
-                <a:schemeClr val="tx1">
-                  <a:tint val="75000"/>
-                </a:schemeClr>
-              </a:solidFill>
-            </a:endParaRPr>
-          </a:p>
-          <a:p>
-            <a:pPr marL="342900" indent="-342900">
-              <a:buFont typeface="Wingdings" panose="05000000000000000000" pitchFamily="2" charset="2"/>
-              <a:buChar char="Ø"/>
-            </a:pPr>
-            <a:r>
-              <a:rPr lang="zh-CN" altLang="en-US" dirty="0"/>
-              <a:t>没有对经验风险最小化原则下的统计学习一致性进行分析，不能保证经验风险的最小值（或下限界）收敛到（或概率收敛到）期望风险的最小值（或下确界）</a:t>
-            </a:r>
-            <a:endParaRPr lang="en-US" altLang="zh-CN" dirty="0"/>
-          </a:p>
-          <a:p>
-            <a:pPr marL="342900" indent="-342900">
-              <a:buFont typeface="Wingdings" panose="05000000000000000000" pitchFamily="2" charset="2"/>
-              <a:buChar char="Ø"/>
-            </a:pPr>
-            <a:r>
-              <a:rPr lang="zh-CN" altLang="en-US" dirty="0"/>
-              <a:t>大数定理描述的是一个极限过程，不对收敛速度进行分析，那么在样本有限的情况下，以频率代替概率（均值代替期望）并不一定能得到好的近似</a:t>
-            </a:r>
-            <a:endParaRPr lang="en-US" altLang="zh-CN" dirty="0"/>
-          </a:p>
-          <a:p>
-            <a:pPr marL="342900" indent="-342900">
-              <a:buFont typeface="Wingdings" panose="05000000000000000000" pitchFamily="2" charset="2"/>
-              <a:buChar char="ü"/>
-            </a:pPr>
-            <a:r>
-              <a:rPr lang="zh-CN" altLang="en-US" sz="1800" dirty="0">
-                <a:solidFill>
-                  <a:schemeClr val="tx1">
-                    <a:tint val="75000"/>
-                  </a:schemeClr>
-                </a:solidFill>
-              </a:rPr>
-              <a:t>统计学习理论，从理论上系统地分析经验最小化原则成立的条件，建立了学习过程收敛速度界，进而提出了小样本归纳推理原则，并给出控制学习过程的推广能力的方法</a:t>
-            </a:r>
-          </a:p>
-          <a:p>
-            <a:pPr marL="342900" indent="-342900">
-              <a:buFont typeface="Wingdings" panose="05000000000000000000" pitchFamily="2" charset="2"/>
-              <a:buChar char="Ø"/>
-            </a:pPr>
-            <a:r>
-              <a:rPr lang="zh-CN" altLang="en-US" dirty="0"/>
-              <a:t>学习过程一致性理论</a:t>
-            </a:r>
-          </a:p>
-          <a:p>
-            <a:pPr marL="342900" indent="-342900">
-              <a:buFont typeface="Wingdings" panose="05000000000000000000" pitchFamily="2" charset="2"/>
-              <a:buChar char="Ø"/>
-            </a:pPr>
-            <a:r>
-              <a:rPr lang="zh-CN" altLang="en-US" dirty="0"/>
-              <a:t>学习过程收敛速度的理论</a:t>
-            </a:r>
-          </a:p>
-          <a:p>
-            <a:pPr marL="342900" indent="-342900">
-              <a:buFont typeface="Wingdings" panose="05000000000000000000" pitchFamily="2" charset="2"/>
-              <a:buChar char="Ø"/>
-            </a:pPr>
-            <a:r>
-              <a:rPr lang="zh-CN" altLang="en-US" dirty="0"/>
-              <a:t>控制学习过程泛化能力的理论</a:t>
-            </a:r>
-          </a:p>
-          <a:p>
-            <a:pPr marL="342900" indent="-342900">
-              <a:buFont typeface="Wingdings" panose="05000000000000000000" pitchFamily="2" charset="2"/>
-              <a:buChar char="Ø"/>
-            </a:pPr>
-            <a:r>
-              <a:rPr lang="zh-CN" altLang="en-US" dirty="0"/>
-              <a:t>构造学习算法的理论采用前三部分的结论</a:t>
-            </a:r>
+            <a:endParaRPr lang="zh-CN" altLang="en-US"/>
           </a:p>
         </p:txBody>
       </p:sp>
     </p:spTree>
     <p:extLst>
       <p:ext uri="{BB962C8B-B14F-4D97-AF65-F5344CB8AC3E}">
-        <p14:creationId xmlns="" xmlns:p14="http://schemas.microsoft.com/office/powerpoint/2010/main" val="909776569"/>
+        <p14:creationId xmlns:p14="http://schemas.microsoft.com/office/powerpoint/2010/main" val="1205979388"/>
       </p:ext>
     </p:extLst>
   </p:cSld>
   <p:clrMapOvr>
     <a:masterClrMapping/>
   </p:clrMapOvr>
-  <p:timing>
-    <p:tnLst>
-      <p:par>
-        <p:cTn id="1" dur="indefinite" restart="never" nodeType="tmRoot"/>
-      </p:par>
-    </p:tnLst>
-  </p:timing>
 </p:sld>
 </file>
 
@@ -6464,7 +6796,7 @@
           <p:cNvPr id="2" name="标题 1">
             <a:extLst>
               <a:ext uri="{FF2B5EF4-FFF2-40B4-BE49-F238E27FC236}">
-                <a16:creationId xmlns="" xmlns:a16="http://schemas.microsoft.com/office/drawing/2014/main" id="{80902938-E901-4C80-B5EB-6CB90CA76B92}"/>
+                <a16:creationId xmlns:a16="http://schemas.microsoft.com/office/drawing/2014/main" id="{80902938-E901-4C80-B5EB-6CB90CA76B92}"/>
               </a:ext>
             </a:extLst>
           </p:cNvPr>
@@ -6487,26 +6819,25 @@
           <a:p>
             <a:r>
               <a:rPr lang="zh-CN" altLang="en-US" sz="4000" dirty="0"/>
-              <a:t>统计</a:t>
-            </a:r>
-            <a:r>
-              <a:rPr lang="zh-CN" altLang="en-US" sz="4000" dirty="0" smtClean="0"/>
-              <a:t>学习理论</a:t>
-            </a:r>
-            <a:r>
-              <a:rPr lang="en-US" altLang="zh-CN" sz="4000" dirty="0" smtClean="0"/>
-              <a:t>2</a:t>
-            </a:r>
-            <a:endParaRPr lang="zh-CN" altLang="en-US" sz="4000" dirty="0"/>
-          </a:p>
-        </p:txBody>
-      </p:sp>
-      <p:sp>
-        <p:nvSpPr>
-          <p:cNvPr id="3" name="副标题 2">
+              <a:t>频率派 </a:t>
+            </a:r>
+            <a:r>
+              <a:rPr lang="en-US" altLang="zh-CN" sz="4000" dirty="0"/>
+              <a:t>vs </a:t>
+            </a:r>
+            <a:r>
+              <a:rPr lang="zh-CN" altLang="en-US" sz="4000" dirty="0"/>
+              <a:t>贝叶斯派</a:t>
+            </a:r>
+          </a:p>
+        </p:txBody>
+      </p:sp>
+      <p:sp>
+        <p:nvSpPr>
+          <p:cNvPr id="7" name="副标题 6">
             <a:extLst>
               <a:ext uri="{FF2B5EF4-FFF2-40B4-BE49-F238E27FC236}">
-                <a16:creationId xmlns="" xmlns:a16="http://schemas.microsoft.com/office/drawing/2014/main" id="{A17CEEB7-976D-4463-900C-B0BA7A0621FF}"/>
+                <a16:creationId xmlns:a16="http://schemas.microsoft.com/office/drawing/2014/main" id="{0C7CF8DB-5DD9-40EA-8963-648ACE9FE3AE}"/>
               </a:ext>
             </a:extLst>
           </p:cNvPr>
@@ -6517,77 +6848,19 @@
             <p:ph type="subTitle" idx="1"/>
           </p:nvPr>
         </p:nvSpPr>
-        <p:spPr>
-          <a:xfrm>
-            <a:off x="531500" y="1067824"/>
-            <a:ext cx="9890582" cy="5125157"/>
-          </a:xfrm>
-        </p:spPr>
+        <p:spPr/>
         <p:txBody>
           <a:bodyPr/>
           <a:lstStyle/>
           <a:p>
-            <a:pPr marL="342900" indent="-342900">
-              <a:buFont typeface="Wingdings" panose="05000000000000000000" pitchFamily="2" charset="2"/>
-              <a:buChar char="ü"/>
-            </a:pPr>
-            <a:r>
-              <a:rPr lang="zh-CN" altLang="en-US" sz="1800" dirty="0">
-                <a:solidFill>
-                  <a:schemeClr val="tx1">
-                    <a:tint val="75000"/>
-                  </a:schemeClr>
-                </a:solidFill>
-              </a:rPr>
-              <a:t>经验最小化原则</a:t>
-            </a:r>
-            <a:r>
-              <a:rPr lang="en-US" altLang="zh-CN" sz="1800" dirty="0">
-                <a:solidFill>
-                  <a:schemeClr val="tx1">
-                    <a:tint val="75000"/>
-                  </a:schemeClr>
-                </a:solidFill>
-              </a:rPr>
-              <a:t>ERM</a:t>
-            </a:r>
-          </a:p>
-          <a:p>
-            <a:pPr marL="342900" indent="-342900">
-              <a:buFont typeface="Wingdings" panose="05000000000000000000" pitchFamily="2" charset="2"/>
-              <a:buChar char="ü"/>
-            </a:pPr>
-            <a:r>
-              <a:rPr lang="zh-CN" altLang="en-US" sz="1800" dirty="0">
-                <a:solidFill>
-                  <a:schemeClr val="tx1">
-                    <a:tint val="75000"/>
-                  </a:schemeClr>
-                </a:solidFill>
-              </a:rPr>
-              <a:t>结构最小化原则</a:t>
-            </a:r>
-            <a:r>
-              <a:rPr lang="en-US" altLang="zh-CN" sz="1800" dirty="0">
-                <a:solidFill>
-                  <a:schemeClr val="tx1">
-                    <a:tint val="75000"/>
-                  </a:schemeClr>
-                </a:solidFill>
-              </a:rPr>
-              <a:t>SRM</a:t>
-            </a:r>
-            <a:endParaRPr lang="en-US" altLang="zh-CN" dirty="0"/>
-          </a:p>
-          <a:p>
-            <a:endParaRPr lang="en-US" altLang="zh-CN" dirty="0"/>
+            <a:endParaRPr lang="zh-CN" altLang="en-US"/>
           </a:p>
         </p:txBody>
       </p:sp>
     </p:spTree>
     <p:extLst>
       <p:ext uri="{BB962C8B-B14F-4D97-AF65-F5344CB8AC3E}">
-        <p14:creationId xmlns="" xmlns:p14="http://schemas.microsoft.com/office/powerpoint/2010/main" val="937811590"/>
+        <p14:creationId xmlns:p14="http://schemas.microsoft.com/office/powerpoint/2010/main" val="1313137741"/>
       </p:ext>
     </p:extLst>
   </p:cSld>
@@ -6619,7 +6892,7 @@
           <p:cNvPr id="2" name="标题 1">
             <a:extLst>
               <a:ext uri="{FF2B5EF4-FFF2-40B4-BE49-F238E27FC236}">
-                <a16:creationId xmlns="" xmlns:a16="http://schemas.microsoft.com/office/drawing/2014/main" id="{80902938-E901-4C80-B5EB-6CB90CA76B92}"/>
+                <a16:creationId xmlns:a16="http://schemas.microsoft.com/office/drawing/2014/main" id="{80902938-E901-4C80-B5EB-6CB90CA76B92}"/>
               </a:ext>
             </a:extLst>
           </p:cNvPr>
@@ -6642,26 +6915,25 @@
           <a:p>
             <a:r>
               <a:rPr lang="zh-CN" altLang="en-US" sz="4000" dirty="0"/>
-              <a:t>统计</a:t>
-            </a:r>
-            <a:r>
-              <a:rPr lang="zh-CN" altLang="en-US" sz="4000" dirty="0" smtClean="0"/>
-              <a:t>学习理论</a:t>
-            </a:r>
-            <a:r>
-              <a:rPr lang="en-US" altLang="zh-CN" sz="4000" dirty="0" smtClean="0"/>
-              <a:t>3</a:t>
-            </a:r>
-            <a:endParaRPr lang="zh-CN" altLang="en-US" sz="4000" dirty="0"/>
-          </a:p>
-        </p:txBody>
-      </p:sp>
-      <p:sp>
-        <p:nvSpPr>
-          <p:cNvPr id="3" name="副标题 2">
+              <a:t>统计学习 </a:t>
+            </a:r>
+            <a:r>
+              <a:rPr lang="en-US" altLang="zh-CN" sz="4000" dirty="0"/>
+              <a:t>vs </a:t>
+            </a:r>
+            <a:r>
+              <a:rPr lang="zh-CN" altLang="en-US" sz="4000" dirty="0"/>
+              <a:t>机器学习</a:t>
+            </a:r>
+          </a:p>
+        </p:txBody>
+      </p:sp>
+      <p:sp>
+        <p:nvSpPr>
+          <p:cNvPr id="7" name="副标题 6">
             <a:extLst>
               <a:ext uri="{FF2B5EF4-FFF2-40B4-BE49-F238E27FC236}">
-                <a16:creationId xmlns="" xmlns:a16="http://schemas.microsoft.com/office/drawing/2014/main" id="{A17CEEB7-976D-4463-900C-B0BA7A0621FF}"/>
+                <a16:creationId xmlns:a16="http://schemas.microsoft.com/office/drawing/2014/main" id="{0C7CF8DB-5DD9-40EA-8963-648ACE9FE3AE}"/>
               </a:ext>
             </a:extLst>
           </p:cNvPr>
@@ -6672,39 +6944,19 @@
             <p:ph type="subTitle" idx="1"/>
           </p:nvPr>
         </p:nvSpPr>
-        <p:spPr>
-          <a:xfrm>
-            <a:off x="531500" y="1067824"/>
-            <a:ext cx="9890582" cy="5125157"/>
-          </a:xfrm>
-        </p:spPr>
+        <p:spPr/>
         <p:txBody>
           <a:bodyPr/>
           <a:lstStyle/>
           <a:p>
-            <a:pPr marL="342900" indent="-342900">
-              <a:buFont typeface="Wingdings" panose="05000000000000000000" pitchFamily="2" charset="2"/>
-              <a:buChar char="ü"/>
-            </a:pPr>
-            <a:r>
-              <a:rPr lang="en-US" altLang="zh-CN" dirty="0"/>
-              <a:t>VC</a:t>
-            </a:r>
-            <a:r>
-              <a:rPr lang="zh-CN" altLang="en-US" dirty="0"/>
-              <a:t>维，复杂度评估</a:t>
-            </a:r>
-            <a:endParaRPr lang="en-US" altLang="zh-CN" dirty="0"/>
-          </a:p>
-          <a:p>
-            <a:endParaRPr lang="en-US" altLang="zh-CN" dirty="0"/>
+            <a:endParaRPr lang="zh-CN" altLang="en-US"/>
           </a:p>
         </p:txBody>
       </p:sp>
     </p:spTree>
     <p:extLst>
       <p:ext uri="{BB962C8B-B14F-4D97-AF65-F5344CB8AC3E}">
-        <p14:creationId xmlns="" xmlns:p14="http://schemas.microsoft.com/office/powerpoint/2010/main" val="2541280008"/>
+        <p14:creationId xmlns:p14="http://schemas.microsoft.com/office/powerpoint/2010/main" val="1994000569"/>
       </p:ext>
     </p:extLst>
   </p:cSld>
@@ -6736,7 +6988,7 @@
           <p:cNvPr id="2" name="标题 1">
             <a:extLst>
               <a:ext uri="{FF2B5EF4-FFF2-40B4-BE49-F238E27FC236}">
-                <a16:creationId xmlns="" xmlns:a16="http://schemas.microsoft.com/office/drawing/2014/main" id="{80902938-E901-4C80-B5EB-6CB90CA76B92}"/>
+                <a16:creationId xmlns:a16="http://schemas.microsoft.com/office/drawing/2014/main" id="{80902938-E901-4C80-B5EB-6CB90CA76B92}"/>
               </a:ext>
             </a:extLst>
           </p:cNvPr>
@@ -6759,15 +7011,11 @@
           <a:p>
             <a:r>
               <a:rPr lang="zh-CN" altLang="en-US" sz="4000" dirty="0"/>
-              <a:t>统计</a:t>
-            </a:r>
-            <a:r>
-              <a:rPr lang="zh-CN" altLang="en-US" sz="4000" dirty="0" smtClean="0"/>
-              <a:t>学习理论</a:t>
-            </a:r>
-            <a:r>
-              <a:rPr lang="en-US" altLang="zh-CN" sz="4000" dirty="0" smtClean="0"/>
-              <a:t>4</a:t>
+              <a:t>统计学习理论</a:t>
+            </a:r>
+            <a:r>
+              <a:rPr lang="en-US" altLang="zh-CN" sz="4000" dirty="0"/>
+              <a:t>1</a:t>
             </a:r>
             <a:endParaRPr lang="zh-CN" altLang="en-US" sz="4000" dirty="0"/>
           </a:p>
@@ -6778,7 +7026,7 @@
           <p:cNvPr id="3" name="副标题 2">
             <a:extLst>
               <a:ext uri="{FF2B5EF4-FFF2-40B4-BE49-F238E27FC236}">
-                <a16:creationId xmlns="" xmlns:a16="http://schemas.microsoft.com/office/drawing/2014/main" id="{A17CEEB7-976D-4463-900C-B0BA7A0621FF}"/>
+                <a16:creationId xmlns:a16="http://schemas.microsoft.com/office/drawing/2014/main" id="{A17CEEB7-976D-4463-900C-B0BA7A0621FF}"/>
               </a:ext>
             </a:extLst>
           </p:cNvPr>
@@ -6804,6 +7052,466 @@
               <a:buChar char="ü"/>
             </a:pPr>
             <a:r>
+              <a:rPr lang="zh-CN" altLang="en-US" sz="1800" dirty="0">
+                <a:solidFill>
+                  <a:schemeClr val="tx1">
+                    <a:tint val="75000"/>
+                  </a:schemeClr>
+                </a:solidFill>
+              </a:rPr>
+              <a:t>经典的统计基础存在两个理论缺陷</a:t>
+            </a:r>
+            <a:endParaRPr lang="en-US" altLang="zh-CN" sz="1800" dirty="0">
+              <a:solidFill>
+                <a:schemeClr val="tx1">
+                  <a:tint val="75000"/>
+                </a:schemeClr>
+              </a:solidFill>
+            </a:endParaRPr>
+          </a:p>
+          <a:p>
+            <a:pPr marL="342900" indent="-342900">
+              <a:buFont typeface="Wingdings" panose="05000000000000000000" pitchFamily="2" charset="2"/>
+              <a:buChar char="Ø"/>
+            </a:pPr>
+            <a:r>
+              <a:rPr lang="zh-CN" altLang="en-US" dirty="0"/>
+              <a:t>没有对经验风险最小化原则下的统计学习一致性进行分析，不能保证经验风险的最小值（或下限界）收敛到（或概率收敛到）期望风险的最小值（或下确界）</a:t>
+            </a:r>
+            <a:endParaRPr lang="en-US" altLang="zh-CN" dirty="0"/>
+          </a:p>
+          <a:p>
+            <a:pPr marL="342900" indent="-342900">
+              <a:buFont typeface="Wingdings" panose="05000000000000000000" pitchFamily="2" charset="2"/>
+              <a:buChar char="Ø"/>
+            </a:pPr>
+            <a:r>
+              <a:rPr lang="zh-CN" altLang="en-US" dirty="0"/>
+              <a:t>大数定理描述的是一个极限过程，不对收敛速度进行分析，那么在样本有限的情况下，以频率代替概率（均值代替期望）并不一定能得到好的近似</a:t>
+            </a:r>
+            <a:endParaRPr lang="en-US" altLang="zh-CN" dirty="0"/>
+          </a:p>
+          <a:p>
+            <a:pPr marL="342900" indent="-342900">
+              <a:buFont typeface="Wingdings" panose="05000000000000000000" pitchFamily="2" charset="2"/>
+              <a:buChar char="ü"/>
+            </a:pPr>
+            <a:r>
+              <a:rPr lang="zh-CN" altLang="en-US" sz="1800" dirty="0">
+                <a:solidFill>
+                  <a:schemeClr val="tx1">
+                    <a:tint val="75000"/>
+                  </a:schemeClr>
+                </a:solidFill>
+              </a:rPr>
+              <a:t>统计学习理论，从理论上系统地分析经验最小化原则成立的条件，建立了学习过程收敛速度界，进而提出了小样本归纳推理原则，并给出控制学习过程的推广能力的方法</a:t>
+            </a:r>
+          </a:p>
+          <a:p>
+            <a:pPr marL="342900" indent="-342900">
+              <a:buFont typeface="Wingdings" panose="05000000000000000000" pitchFamily="2" charset="2"/>
+              <a:buChar char="Ø"/>
+            </a:pPr>
+            <a:r>
+              <a:rPr lang="zh-CN" altLang="en-US" dirty="0"/>
+              <a:t>学习过程一致性理论</a:t>
+            </a:r>
+          </a:p>
+          <a:p>
+            <a:pPr marL="342900" indent="-342900">
+              <a:buFont typeface="Wingdings" panose="05000000000000000000" pitchFamily="2" charset="2"/>
+              <a:buChar char="Ø"/>
+            </a:pPr>
+            <a:r>
+              <a:rPr lang="zh-CN" altLang="en-US" dirty="0"/>
+              <a:t>学习过程收敛速度的理论</a:t>
+            </a:r>
+          </a:p>
+          <a:p>
+            <a:pPr marL="342900" indent="-342900">
+              <a:buFont typeface="Wingdings" panose="05000000000000000000" pitchFamily="2" charset="2"/>
+              <a:buChar char="Ø"/>
+            </a:pPr>
+            <a:r>
+              <a:rPr lang="zh-CN" altLang="en-US" dirty="0"/>
+              <a:t>控制学习过程泛化能力的理论</a:t>
+            </a:r>
+          </a:p>
+          <a:p>
+            <a:pPr marL="342900" indent="-342900">
+              <a:buFont typeface="Wingdings" panose="05000000000000000000" pitchFamily="2" charset="2"/>
+              <a:buChar char="Ø"/>
+            </a:pPr>
+            <a:r>
+              <a:rPr lang="zh-CN" altLang="en-US" dirty="0"/>
+              <a:t>构造学习算法的理论采用前三部分的结论</a:t>
+            </a:r>
+          </a:p>
+        </p:txBody>
+      </p:sp>
+    </p:spTree>
+    <p:extLst>
+      <p:ext uri="{BB962C8B-B14F-4D97-AF65-F5344CB8AC3E}">
+        <p14:creationId xmlns:p14="http://schemas.microsoft.com/office/powerpoint/2010/main" val="909776569"/>
+      </p:ext>
+    </p:extLst>
+  </p:cSld>
+  <p:clrMapOvr>
+    <a:masterClrMapping/>
+  </p:clrMapOvr>
+</p:sld>
+</file>
+
+<file path=ppt/slides/slide14.xml><?xml version="1.0" encoding="utf-8"?>
+<p:sld xmlns:a="http://schemas.openxmlformats.org/drawingml/2006/main" xmlns:r="http://schemas.openxmlformats.org/officeDocument/2006/relationships" xmlns:p="http://schemas.openxmlformats.org/presentationml/2006/main">
+  <p:cSld>
+    <p:spTree>
+      <p:nvGrpSpPr>
+        <p:cNvPr id="1" name=""/>
+        <p:cNvGrpSpPr/>
+        <p:nvPr/>
+      </p:nvGrpSpPr>
+      <p:grpSpPr>
+        <a:xfrm>
+          <a:off x="0" y="0"/>
+          <a:ext cx="0" cy="0"/>
+          <a:chOff x="0" y="0"/>
+          <a:chExt cx="0" cy="0"/>
+        </a:xfrm>
+      </p:grpSpPr>
+      <p:sp>
+        <p:nvSpPr>
+          <p:cNvPr id="2" name="标题 1">
+            <a:extLst>
+              <a:ext uri="{FF2B5EF4-FFF2-40B4-BE49-F238E27FC236}">
+                <a16:creationId xmlns:a16="http://schemas.microsoft.com/office/drawing/2014/main" id="{80902938-E901-4C80-B5EB-6CB90CA76B92}"/>
+              </a:ext>
+            </a:extLst>
+          </p:cNvPr>
+          <p:cNvSpPr>
+            <a:spLocks noGrp="1"/>
+          </p:cNvSpPr>
+          <p:nvPr>
+            <p:ph type="ctrTitle"/>
+          </p:nvPr>
+        </p:nvSpPr>
+        <p:spPr>
+          <a:xfrm>
+            <a:off x="531500" y="176644"/>
+            <a:ext cx="8825658" cy="748147"/>
+          </a:xfrm>
+        </p:spPr>
+        <p:txBody>
+          <a:bodyPr/>
+          <a:lstStyle/>
+          <a:p>
+            <a:r>
+              <a:rPr lang="zh-CN" altLang="en-US" sz="4000" dirty="0"/>
+              <a:t>统计学习理论</a:t>
+            </a:r>
+            <a:r>
+              <a:rPr lang="en-US" altLang="zh-CN" sz="4000" dirty="0"/>
+              <a:t>2</a:t>
+            </a:r>
+            <a:endParaRPr lang="zh-CN" altLang="en-US" sz="4000" dirty="0"/>
+          </a:p>
+        </p:txBody>
+      </p:sp>
+      <p:sp>
+        <p:nvSpPr>
+          <p:cNvPr id="3" name="副标题 2">
+            <a:extLst>
+              <a:ext uri="{FF2B5EF4-FFF2-40B4-BE49-F238E27FC236}">
+                <a16:creationId xmlns:a16="http://schemas.microsoft.com/office/drawing/2014/main" id="{A17CEEB7-976D-4463-900C-B0BA7A0621FF}"/>
+              </a:ext>
+            </a:extLst>
+          </p:cNvPr>
+          <p:cNvSpPr>
+            <a:spLocks noGrp="1"/>
+          </p:cNvSpPr>
+          <p:nvPr>
+            <p:ph type="subTitle" idx="1"/>
+          </p:nvPr>
+        </p:nvSpPr>
+        <p:spPr>
+          <a:xfrm>
+            <a:off x="531500" y="1067824"/>
+            <a:ext cx="9890582" cy="5125157"/>
+          </a:xfrm>
+        </p:spPr>
+        <p:txBody>
+          <a:bodyPr/>
+          <a:lstStyle/>
+          <a:p>
+            <a:pPr marL="342900" indent="-342900">
+              <a:buFont typeface="Wingdings" panose="05000000000000000000" pitchFamily="2" charset="2"/>
+              <a:buChar char="ü"/>
+            </a:pPr>
+            <a:r>
+              <a:rPr lang="zh-CN" altLang="en-US" sz="1800" dirty="0">
+                <a:solidFill>
+                  <a:schemeClr val="tx1">
+                    <a:tint val="75000"/>
+                  </a:schemeClr>
+                </a:solidFill>
+              </a:rPr>
+              <a:t>经验最小化原则</a:t>
+            </a:r>
+            <a:r>
+              <a:rPr lang="en-US" altLang="zh-CN" sz="1800" dirty="0">
+                <a:solidFill>
+                  <a:schemeClr val="tx1">
+                    <a:tint val="75000"/>
+                  </a:schemeClr>
+                </a:solidFill>
+              </a:rPr>
+              <a:t>ERM</a:t>
+            </a:r>
+          </a:p>
+          <a:p>
+            <a:pPr marL="342900" indent="-342900">
+              <a:buFont typeface="Wingdings" panose="05000000000000000000" pitchFamily="2" charset="2"/>
+              <a:buChar char="ü"/>
+            </a:pPr>
+            <a:r>
+              <a:rPr lang="zh-CN" altLang="en-US" sz="1800" dirty="0">
+                <a:solidFill>
+                  <a:schemeClr val="tx1">
+                    <a:tint val="75000"/>
+                  </a:schemeClr>
+                </a:solidFill>
+              </a:rPr>
+              <a:t>结构最小化原则</a:t>
+            </a:r>
+            <a:r>
+              <a:rPr lang="en-US" altLang="zh-CN" sz="1800" dirty="0">
+                <a:solidFill>
+                  <a:schemeClr val="tx1">
+                    <a:tint val="75000"/>
+                  </a:schemeClr>
+                </a:solidFill>
+              </a:rPr>
+              <a:t>SRM</a:t>
+            </a:r>
+            <a:endParaRPr lang="en-US" altLang="zh-CN" dirty="0"/>
+          </a:p>
+          <a:p>
+            <a:endParaRPr lang="en-US" altLang="zh-CN" dirty="0"/>
+          </a:p>
+        </p:txBody>
+      </p:sp>
+    </p:spTree>
+    <p:extLst>
+      <p:ext uri="{BB962C8B-B14F-4D97-AF65-F5344CB8AC3E}">
+        <p14:creationId xmlns:p14="http://schemas.microsoft.com/office/powerpoint/2010/main" val="937811590"/>
+      </p:ext>
+    </p:extLst>
+  </p:cSld>
+  <p:clrMapOvr>
+    <a:masterClrMapping/>
+  </p:clrMapOvr>
+</p:sld>
+</file>
+
+<file path=ppt/slides/slide15.xml><?xml version="1.0" encoding="utf-8"?>
+<p:sld xmlns:a="http://schemas.openxmlformats.org/drawingml/2006/main" xmlns:r="http://schemas.openxmlformats.org/officeDocument/2006/relationships" xmlns:p="http://schemas.openxmlformats.org/presentationml/2006/main">
+  <p:cSld>
+    <p:spTree>
+      <p:nvGrpSpPr>
+        <p:cNvPr id="1" name=""/>
+        <p:cNvGrpSpPr/>
+        <p:nvPr/>
+      </p:nvGrpSpPr>
+      <p:grpSpPr>
+        <a:xfrm>
+          <a:off x="0" y="0"/>
+          <a:ext cx="0" cy="0"/>
+          <a:chOff x="0" y="0"/>
+          <a:chExt cx="0" cy="0"/>
+        </a:xfrm>
+      </p:grpSpPr>
+      <p:sp>
+        <p:nvSpPr>
+          <p:cNvPr id="2" name="标题 1">
+            <a:extLst>
+              <a:ext uri="{FF2B5EF4-FFF2-40B4-BE49-F238E27FC236}">
+                <a16:creationId xmlns:a16="http://schemas.microsoft.com/office/drawing/2014/main" id="{80902938-E901-4C80-B5EB-6CB90CA76B92}"/>
+              </a:ext>
+            </a:extLst>
+          </p:cNvPr>
+          <p:cNvSpPr>
+            <a:spLocks noGrp="1"/>
+          </p:cNvSpPr>
+          <p:nvPr>
+            <p:ph type="ctrTitle"/>
+          </p:nvPr>
+        </p:nvSpPr>
+        <p:spPr>
+          <a:xfrm>
+            <a:off x="531500" y="176644"/>
+            <a:ext cx="8825658" cy="748147"/>
+          </a:xfrm>
+        </p:spPr>
+        <p:txBody>
+          <a:bodyPr/>
+          <a:lstStyle/>
+          <a:p>
+            <a:r>
+              <a:rPr lang="zh-CN" altLang="en-US" sz="4000" dirty="0"/>
+              <a:t>统计学习理论</a:t>
+            </a:r>
+            <a:r>
+              <a:rPr lang="en-US" altLang="zh-CN" sz="4000" dirty="0"/>
+              <a:t>3</a:t>
+            </a:r>
+            <a:endParaRPr lang="zh-CN" altLang="en-US" sz="4000" dirty="0"/>
+          </a:p>
+        </p:txBody>
+      </p:sp>
+      <p:sp>
+        <p:nvSpPr>
+          <p:cNvPr id="3" name="副标题 2">
+            <a:extLst>
+              <a:ext uri="{FF2B5EF4-FFF2-40B4-BE49-F238E27FC236}">
+                <a16:creationId xmlns:a16="http://schemas.microsoft.com/office/drawing/2014/main" id="{A17CEEB7-976D-4463-900C-B0BA7A0621FF}"/>
+              </a:ext>
+            </a:extLst>
+          </p:cNvPr>
+          <p:cNvSpPr>
+            <a:spLocks noGrp="1"/>
+          </p:cNvSpPr>
+          <p:nvPr>
+            <p:ph type="subTitle" idx="1"/>
+          </p:nvPr>
+        </p:nvSpPr>
+        <p:spPr>
+          <a:xfrm>
+            <a:off x="531500" y="1067824"/>
+            <a:ext cx="9890582" cy="5125157"/>
+          </a:xfrm>
+        </p:spPr>
+        <p:txBody>
+          <a:bodyPr/>
+          <a:lstStyle/>
+          <a:p>
+            <a:pPr marL="342900" indent="-342900">
+              <a:buFont typeface="Wingdings" panose="05000000000000000000" pitchFamily="2" charset="2"/>
+              <a:buChar char="ü"/>
+            </a:pPr>
+            <a:r>
+              <a:rPr lang="en-US" altLang="zh-CN" dirty="0"/>
+              <a:t>VC</a:t>
+            </a:r>
+            <a:r>
+              <a:rPr lang="zh-CN" altLang="en-US" dirty="0"/>
+              <a:t>维，复杂度评估</a:t>
+            </a:r>
+            <a:endParaRPr lang="en-US" altLang="zh-CN" dirty="0"/>
+          </a:p>
+          <a:p>
+            <a:endParaRPr lang="en-US" altLang="zh-CN" dirty="0"/>
+          </a:p>
+        </p:txBody>
+      </p:sp>
+    </p:spTree>
+    <p:extLst>
+      <p:ext uri="{BB962C8B-B14F-4D97-AF65-F5344CB8AC3E}">
+        <p14:creationId xmlns:p14="http://schemas.microsoft.com/office/powerpoint/2010/main" val="2541280008"/>
+      </p:ext>
+    </p:extLst>
+  </p:cSld>
+  <p:clrMapOvr>
+    <a:masterClrMapping/>
+  </p:clrMapOvr>
+</p:sld>
+</file>
+
+<file path=ppt/slides/slide16.xml><?xml version="1.0" encoding="utf-8"?>
+<p:sld xmlns:a="http://schemas.openxmlformats.org/drawingml/2006/main" xmlns:r="http://schemas.openxmlformats.org/officeDocument/2006/relationships" xmlns:p="http://schemas.openxmlformats.org/presentationml/2006/main">
+  <p:cSld>
+    <p:spTree>
+      <p:nvGrpSpPr>
+        <p:cNvPr id="1" name=""/>
+        <p:cNvGrpSpPr/>
+        <p:nvPr/>
+      </p:nvGrpSpPr>
+      <p:grpSpPr>
+        <a:xfrm>
+          <a:off x="0" y="0"/>
+          <a:ext cx="0" cy="0"/>
+          <a:chOff x="0" y="0"/>
+          <a:chExt cx="0" cy="0"/>
+        </a:xfrm>
+      </p:grpSpPr>
+      <p:sp>
+        <p:nvSpPr>
+          <p:cNvPr id="2" name="标题 1">
+            <a:extLst>
+              <a:ext uri="{FF2B5EF4-FFF2-40B4-BE49-F238E27FC236}">
+                <a16:creationId xmlns:a16="http://schemas.microsoft.com/office/drawing/2014/main" id="{80902938-E901-4C80-B5EB-6CB90CA76B92}"/>
+              </a:ext>
+            </a:extLst>
+          </p:cNvPr>
+          <p:cNvSpPr>
+            <a:spLocks noGrp="1"/>
+          </p:cNvSpPr>
+          <p:nvPr>
+            <p:ph type="ctrTitle"/>
+          </p:nvPr>
+        </p:nvSpPr>
+        <p:spPr>
+          <a:xfrm>
+            <a:off x="531500" y="176644"/>
+            <a:ext cx="8825658" cy="748147"/>
+          </a:xfrm>
+        </p:spPr>
+        <p:txBody>
+          <a:bodyPr/>
+          <a:lstStyle/>
+          <a:p>
+            <a:r>
+              <a:rPr lang="zh-CN" altLang="en-US" sz="4000" dirty="0"/>
+              <a:t>统计学习理论</a:t>
+            </a:r>
+            <a:r>
+              <a:rPr lang="en-US" altLang="zh-CN" sz="4000" dirty="0"/>
+              <a:t>4</a:t>
+            </a:r>
+            <a:endParaRPr lang="zh-CN" altLang="en-US" sz="4000" dirty="0"/>
+          </a:p>
+        </p:txBody>
+      </p:sp>
+      <p:sp>
+        <p:nvSpPr>
+          <p:cNvPr id="3" name="副标题 2">
+            <a:extLst>
+              <a:ext uri="{FF2B5EF4-FFF2-40B4-BE49-F238E27FC236}">
+                <a16:creationId xmlns:a16="http://schemas.microsoft.com/office/drawing/2014/main" id="{A17CEEB7-976D-4463-900C-B0BA7A0621FF}"/>
+              </a:ext>
+            </a:extLst>
+          </p:cNvPr>
+          <p:cNvSpPr>
+            <a:spLocks noGrp="1"/>
+          </p:cNvSpPr>
+          <p:nvPr>
+            <p:ph type="subTitle" idx="1"/>
+          </p:nvPr>
+        </p:nvSpPr>
+        <p:spPr>
+          <a:xfrm>
+            <a:off x="531500" y="1067824"/>
+            <a:ext cx="9890582" cy="5125157"/>
+          </a:xfrm>
+        </p:spPr>
+        <p:txBody>
+          <a:bodyPr/>
+          <a:lstStyle/>
+          <a:p>
+            <a:pPr marL="342900" indent="-342900">
+              <a:buFont typeface="Wingdings" panose="05000000000000000000" pitchFamily="2" charset="2"/>
+              <a:buChar char="ü"/>
+            </a:pPr>
+            <a:r>
               <a:rPr lang="zh-CN" altLang="en-US" dirty="0"/>
               <a:t>偏差</a:t>
             </a:r>
@@ -6812,12 +7520,8 @@
               <a:t>-</a:t>
             </a:r>
             <a:r>
-              <a:rPr lang="zh-CN" altLang="en-US" dirty="0" smtClean="0"/>
-              <a:t>方差分解（</a:t>
-            </a:r>
-            <a:r>
               <a:rPr lang="zh-CN" altLang="en-US" dirty="0"/>
-              <a:t>过拟合和欠拟合问题），“没有免费的午餐”</a:t>
+              <a:t>方差分解（过拟合和欠拟合问题），“没有免费的午餐”</a:t>
             </a:r>
             <a:endParaRPr lang="en-US" altLang="zh-CN" dirty="0"/>
           </a:p>
@@ -6859,7 +7563,7 @@
           <p:cNvPr id="4" name="Picture 2" descr="https://images2017.cnblogs.com/blog/1158734/201709/1158734-20170905083743335-142842313.png">
             <a:extLst>
               <a:ext uri="{FF2B5EF4-FFF2-40B4-BE49-F238E27FC236}">
-                <a16:creationId xmlns="" xmlns:a16="http://schemas.microsoft.com/office/drawing/2014/main" id="{1E3C4758-D7BE-4DE6-AFC6-9330BD943888}"/>
+                <a16:creationId xmlns:a16="http://schemas.microsoft.com/office/drawing/2014/main" id="{1E3C4758-D7BE-4DE6-AFC6-9330BD943888}"/>
               </a:ext>
             </a:extLst>
           </p:cNvPr>
@@ -6872,7 +7576,7 @@
           <a:blip r:embed="rId2">
             <a:extLst>
               <a:ext uri="{28A0092B-C50C-407E-A947-70E740481C1C}">
-                <a14:useLocalDpi xmlns="" xmlns:a14="http://schemas.microsoft.com/office/drawing/2010/main" val="0"/>
+                <a14:useLocalDpi xmlns:a14="http://schemas.microsoft.com/office/drawing/2010/main" val="0"/>
               </a:ext>
             </a:extLst>
           </a:blip>
@@ -6892,7 +7596,7 @@
           <a:noFill/>
           <a:extLst>
             <a:ext uri="{909E8E84-426E-40DD-AFC4-6F175D3DCCD1}">
-              <a14:hiddenFill xmlns="" xmlns:a14="http://schemas.microsoft.com/office/drawing/2010/main">
+              <a14:hiddenFill xmlns:a14="http://schemas.microsoft.com/office/drawing/2010/main">
                 <a:solidFill>
                   <a:srgbClr val="FFFFFF"/>
                 </a:solidFill>
@@ -6906,7 +7610,7 @@
           <p:cNvPr id="6" name="矩形 5">
             <a:extLst>
               <a:ext uri="{FF2B5EF4-FFF2-40B4-BE49-F238E27FC236}">
-                <a16:creationId xmlns="" xmlns:a16="http://schemas.microsoft.com/office/drawing/2014/main" id="{92B24D52-B406-4BF3-8371-296C7C288DA1}"/>
+                <a16:creationId xmlns:a16="http://schemas.microsoft.com/office/drawing/2014/main" id="{92B24D52-B406-4BF3-8371-296C7C288DA1}"/>
               </a:ext>
             </a:extLst>
           </p:cNvPr>
@@ -6962,7 +7666,7 @@
           <p:cNvPr id="11" name="Rectangle 5">
             <a:extLst>
               <a:ext uri="{FF2B5EF4-FFF2-40B4-BE49-F238E27FC236}">
-                <a16:creationId xmlns="" xmlns:a16="http://schemas.microsoft.com/office/drawing/2014/main" id="{8E672278-F5D1-42C5-A080-0FC0C2EF2499}"/>
+                <a16:creationId xmlns:a16="http://schemas.microsoft.com/office/drawing/2014/main" id="{8E672278-F5D1-42C5-A080-0FC0C2EF2499}"/>
               </a:ext>
             </a:extLst>
           </p:cNvPr>
@@ -6986,14 +7690,14 @@
           <a:effectLst/>
           <a:extLst>
             <a:ext uri="{909E8E84-426E-40DD-AFC4-6F175D3DCCD1}">
-              <a14:hiddenFill xmlns="" xmlns:a14="http://schemas.microsoft.com/office/drawing/2010/main">
+              <a14:hiddenFill xmlns:a14="http://schemas.microsoft.com/office/drawing/2010/main">
                 <a:solidFill>
                   <a:schemeClr val="accent1"/>
                 </a:solidFill>
               </a14:hiddenFill>
             </a:ext>
             <a:ext uri="{91240B29-F687-4F45-9708-019B960494DF}">
-              <a14:hiddenLine xmlns="" xmlns:a14="http://schemas.microsoft.com/office/drawing/2010/main" w="9525">
+              <a14:hiddenLine xmlns:a14="http://schemas.microsoft.com/office/drawing/2010/main" w="9525">
                 <a:solidFill>
                   <a:schemeClr val="tx1"/>
                 </a:solidFill>
@@ -7003,7 +7707,7 @@
               </a14:hiddenLine>
             </a:ext>
             <a:ext uri="{AF507438-7753-43E0-B8FC-AC1667EBCBE1}">
-              <a14:hiddenEffects xmlns="" xmlns:a14="http://schemas.microsoft.com/office/drawing/2010/main">
+              <a14:hiddenEffects xmlns:a14="http://schemas.microsoft.com/office/drawing/2010/main">
                 <a:effectLst>
                   <a:outerShdw dist="35921" dir="2700000" algn="ctr" rotWithShape="0">
                     <a:schemeClr val="bg2"/>
@@ -7262,7 +7966,7 @@
           <p:cNvPr id="12" name="Rectangle 6">
             <a:extLst>
               <a:ext uri="{FF2B5EF4-FFF2-40B4-BE49-F238E27FC236}">
-                <a16:creationId xmlns="" xmlns:a16="http://schemas.microsoft.com/office/drawing/2014/main" id="{28274D3B-A936-4604-AF45-330428509862}"/>
+                <a16:creationId xmlns:a16="http://schemas.microsoft.com/office/drawing/2014/main" id="{28274D3B-A936-4604-AF45-330428509862}"/>
               </a:ext>
             </a:extLst>
           </p:cNvPr>
@@ -7286,14 +7990,14 @@
           <a:effectLst/>
           <a:extLst>
             <a:ext uri="{909E8E84-426E-40DD-AFC4-6F175D3DCCD1}">
-              <a14:hiddenFill xmlns="" xmlns:a14="http://schemas.microsoft.com/office/drawing/2010/main">
+              <a14:hiddenFill xmlns:a14="http://schemas.microsoft.com/office/drawing/2010/main">
                 <a:solidFill>
                   <a:schemeClr val="accent1"/>
                 </a:solidFill>
               </a14:hiddenFill>
             </a:ext>
             <a:ext uri="{91240B29-F687-4F45-9708-019B960494DF}">
-              <a14:hiddenLine xmlns="" xmlns:a14="http://schemas.microsoft.com/office/drawing/2010/main" w="9525">
+              <a14:hiddenLine xmlns:a14="http://schemas.microsoft.com/office/drawing/2010/main" w="9525">
                 <a:solidFill>
                   <a:schemeClr val="tx1"/>
                 </a:solidFill>
@@ -7303,7 +8007,7 @@
               </a14:hiddenLine>
             </a:ext>
             <a:ext uri="{AF507438-7753-43E0-B8FC-AC1667EBCBE1}">
-              <a14:hiddenEffects xmlns="" xmlns:a14="http://schemas.microsoft.com/office/drawing/2010/main">
+              <a14:hiddenEffects xmlns:a14="http://schemas.microsoft.com/office/drawing/2010/main">
                 <a:effectLst>
                   <a:outerShdw dist="35921" dir="2700000" algn="ctr" rotWithShape="0">
                     <a:schemeClr val="bg2"/>
@@ -7477,25 +8181,25 @@
     </p:spTree>
     <p:extLst>
       <p:ext uri="{BB962C8B-B14F-4D97-AF65-F5344CB8AC3E}">
-        <p14:creationId xmlns="" xmlns:p14="http://schemas.microsoft.com/office/powerpoint/2010/main" val="3712739744"/>
+        <p14:creationId xmlns:p14="http://schemas.microsoft.com/office/powerpoint/2010/main" val="3712739744"/>
       </p:ext>
     </p:extLst>
   </p:cSld>
   <p:clrMapOvr>
     <a:masterClrMapping/>
   </p:clrMapOvr>
-  <mc:AlternateContent xmlns:mc="http://schemas.openxmlformats.org/markup-compatibility/2006">
-    <mc:Choice xmlns="" xmlns:p14="http://schemas.microsoft.com/office/powerpoint/2010/main" Requires="p14">
+  <mc:AlternateContent xmlns:mc="http://schemas.openxmlformats.org/markup-compatibility/2006" xmlns:p14="http://schemas.microsoft.com/office/powerpoint/2010/main">
+    <mc:Choice Requires="p14">
       <p:transition p14:dur="10"/>
     </mc:Choice>
-    <mc:Fallback>
+    <mc:Fallback xmlns="">
       <p:transition/>
     </mc:Fallback>
   </mc:AlternateContent>
 </p:sld>
 </file>
 
-<file path=ppt/slides/slide14.xml><?xml version="1.0" encoding="utf-8"?>
+<file path=ppt/slides/slide17.xml><?xml version="1.0" encoding="utf-8"?>
 <p:sld xmlns:a="http://schemas.openxmlformats.org/drawingml/2006/main" xmlns:r="http://schemas.openxmlformats.org/officeDocument/2006/relationships" xmlns:p="http://schemas.openxmlformats.org/presentationml/2006/main">
   <p:cSld>
     <p:spTree>
@@ -7517,7 +8221,7 @@
           <p:cNvPr id="2" name="标题 1">
             <a:extLst>
               <a:ext uri="{FF2B5EF4-FFF2-40B4-BE49-F238E27FC236}">
-                <a16:creationId xmlns="" xmlns:a16="http://schemas.microsoft.com/office/drawing/2014/main" id="{80902938-E901-4C80-B5EB-6CB90CA76B92}"/>
+                <a16:creationId xmlns:a16="http://schemas.microsoft.com/office/drawing/2014/main" id="{80902938-E901-4C80-B5EB-6CB90CA76B92}"/>
               </a:ext>
             </a:extLst>
           </p:cNvPr>
@@ -7539,10 +8243,9 @@
           <a:lstStyle/>
           <a:p>
             <a:r>
-              <a:rPr lang="zh-CN" altLang="en-US" sz="4000" dirty="0" smtClean="0"/>
+              <a:rPr lang="zh-CN" altLang="en-US" sz="4000" dirty="0"/>
               <a:t>数值计算与最优化</a:t>
             </a:r>
-            <a:endParaRPr lang="zh-CN" altLang="en-US" sz="4000" dirty="0"/>
           </a:p>
         </p:txBody>
       </p:sp>
@@ -7551,7 +8254,7 @@
           <p:cNvPr id="4" name="副标题 5">
             <a:extLst>
               <a:ext uri="{FF2B5EF4-FFF2-40B4-BE49-F238E27FC236}">
-                <a16:creationId xmlns="" xmlns:a16="http://schemas.microsoft.com/office/drawing/2014/main" id="{4076475B-A27A-4F0D-809A-CA48E27A9C0B}"/>
+                <a16:creationId xmlns:a16="http://schemas.microsoft.com/office/drawing/2014/main" id="{4076475B-A27A-4F0D-809A-CA48E27A9C0B}"/>
               </a:ext>
             </a:extLst>
           </p:cNvPr>
@@ -7834,7 +8537,7 @@
     </p:spTree>
     <p:extLst>
       <p:ext uri="{BB962C8B-B14F-4D97-AF65-F5344CB8AC3E}">
-        <p14:creationId xmlns="" xmlns:p14="http://schemas.microsoft.com/office/powerpoint/2010/main" val="1012183448"/>
+        <p14:creationId xmlns:p14="http://schemas.microsoft.com/office/powerpoint/2010/main" val="1012183448"/>
       </p:ext>
     </p:extLst>
   </p:cSld>
@@ -7844,7 +8547,7 @@
 </p:sld>
 </file>
 
-<file path=ppt/slides/slide15.xml><?xml version="1.0" encoding="utf-8"?>
+<file path=ppt/slides/slide18.xml><?xml version="1.0" encoding="utf-8"?>
 <p:sld xmlns:a="http://schemas.openxmlformats.org/drawingml/2006/main" xmlns:r="http://schemas.openxmlformats.org/officeDocument/2006/relationships" xmlns:p="http://schemas.openxmlformats.org/presentationml/2006/main">
   <p:cSld>
     <p:spTree>
@@ -7866,7 +8569,7 @@
           <p:cNvPr id="2" name="标题 1">
             <a:extLst>
               <a:ext uri="{FF2B5EF4-FFF2-40B4-BE49-F238E27FC236}">
-                <a16:creationId xmlns="" xmlns:a16="http://schemas.microsoft.com/office/drawing/2014/main" id="{80902938-E901-4C80-B5EB-6CB90CA76B92}"/>
+                <a16:creationId xmlns:a16="http://schemas.microsoft.com/office/drawing/2014/main" id="{80902938-E901-4C80-B5EB-6CB90CA76B92}"/>
               </a:ext>
             </a:extLst>
           </p:cNvPr>
@@ -7888,10 +8591,9 @@
           <a:lstStyle/>
           <a:p>
             <a:r>
-              <a:rPr lang="zh-CN" altLang="en-US" sz="4000" dirty="0" smtClean="0"/>
+              <a:rPr lang="zh-CN" altLang="en-US" sz="4000" dirty="0"/>
               <a:t>微积分</a:t>
             </a:r>
-            <a:endParaRPr lang="zh-CN" altLang="en-US" sz="4000" dirty="0"/>
           </a:p>
         </p:txBody>
       </p:sp>
@@ -7900,7 +8602,7 @@
           <p:cNvPr id="4" name="副标题 5">
             <a:extLst>
               <a:ext uri="{FF2B5EF4-FFF2-40B4-BE49-F238E27FC236}">
-                <a16:creationId xmlns="" xmlns:a16="http://schemas.microsoft.com/office/drawing/2014/main" id="{4076475B-A27A-4F0D-809A-CA48E27A9C0B}"/>
+                <a16:creationId xmlns:a16="http://schemas.microsoft.com/office/drawing/2014/main" id="{4076475B-A27A-4F0D-809A-CA48E27A9C0B}"/>
               </a:ext>
             </a:extLst>
           </p:cNvPr>
@@ -8183,7 +8885,7 @@
     </p:spTree>
     <p:extLst>
       <p:ext uri="{BB962C8B-B14F-4D97-AF65-F5344CB8AC3E}">
-        <p14:creationId xmlns="" xmlns:p14="http://schemas.microsoft.com/office/powerpoint/2010/main" val="1012183448"/>
+        <p14:creationId xmlns:p14="http://schemas.microsoft.com/office/powerpoint/2010/main" val="1012183448"/>
       </p:ext>
     </p:extLst>
   </p:cSld>
@@ -8193,7 +8895,7 @@
 </p:sld>
 </file>
 
-<file path=ppt/slides/slide16.xml><?xml version="1.0" encoding="utf-8"?>
+<file path=ppt/slides/slide19.xml><?xml version="1.0" encoding="utf-8"?>
 <p:sld xmlns:a="http://schemas.openxmlformats.org/drawingml/2006/main" xmlns:r="http://schemas.openxmlformats.org/officeDocument/2006/relationships" xmlns:p="http://schemas.openxmlformats.org/presentationml/2006/main">
   <p:cSld>
     <p:spTree>
@@ -8215,7 +8917,7 @@
           <p:cNvPr id="2" name="标题 1">
             <a:extLst>
               <a:ext uri="{FF2B5EF4-FFF2-40B4-BE49-F238E27FC236}">
-                <a16:creationId xmlns="" xmlns:a16="http://schemas.microsoft.com/office/drawing/2014/main" id="{80902938-E901-4C80-B5EB-6CB90CA76B92}"/>
+                <a16:creationId xmlns:a16="http://schemas.microsoft.com/office/drawing/2014/main" id="{80902938-E901-4C80-B5EB-6CB90CA76B92}"/>
               </a:ext>
             </a:extLst>
           </p:cNvPr>
@@ -8248,7 +8950,7 @@
           <p:cNvPr id="3" name="副标题 2">
             <a:extLst>
               <a:ext uri="{FF2B5EF4-FFF2-40B4-BE49-F238E27FC236}">
-                <a16:creationId xmlns="" xmlns:a16="http://schemas.microsoft.com/office/drawing/2014/main" id="{A17CEEB7-976D-4463-900C-B0BA7A0621FF}"/>
+                <a16:creationId xmlns:a16="http://schemas.microsoft.com/office/drawing/2014/main" id="{A17CEEB7-976D-4463-900C-B0BA7A0621FF}"/>
               </a:ext>
             </a:extLst>
           </p:cNvPr>
@@ -8292,7 +8994,7 @@
     </p:spTree>
     <p:extLst>
       <p:ext uri="{BB962C8B-B14F-4D97-AF65-F5344CB8AC3E}">
-        <p14:creationId xmlns="" xmlns:p14="http://schemas.microsoft.com/office/powerpoint/2010/main" val="2121645548"/>
+        <p14:creationId xmlns:p14="http://schemas.microsoft.com/office/powerpoint/2010/main" val="2121645548"/>
       </p:ext>
     </p:extLst>
   </p:cSld>
@@ -8324,7 +9026,7 @@
           <p:cNvPr id="3" name="图片 2">
             <a:extLst>
               <a:ext uri="{FF2B5EF4-FFF2-40B4-BE49-F238E27FC236}">
-                <a16:creationId xmlns="" xmlns:a16="http://schemas.microsoft.com/office/drawing/2014/main" id="{3E56A10C-BBE5-41F6-9ABE-BF6121D952FE}"/>
+                <a16:creationId xmlns:a16="http://schemas.microsoft.com/office/drawing/2014/main" id="{3E56A10C-BBE5-41F6-9ABE-BF6121D952FE}"/>
               </a:ext>
             </a:extLst>
           </p:cNvPr>
@@ -8367,7 +9069,7 @@
           <p:cNvPr id="5" name="图片 4">
             <a:extLst>
               <a:ext uri="{FF2B5EF4-FFF2-40B4-BE49-F238E27FC236}">
-                <a16:creationId xmlns="" xmlns:a16="http://schemas.microsoft.com/office/drawing/2014/main" id="{7E920799-904E-4F94-94CC-FB24B9FAC50B}"/>
+                <a16:creationId xmlns:a16="http://schemas.microsoft.com/office/drawing/2014/main" id="{7E920799-904E-4F94-94CC-FB24B9FAC50B}"/>
               </a:ext>
             </a:extLst>
           </p:cNvPr>
@@ -8380,7 +9082,7 @@
           <a:blip r:embed="rId3" cstate="print">
             <a:extLst>
               <a:ext uri="{28A0092B-C50C-407E-A947-70E740481C1C}">
-                <a14:useLocalDpi xmlns="" xmlns:a14="http://schemas.microsoft.com/office/drawing/2010/main" val="0"/>
+                <a14:useLocalDpi xmlns:a14="http://schemas.microsoft.com/office/drawing/2010/main" val="0"/>
               </a:ext>
             </a:extLst>
           </a:blip>
@@ -8416,7 +9118,7 @@
           <p:cNvPr id="6" name="矩形 5">
             <a:extLst>
               <a:ext uri="{FF2B5EF4-FFF2-40B4-BE49-F238E27FC236}">
-                <a16:creationId xmlns="" xmlns:a16="http://schemas.microsoft.com/office/drawing/2014/main" id="{B1017966-2F8B-495F-BEC7-AA848D09816B}"/>
+                <a16:creationId xmlns:a16="http://schemas.microsoft.com/office/drawing/2014/main" id="{B1017966-2F8B-495F-BEC7-AA848D09816B}"/>
               </a:ext>
             </a:extLst>
           </p:cNvPr>
@@ -8454,7 +9156,39 @@
                   </a:outerShdw>
                 </a:effectLst>
               </a:rPr>
-              <a:t>统计机器学习</a:t>
+              <a:t>统计学习</a:t>
+            </a:r>
+            <a:r>
+              <a:rPr lang="en-US" altLang="zh-CN" sz="2400" b="0" cap="none" spc="0" dirty="0">
+                <a:ln w="0"/>
+                <a:solidFill>
+                  <a:schemeClr val="tx1"/>
+                </a:solidFill>
+                <a:effectLst>
+                  <a:outerShdw blurRad="38100" dist="19050" dir="2700000" algn="tl" rotWithShape="0">
+                    <a:schemeClr val="dk1">
+                      <a:alpha val="40000"/>
+                    </a:schemeClr>
+                  </a:outerShdw>
+                </a:effectLst>
+              </a:rPr>
+              <a:t>&amp;</a:t>
+            </a:r>
+            <a:r>
+              <a:rPr lang="zh-CN" altLang="en-US" sz="2400" b="0" cap="none" spc="0" dirty="0">
+                <a:ln w="0"/>
+                <a:solidFill>
+                  <a:schemeClr val="tx1"/>
+                </a:solidFill>
+                <a:effectLst>
+                  <a:outerShdw blurRad="38100" dist="19050" dir="2700000" algn="tl" rotWithShape="0">
+                    <a:schemeClr val="dk1">
+                      <a:alpha val="40000"/>
+                    </a:schemeClr>
+                  </a:outerShdw>
+                </a:effectLst>
+              </a:rPr>
+              <a:t>机器学习</a:t>
             </a:r>
           </a:p>
         </p:txBody>
@@ -8464,7 +9198,7 @@
           <p:cNvPr id="7" name="矩形 6">
             <a:extLst>
               <a:ext uri="{FF2B5EF4-FFF2-40B4-BE49-F238E27FC236}">
-                <a16:creationId xmlns="" xmlns:a16="http://schemas.microsoft.com/office/drawing/2014/main" id="{73F88DF0-E775-4B59-8F1C-8A5457CCFF4E}"/>
+                <a16:creationId xmlns:a16="http://schemas.microsoft.com/office/drawing/2014/main" id="{73F88DF0-E775-4B59-8F1C-8A5457CCFF4E}"/>
               </a:ext>
             </a:extLst>
           </p:cNvPr>
@@ -8488,6 +9222,32 @@
           <a:lstStyle/>
           <a:p>
             <a:pPr algn="ctr"/>
+            <a:r>
+              <a:rPr lang="zh-CN" altLang="en-US" sz="2400" dirty="0">
+                <a:ln w="0"/>
+                <a:effectLst>
+                  <a:outerShdw blurRad="38100" dist="19050" dir="2700000" algn="tl" rotWithShape="0">
+                    <a:schemeClr val="dk1">
+                      <a:alpha val="40000"/>
+                    </a:schemeClr>
+                  </a:outerShdw>
+                </a:effectLst>
+              </a:rPr>
+              <a:t>线性代数</a:t>
+            </a:r>
+            <a:r>
+              <a:rPr lang="en-US" altLang="zh-CN" sz="2400" dirty="0">
+                <a:ln w="0"/>
+                <a:effectLst>
+                  <a:outerShdw blurRad="38100" dist="19050" dir="2700000" algn="tl" rotWithShape="0">
+                    <a:schemeClr val="dk1">
+                      <a:alpha val="40000"/>
+                    </a:schemeClr>
+                  </a:outerShdw>
+                </a:effectLst>
+              </a:rPr>
+              <a:t>&amp;</a:t>
+            </a:r>
             <a:r>
               <a:rPr lang="zh-CN" altLang="en-US" sz="2400" dirty="0">
                 <a:ln w="0"/>
@@ -8522,7 +9282,7 @@
           <p:cNvPr id="8" name="标题 1">
             <a:extLst>
               <a:ext uri="{FF2B5EF4-FFF2-40B4-BE49-F238E27FC236}">
-                <a16:creationId xmlns="" xmlns:a16="http://schemas.microsoft.com/office/drawing/2014/main" id="{80902938-E901-4C80-B5EB-6CB90CA76B92}"/>
+                <a16:creationId xmlns:a16="http://schemas.microsoft.com/office/drawing/2014/main" id="{80902938-E901-4C80-B5EB-6CB90CA76B92}"/>
               </a:ext>
             </a:extLst>
           </p:cNvPr>
@@ -8544,30 +9304,22 @@
           <a:lstStyle/>
           <a:p>
             <a:r>
-              <a:rPr lang="zh-CN" altLang="en-US" sz="4000" dirty="0" smtClean="0"/>
+              <a:rPr lang="zh-CN" altLang="en-US" sz="4000" dirty="0"/>
               <a:t>主要内容</a:t>
             </a:r>
-            <a:endParaRPr lang="zh-CN" altLang="en-US" sz="4000" dirty="0"/>
           </a:p>
         </p:txBody>
       </p:sp>
     </p:spTree>
     <p:extLst>
       <p:ext uri="{BB962C8B-B14F-4D97-AF65-F5344CB8AC3E}">
-        <p14:creationId xmlns="" xmlns:p14="http://schemas.microsoft.com/office/powerpoint/2010/main" val="2385893079"/>
+        <p14:creationId xmlns:p14="http://schemas.microsoft.com/office/powerpoint/2010/main" val="2385893079"/>
       </p:ext>
     </p:extLst>
   </p:cSld>
   <p:clrMapOvr>
     <a:masterClrMapping/>
   </p:clrMapOvr>
-  <p:timing>
-    <p:tnLst>
-      <p:par>
-        <p:cTn id="1" dur="indefinite" restart="never" nodeType="tmRoot"/>
-      </p:par>
-    </p:tnLst>
-  </p:timing>
 </p:sld>
 </file>
 
@@ -8593,7 +9345,7 @@
           <p:cNvPr id="2" name="标题 1">
             <a:extLst>
               <a:ext uri="{FF2B5EF4-FFF2-40B4-BE49-F238E27FC236}">
-                <a16:creationId xmlns="" xmlns:a16="http://schemas.microsoft.com/office/drawing/2014/main" id="{80902938-E901-4C80-B5EB-6CB90CA76B92}"/>
+                <a16:creationId xmlns:a16="http://schemas.microsoft.com/office/drawing/2014/main" id="{80902938-E901-4C80-B5EB-6CB90CA76B92}"/>
               </a:ext>
             </a:extLst>
           </p:cNvPr>
@@ -8634,7 +9386,7 @@
           <p:cNvPr id="6" name="副标题 5">
             <a:extLst>
               <a:ext uri="{FF2B5EF4-FFF2-40B4-BE49-F238E27FC236}">
-                <a16:creationId xmlns="" xmlns:a16="http://schemas.microsoft.com/office/drawing/2014/main" id="{897EB50D-10C1-4F1B-BC16-4F64912A5FA8}"/>
+                <a16:creationId xmlns:a16="http://schemas.microsoft.com/office/drawing/2014/main" id="{897EB50D-10C1-4F1B-BC16-4F64912A5FA8}"/>
               </a:ext>
             </a:extLst>
           </p:cNvPr>
@@ -8810,20 +9562,13 @@
     </p:spTree>
     <p:extLst>
       <p:ext uri="{BB962C8B-B14F-4D97-AF65-F5344CB8AC3E}">
-        <p14:creationId xmlns="" xmlns:p14="http://schemas.microsoft.com/office/powerpoint/2010/main" val="2233355971"/>
+        <p14:creationId xmlns:p14="http://schemas.microsoft.com/office/powerpoint/2010/main" val="2233355971"/>
       </p:ext>
     </p:extLst>
   </p:cSld>
   <p:clrMapOvr>
     <a:masterClrMapping/>
   </p:clrMapOvr>
-  <p:timing>
-    <p:tnLst>
-      <p:par>
-        <p:cTn id="1" dur="indefinite" restart="never" nodeType="tmRoot"/>
-      </p:par>
-    </p:tnLst>
-  </p:timing>
 </p:sld>
 </file>
 
@@ -8849,7 +9594,7 @@
           <p:cNvPr id="2" name="标题 1">
             <a:extLst>
               <a:ext uri="{FF2B5EF4-FFF2-40B4-BE49-F238E27FC236}">
-                <a16:creationId xmlns="" xmlns:a16="http://schemas.microsoft.com/office/drawing/2014/main" id="{80902938-E901-4C80-B5EB-6CB90CA76B92}"/>
+                <a16:creationId xmlns:a16="http://schemas.microsoft.com/office/drawing/2014/main" id="{80902938-E901-4C80-B5EB-6CB90CA76B92}"/>
               </a:ext>
             </a:extLst>
           </p:cNvPr>
@@ -8890,7 +9635,7 @@
           <p:cNvPr id="6" name="副标题 5">
             <a:extLst>
               <a:ext uri="{FF2B5EF4-FFF2-40B4-BE49-F238E27FC236}">
-                <a16:creationId xmlns="" xmlns:a16="http://schemas.microsoft.com/office/drawing/2014/main" id="{897EB50D-10C1-4F1B-BC16-4F64912A5FA8}"/>
+                <a16:creationId xmlns:a16="http://schemas.microsoft.com/office/drawing/2014/main" id="{897EB50D-10C1-4F1B-BC16-4F64912A5FA8}"/>
               </a:ext>
             </a:extLst>
           </p:cNvPr>
@@ -9045,28 +9790,21 @@
     </p:spTree>
     <p:extLst>
       <p:ext uri="{BB962C8B-B14F-4D97-AF65-F5344CB8AC3E}">
-        <p14:creationId xmlns="" xmlns:p14="http://schemas.microsoft.com/office/powerpoint/2010/main" val="1348612037"/>
+        <p14:creationId xmlns:p14="http://schemas.microsoft.com/office/powerpoint/2010/main" val="1348612037"/>
       </p:ext>
     </p:extLst>
   </p:cSld>
   <p:clrMapOvr>
     <a:masterClrMapping/>
   </p:clrMapOvr>
-  <mc:AlternateContent xmlns:mc="http://schemas.openxmlformats.org/markup-compatibility/2006">
-    <mc:Choice xmlns="" xmlns:p14="http://schemas.microsoft.com/office/powerpoint/2010/main" Requires="p14">
+  <mc:AlternateContent xmlns:mc="http://schemas.openxmlformats.org/markup-compatibility/2006" xmlns:p14="http://schemas.microsoft.com/office/powerpoint/2010/main">
+    <mc:Choice Requires="p14">
       <p:transition p14:dur="10"/>
     </mc:Choice>
-    <mc:Fallback>
+    <mc:Fallback xmlns="">
       <p:transition/>
     </mc:Fallback>
   </mc:AlternateContent>
-  <p:timing>
-    <p:tnLst>
-      <p:par>
-        <p:cTn id="1" dur="indefinite" restart="never" nodeType="tmRoot"/>
-      </p:par>
-    </p:tnLst>
-  </p:timing>
 </p:sld>
 </file>
 
@@ -9092,7 +9830,7 @@
           <p:cNvPr id="2" name="标题 1">
             <a:extLst>
               <a:ext uri="{FF2B5EF4-FFF2-40B4-BE49-F238E27FC236}">
-                <a16:creationId xmlns="" xmlns:a16="http://schemas.microsoft.com/office/drawing/2014/main" id="{80902938-E901-4C80-B5EB-6CB90CA76B92}"/>
+                <a16:creationId xmlns:a16="http://schemas.microsoft.com/office/drawing/2014/main" id="{80902938-E901-4C80-B5EB-6CB90CA76B92}"/>
               </a:ext>
             </a:extLst>
           </p:cNvPr>
@@ -9125,7 +9863,7 @@
           <p:cNvPr id="6" name="副标题 5">
             <a:extLst>
               <a:ext uri="{FF2B5EF4-FFF2-40B4-BE49-F238E27FC236}">
-                <a16:creationId xmlns="" xmlns:a16="http://schemas.microsoft.com/office/drawing/2014/main" id="{897EB50D-10C1-4F1B-BC16-4F64912A5FA8}"/>
+                <a16:creationId xmlns:a16="http://schemas.microsoft.com/office/drawing/2014/main" id="{897EB50D-10C1-4F1B-BC16-4F64912A5FA8}"/>
               </a:ext>
             </a:extLst>
           </p:cNvPr>
@@ -9196,20 +9934,13 @@
     </p:spTree>
     <p:extLst>
       <p:ext uri="{BB962C8B-B14F-4D97-AF65-F5344CB8AC3E}">
-        <p14:creationId xmlns="" xmlns:p14="http://schemas.microsoft.com/office/powerpoint/2010/main" val="3079813442"/>
+        <p14:creationId xmlns:p14="http://schemas.microsoft.com/office/powerpoint/2010/main" val="3079813442"/>
       </p:ext>
     </p:extLst>
   </p:cSld>
   <p:clrMapOvr>
     <a:masterClrMapping/>
   </p:clrMapOvr>
-  <p:timing>
-    <p:tnLst>
-      <p:par>
-        <p:cTn id="1" dur="indefinite" restart="never" nodeType="tmRoot"/>
-      </p:par>
-    </p:tnLst>
-  </p:timing>
 </p:sld>
 </file>
 
@@ -9235,7 +9966,7 @@
           <p:cNvPr id="2" name="标题 1">
             <a:extLst>
               <a:ext uri="{FF2B5EF4-FFF2-40B4-BE49-F238E27FC236}">
-                <a16:creationId xmlns="" xmlns:a16="http://schemas.microsoft.com/office/drawing/2014/main" id="{80902938-E901-4C80-B5EB-6CB90CA76B92}"/>
+                <a16:creationId xmlns:a16="http://schemas.microsoft.com/office/drawing/2014/main" id="{80902938-E901-4C80-B5EB-6CB90CA76B92}"/>
               </a:ext>
             </a:extLst>
           </p:cNvPr>
@@ -9268,7 +9999,7 @@
           <p:cNvPr id="6" name="副标题 5">
             <a:extLst>
               <a:ext uri="{FF2B5EF4-FFF2-40B4-BE49-F238E27FC236}">
-                <a16:creationId xmlns="" xmlns:a16="http://schemas.microsoft.com/office/drawing/2014/main" id="{897EB50D-10C1-4F1B-BC16-4F64912A5FA8}"/>
+                <a16:creationId xmlns:a16="http://schemas.microsoft.com/office/drawing/2014/main" id="{897EB50D-10C1-4F1B-BC16-4F64912A5FA8}"/>
               </a:ext>
             </a:extLst>
           </p:cNvPr>
@@ -9298,20 +10029,13 @@
     </p:spTree>
     <p:extLst>
       <p:ext uri="{BB962C8B-B14F-4D97-AF65-F5344CB8AC3E}">
-        <p14:creationId xmlns="" xmlns:p14="http://schemas.microsoft.com/office/powerpoint/2010/main" val="1729450342"/>
+        <p14:creationId xmlns:p14="http://schemas.microsoft.com/office/powerpoint/2010/main" val="1729450342"/>
       </p:ext>
     </p:extLst>
   </p:cSld>
   <p:clrMapOvr>
     <a:masterClrMapping/>
   </p:clrMapOvr>
-  <p:timing>
-    <p:tnLst>
-      <p:par>
-        <p:cTn id="1" dur="indefinite" restart="never" nodeType="tmRoot"/>
-      </p:par>
-    </p:tnLst>
-  </p:timing>
 </p:sld>
 </file>
 
@@ -9337,7 +10061,7 @@
           <p:cNvPr id="2" name="标题 1">
             <a:extLst>
               <a:ext uri="{FF2B5EF4-FFF2-40B4-BE49-F238E27FC236}">
-                <a16:creationId xmlns="" xmlns:a16="http://schemas.microsoft.com/office/drawing/2014/main" id="{80902938-E901-4C80-B5EB-6CB90CA76B92}"/>
+                <a16:creationId xmlns:a16="http://schemas.microsoft.com/office/drawing/2014/main" id="{80902938-E901-4C80-B5EB-6CB90CA76B92}"/>
               </a:ext>
             </a:extLst>
           </p:cNvPr>
@@ -9370,7 +10094,7 @@
           <p:cNvPr id="6" name="副标题 5">
             <a:extLst>
               <a:ext uri="{FF2B5EF4-FFF2-40B4-BE49-F238E27FC236}">
-                <a16:creationId xmlns="" xmlns:a16="http://schemas.microsoft.com/office/drawing/2014/main" id="{897EB50D-10C1-4F1B-BC16-4F64912A5FA8}"/>
+                <a16:creationId xmlns:a16="http://schemas.microsoft.com/office/drawing/2014/main" id="{897EB50D-10C1-4F1B-BC16-4F64912A5FA8}"/>
               </a:ext>
             </a:extLst>
           </p:cNvPr>
@@ -9400,20 +10124,13 @@
     </p:spTree>
     <p:extLst>
       <p:ext uri="{BB962C8B-B14F-4D97-AF65-F5344CB8AC3E}">
-        <p14:creationId xmlns="" xmlns:p14="http://schemas.microsoft.com/office/powerpoint/2010/main" val="3762058229"/>
+        <p14:creationId xmlns:p14="http://schemas.microsoft.com/office/powerpoint/2010/main" val="3762058229"/>
       </p:ext>
     </p:extLst>
   </p:cSld>
   <p:clrMapOvr>
     <a:masterClrMapping/>
   </p:clrMapOvr>
-  <p:timing>
-    <p:tnLst>
-      <p:par>
-        <p:cTn id="1" dur="indefinite" restart="never" nodeType="tmRoot"/>
-      </p:par>
-    </p:tnLst>
-  </p:timing>
 </p:sld>
 </file>
 
@@ -9439,7 +10156,7 @@
           <p:cNvPr id="2" name="标题 1">
             <a:extLst>
               <a:ext uri="{FF2B5EF4-FFF2-40B4-BE49-F238E27FC236}">
-                <a16:creationId xmlns="" xmlns:a16="http://schemas.microsoft.com/office/drawing/2014/main" id="{80902938-E901-4C80-B5EB-6CB90CA76B92}"/>
+                <a16:creationId xmlns:a16="http://schemas.microsoft.com/office/drawing/2014/main" id="{80902938-E901-4C80-B5EB-6CB90CA76B92}"/>
               </a:ext>
             </a:extLst>
           </p:cNvPr>
@@ -9472,7 +10189,7 @@
           <p:cNvPr id="7" name="副标题 5">
             <a:extLst>
               <a:ext uri="{FF2B5EF4-FFF2-40B4-BE49-F238E27FC236}">
-                <a16:creationId xmlns="" xmlns:a16="http://schemas.microsoft.com/office/drawing/2014/main" id="{4033271F-F664-4B63-B286-B34A2920298A}"/>
+                <a16:creationId xmlns:a16="http://schemas.microsoft.com/office/drawing/2014/main" id="{4033271F-F664-4B63-B286-B34A2920298A}"/>
               </a:ext>
             </a:extLst>
           </p:cNvPr>
@@ -9858,20 +10575,13 @@
     </p:spTree>
     <p:extLst>
       <p:ext uri="{BB962C8B-B14F-4D97-AF65-F5344CB8AC3E}">
-        <p14:creationId xmlns="" xmlns:p14="http://schemas.microsoft.com/office/powerpoint/2010/main" val="3302367872"/>
+        <p14:creationId xmlns:p14="http://schemas.microsoft.com/office/powerpoint/2010/main" val="3302367872"/>
       </p:ext>
     </p:extLst>
   </p:cSld>
   <p:clrMapOvr>
     <a:masterClrMapping/>
   </p:clrMapOvr>
-  <p:timing>
-    <p:tnLst>
-      <p:par>
-        <p:cTn id="1" dur="indefinite" restart="never" nodeType="tmRoot"/>
-      </p:par>
-    </p:tnLst>
-  </p:timing>
 </p:sld>
 </file>
 
@@ -9897,7 +10607,7 @@
           <p:cNvPr id="2" name="标题 1">
             <a:extLst>
               <a:ext uri="{FF2B5EF4-FFF2-40B4-BE49-F238E27FC236}">
-                <a16:creationId xmlns="" xmlns:a16="http://schemas.microsoft.com/office/drawing/2014/main" id="{80902938-E901-4C80-B5EB-6CB90CA76B92}"/>
+                <a16:creationId xmlns:a16="http://schemas.microsoft.com/office/drawing/2014/main" id="{80902938-E901-4C80-B5EB-6CB90CA76B92}"/>
               </a:ext>
             </a:extLst>
           </p:cNvPr>
@@ -9919,18 +10629,13 @@
           <a:lstStyle/>
           <a:p>
             <a:r>
-              <a:rPr lang="en-US" altLang="zh-CN" sz="4000" dirty="0" smtClean="0"/>
+              <a:rPr lang="en-US" altLang="zh-CN" sz="4000" dirty="0"/>
               <a:t>  </a:t>
             </a:r>
             <a:r>
-              <a:rPr lang="zh-CN" altLang="en-US" sz="4000" dirty="0" smtClean="0"/>
-              <a:t>概率和</a:t>
-            </a:r>
-            <a:r>
-              <a:rPr lang="zh-CN" altLang="en-US" sz="4000" dirty="0" smtClean="0"/>
-              <a:t>数理统计</a:t>
-            </a:r>
-            <a:endParaRPr lang="zh-CN" altLang="en-US" sz="4000" dirty="0"/>
+              <a:rPr lang="zh-CN" altLang="en-US" sz="4000" dirty="0"/>
+              <a:t>概率和数理统计</a:t>
+            </a:r>
           </a:p>
         </p:txBody>
       </p:sp>
@@ -9939,7 +10644,7 @@
           <p:cNvPr id="3" name="副标题 2">
             <a:extLst>
               <a:ext uri="{FF2B5EF4-FFF2-40B4-BE49-F238E27FC236}">
-                <a16:creationId xmlns="" xmlns:a16="http://schemas.microsoft.com/office/drawing/2014/main" id="{A17CEEB7-976D-4463-900C-B0BA7A0621FF}"/>
+                <a16:creationId xmlns:a16="http://schemas.microsoft.com/office/drawing/2014/main" id="{A17CEEB7-976D-4463-900C-B0BA7A0621FF}"/>
               </a:ext>
             </a:extLst>
           </p:cNvPr>
@@ -9963,91 +10668,87 @@
           <a:lstStyle/>
           <a:p>
             <a:r>
-              <a:rPr lang="zh-CN" altLang="en-US" dirty="0" smtClean="0"/>
+              <a:rPr lang="zh-CN" altLang="en-US" dirty="0"/>
               <a:t>概率</a:t>
             </a:r>
-            <a:r>
-              <a:rPr lang="en-US" altLang="zh-CN" dirty="0" smtClean="0"/>
-              <a:t/>
-            </a:r>
             <a:br>
-              <a:rPr lang="en-US" altLang="zh-CN" dirty="0" smtClean="0"/>
+              <a:rPr lang="en-US" altLang="zh-CN" dirty="0"/>
             </a:br>
             <a:r>
-              <a:rPr lang="zh-CN" altLang="en-US" dirty="0" smtClean="0"/>
+              <a:rPr lang="zh-CN" altLang="en-US" dirty="0"/>
               <a:t>分布</a:t>
             </a:r>
-            <a:endParaRPr lang="en-US" altLang="zh-CN" dirty="0" smtClean="0"/>
-          </a:p>
-          <a:p>
-            <a:r>
-              <a:rPr lang="zh-CN" altLang="en-US" dirty="0" smtClean="0"/>
+            <a:endParaRPr lang="en-US" altLang="zh-CN" dirty="0"/>
+          </a:p>
+          <a:p>
+            <a:r>
+              <a:rPr lang="zh-CN" altLang="en-US" dirty="0"/>
               <a:t>随机变量</a:t>
             </a:r>
-            <a:endParaRPr lang="en-US" altLang="zh-CN" dirty="0" smtClean="0"/>
-          </a:p>
-          <a:p>
-            <a:r>
-              <a:rPr lang="zh-CN" altLang="en-US" dirty="0" smtClean="0"/>
+            <a:endParaRPr lang="en-US" altLang="zh-CN" dirty="0"/>
+          </a:p>
+          <a:p>
+            <a:r>
+              <a:rPr lang="zh-CN" altLang="en-US" dirty="0"/>
               <a:t>期望</a:t>
             </a:r>
-            <a:endParaRPr lang="en-US" altLang="zh-CN" dirty="0" smtClean="0"/>
-          </a:p>
-          <a:p>
-            <a:r>
-              <a:rPr lang="zh-CN" altLang="en-US" dirty="0" smtClean="0"/>
+            <a:endParaRPr lang="en-US" altLang="zh-CN" dirty="0"/>
+          </a:p>
+          <a:p>
+            <a:r>
+              <a:rPr lang="zh-CN" altLang="en-US" dirty="0"/>
               <a:t>方差</a:t>
             </a:r>
-            <a:endParaRPr lang="en-US" altLang="zh-CN" dirty="0" smtClean="0"/>
-          </a:p>
-          <a:p>
-            <a:r>
-              <a:rPr lang="zh-CN" altLang="en-US" dirty="0" smtClean="0"/>
+            <a:endParaRPr lang="en-US" altLang="zh-CN" dirty="0"/>
+          </a:p>
+          <a:p>
+            <a:r>
+              <a:rPr lang="zh-CN" altLang="en-US" dirty="0"/>
               <a:t>协方差</a:t>
             </a:r>
-            <a:endParaRPr lang="en-US" altLang="zh-CN" dirty="0" smtClean="0"/>
-          </a:p>
-          <a:p>
-            <a:r>
-              <a:rPr lang="zh-CN" altLang="en-US" dirty="0" smtClean="0"/>
+            <a:endParaRPr lang="en-US" altLang="zh-CN" dirty="0"/>
+          </a:p>
+          <a:p>
+            <a:r>
+              <a:rPr lang="zh-CN" altLang="en-US" dirty="0"/>
               <a:t>条件期望</a:t>
             </a:r>
-            <a:endParaRPr lang="en-US" altLang="zh-CN" dirty="0" smtClean="0"/>
-          </a:p>
-          <a:p>
-            <a:r>
-              <a:rPr lang="zh-CN" altLang="en-US" dirty="0" smtClean="0"/>
+            <a:endParaRPr lang="en-US" altLang="zh-CN" dirty="0"/>
+          </a:p>
+          <a:p>
+            <a:r>
+              <a:rPr lang="zh-CN" altLang="en-US" dirty="0"/>
               <a:t>矩生成函数</a:t>
             </a:r>
-            <a:endParaRPr lang="en-US" altLang="zh-CN" dirty="0" smtClean="0"/>
-          </a:p>
-          <a:p>
-            <a:r>
-              <a:rPr lang="zh-CN" altLang="en-US" dirty="0" smtClean="0"/>
+            <a:endParaRPr lang="en-US" altLang="zh-CN" dirty="0"/>
+          </a:p>
+          <a:p>
+            <a:r>
+              <a:rPr lang="zh-CN" altLang="en-US" dirty="0"/>
               <a:t>大数定理</a:t>
             </a:r>
-            <a:endParaRPr lang="en-US" altLang="zh-CN" dirty="0" smtClean="0"/>
-          </a:p>
-          <a:p>
-            <a:r>
-              <a:rPr lang="zh-CN" altLang="en-US" dirty="0" smtClean="0"/>
+            <a:endParaRPr lang="en-US" altLang="zh-CN" dirty="0"/>
+          </a:p>
+          <a:p>
+            <a:r>
+              <a:rPr lang="zh-CN" altLang="en-US" dirty="0"/>
               <a:t>中心极限定理</a:t>
             </a:r>
-            <a:endParaRPr lang="en-US" altLang="zh-CN" dirty="0" smtClean="0"/>
-          </a:p>
-          <a:p>
-            <a:r>
-              <a:rPr lang="zh-CN" altLang="en-US" dirty="0" smtClean="0"/>
+            <a:endParaRPr lang="en-US" altLang="zh-CN" dirty="0"/>
+          </a:p>
+          <a:p>
+            <a:r>
+              <a:rPr lang="zh-CN" altLang="en-US" dirty="0"/>
               <a:t>抽样分布</a:t>
             </a:r>
-            <a:endParaRPr lang="en-US" altLang="zh-CN" dirty="0" smtClean="0"/>
-          </a:p>
-          <a:p>
-            <a:r>
-              <a:rPr lang="zh-CN" altLang="en-US" dirty="0" smtClean="0"/>
+            <a:endParaRPr lang="en-US" altLang="zh-CN" dirty="0"/>
+          </a:p>
+          <a:p>
+            <a:r>
+              <a:rPr lang="zh-CN" altLang="en-US" dirty="0"/>
               <a:t>偏倚</a:t>
             </a:r>
-            <a:endParaRPr lang="en-US" altLang="zh-CN" dirty="0" smtClean="0"/>
+            <a:endParaRPr lang="en-US" altLang="zh-CN" dirty="0"/>
           </a:p>
         </p:txBody>
       </p:sp>
@@ -10056,7 +10757,7 @@
           <p:cNvPr id="4" name="副标题 2">
             <a:extLst>
               <a:ext uri="{FF2B5EF4-FFF2-40B4-BE49-F238E27FC236}">
-                <a16:creationId xmlns="" xmlns:a16="http://schemas.microsoft.com/office/drawing/2014/main" id="{A17CEEB7-976D-4463-900C-B0BA7A0621FF}"/>
+                <a16:creationId xmlns:a16="http://schemas.microsoft.com/office/drawing/2014/main" id="{A17CEEB7-976D-4463-900C-B0BA7A0621FF}"/>
               </a:ext>
             </a:extLst>
           </p:cNvPr>
@@ -10103,7 +10804,7 @@
               <a:defRPr/>
             </a:pPr>
             <a:r>
-              <a:rPr lang="zh-CN" altLang="en-US" sz="2000" cap="all" dirty="0" smtClean="0">
+              <a:rPr lang="zh-CN" altLang="en-US" sz="2000" cap="all" dirty="0">
                 <a:solidFill>
                   <a:schemeClr val="bg2">
                     <a:lumMod val="40000"/>
@@ -10116,28 +10817,8 @@
               </a:rPr>
               <a:t>标准误差</a:t>
             </a:r>
-            <a:r>
-              <a:rPr kumimoji="0" lang="en-US" altLang="zh-CN" sz="2000" b="0" i="0" u="none" strike="noStrike" kern="1200" cap="all" spc="0" normalizeH="0" baseline="0" noProof="0" dirty="0" smtClean="0">
-                <a:ln>
-                  <a:noFill/>
-                </a:ln>
-                <a:solidFill>
-                  <a:schemeClr val="bg2">
-                    <a:lumMod val="40000"/>
-                    <a:lumOff val="60000"/>
-                  </a:schemeClr>
-                </a:solidFill>
-                <a:effectLst/>
-                <a:uLnTx/>
-                <a:uFillTx/>
-                <a:latin typeface="+mj-lt"/>
-                <a:ea typeface="+mj-ea"/>
-                <a:cs typeface="+mj-cs"/>
-              </a:rPr>
-              <a:t/>
-            </a:r>
             <a:br>
-              <a:rPr kumimoji="0" lang="en-US" altLang="zh-CN" sz="2000" b="0" i="0" u="none" strike="noStrike" kern="1200" cap="all" spc="0" normalizeH="0" baseline="0" noProof="0" dirty="0" smtClean="0">
+              <a:rPr kumimoji="0" lang="en-US" altLang="zh-CN" sz="2000" b="0" i="0" u="none" strike="noStrike" kern="1200" cap="all" spc="0" normalizeH="0" baseline="0" noProof="0" dirty="0">
                 <a:ln>
                   <a:noFill/>
                 </a:ln>
@@ -10156,7 +10837,7 @@
               </a:rPr>
             </a:br>
             <a:r>
-              <a:rPr lang="zh-CN" altLang="en-US" sz="2000" cap="all" dirty="0" smtClean="0">
+              <a:rPr lang="zh-CN" altLang="en-US" sz="2000" cap="all" dirty="0">
                 <a:solidFill>
                   <a:schemeClr val="bg2">
                     <a:lumMod val="40000"/>
@@ -10169,7 +10850,7 @@
               </a:rPr>
               <a:t>均方误差</a:t>
             </a:r>
-            <a:endParaRPr kumimoji="0" lang="en-US" altLang="zh-CN" sz="2000" b="0" i="0" u="none" strike="noStrike" kern="1200" cap="all" spc="0" normalizeH="0" baseline="0" noProof="0" dirty="0" smtClean="0">
+            <a:endParaRPr kumimoji="0" lang="en-US" altLang="zh-CN" sz="2000" b="0" i="0" u="none" strike="noStrike" kern="1200" cap="all" spc="0" normalizeH="0" baseline="0" noProof="0" dirty="0">
               <a:ln>
                 <a:noFill/>
               </a:ln>
@@ -10211,7 +10892,7 @@
               <a:defRPr/>
             </a:pPr>
             <a:r>
-              <a:rPr lang="zh-CN" altLang="en-US" sz="2000" cap="all" dirty="0" smtClean="0">
+              <a:rPr lang="zh-CN" altLang="en-US" sz="2000" cap="all" dirty="0">
                 <a:solidFill>
                   <a:schemeClr val="bg2">
                     <a:lumMod val="40000"/>
@@ -10224,7 +10905,7 @@
               </a:rPr>
               <a:t>总体</a:t>
             </a:r>
-            <a:endParaRPr lang="en-US" altLang="zh-CN" sz="2000" cap="all" dirty="0" smtClean="0">
+            <a:endParaRPr lang="en-US" altLang="zh-CN" sz="2000" cap="all" dirty="0">
               <a:solidFill>
                 <a:schemeClr val="bg2">
                   <a:lumMod val="40000"/>
@@ -10260,7 +10941,7 @@
               <a:defRPr/>
             </a:pPr>
             <a:r>
-              <a:rPr lang="zh-CN" altLang="en-US" sz="2000" cap="all" dirty="0" smtClean="0">
+              <a:rPr lang="zh-CN" altLang="en-US" sz="2000" cap="all" dirty="0">
                 <a:solidFill>
                   <a:schemeClr val="bg2">
                     <a:lumMod val="40000"/>
@@ -10273,7 +10954,7 @@
               </a:rPr>
               <a:t>样本</a:t>
             </a:r>
-            <a:endParaRPr lang="en-US" altLang="zh-CN" sz="2000" cap="all" dirty="0" smtClean="0">
+            <a:endParaRPr lang="en-US" altLang="zh-CN" sz="2000" cap="all" dirty="0">
               <a:solidFill>
                 <a:schemeClr val="bg2">
                   <a:lumMod val="40000"/>
@@ -10309,7 +10990,7 @@
               <a:defRPr/>
             </a:pPr>
             <a:r>
-              <a:rPr lang="zh-CN" altLang="en-US" sz="2000" cap="all" dirty="0" smtClean="0">
+              <a:rPr lang="zh-CN" altLang="en-US" sz="2000" cap="all" dirty="0">
                 <a:solidFill>
                   <a:schemeClr val="bg2">
                     <a:lumMod val="40000"/>
@@ -10322,7 +11003,7 @@
               </a:rPr>
               <a:t>参数估计</a:t>
             </a:r>
-            <a:endParaRPr lang="en-US" altLang="zh-CN" sz="2000" cap="all" dirty="0" smtClean="0">
+            <a:endParaRPr lang="en-US" altLang="zh-CN" sz="2000" cap="all" dirty="0">
               <a:solidFill>
                 <a:schemeClr val="bg2">
                   <a:lumMod val="40000"/>
@@ -10358,7 +11039,7 @@
               <a:defRPr/>
             </a:pPr>
             <a:r>
-              <a:rPr lang="zh-CN" altLang="en-US" sz="2000" cap="all" dirty="0" smtClean="0">
+              <a:rPr lang="zh-CN" altLang="en-US" sz="2000" cap="all" dirty="0">
                 <a:solidFill>
                   <a:schemeClr val="bg2">
                     <a:lumMod val="40000"/>
@@ -10371,7 +11052,7 @@
               </a:rPr>
               <a:t>非参数方法</a:t>
             </a:r>
-            <a:endParaRPr lang="en-US" altLang="zh-CN" sz="2000" cap="all" dirty="0" smtClean="0">
+            <a:endParaRPr lang="en-US" altLang="zh-CN" sz="2000" cap="all" dirty="0">
               <a:solidFill>
                 <a:schemeClr val="bg2">
                   <a:lumMod val="40000"/>
@@ -10407,7 +11088,7 @@
               <a:defRPr/>
             </a:pPr>
             <a:r>
-              <a:rPr lang="zh-CN" altLang="en-US" sz="2000" cap="all" dirty="0" smtClean="0">
+              <a:rPr lang="zh-CN" altLang="en-US" sz="2000" cap="all" dirty="0">
                 <a:solidFill>
                   <a:schemeClr val="bg2">
                     <a:lumMod val="40000"/>
@@ -10420,7 +11101,7 @@
               </a:rPr>
               <a:t>矩方法</a:t>
             </a:r>
-            <a:endParaRPr lang="en-US" altLang="zh-CN" sz="2000" cap="all" dirty="0" smtClean="0">
+            <a:endParaRPr lang="en-US" altLang="zh-CN" sz="2000" cap="all" dirty="0">
               <a:solidFill>
                 <a:schemeClr val="bg2">
                   <a:lumMod val="40000"/>
@@ -10456,7 +11137,7 @@
               <a:defRPr/>
             </a:pPr>
             <a:r>
-              <a:rPr lang="zh-CN" altLang="en-US" sz="2000" cap="all" dirty="0" smtClean="0">
+              <a:rPr lang="zh-CN" altLang="en-US" sz="2000" cap="all" dirty="0">
                 <a:solidFill>
                   <a:schemeClr val="bg2">
                     <a:lumMod val="40000"/>
@@ -10469,7 +11150,7 @@
               </a:rPr>
               <a:t>最大似然估计</a:t>
             </a:r>
-            <a:endParaRPr lang="en-US" altLang="zh-CN" sz="2000" cap="all" dirty="0" smtClean="0">
+            <a:endParaRPr lang="en-US" altLang="zh-CN" sz="2000" cap="all" dirty="0">
               <a:solidFill>
                 <a:schemeClr val="bg2">
                   <a:lumMod val="40000"/>
@@ -10505,7 +11186,7 @@
               <a:defRPr/>
             </a:pPr>
             <a:r>
-              <a:rPr lang="zh-CN" altLang="en-US" sz="2000" cap="all" dirty="0" smtClean="0">
+              <a:rPr lang="zh-CN" altLang="en-US" sz="2000" cap="all" dirty="0">
                 <a:solidFill>
                   <a:schemeClr val="bg2">
                     <a:lumMod val="40000"/>
@@ -10518,7 +11199,7 @@
               </a:rPr>
               <a:t>贝叶斯推断</a:t>
             </a:r>
-            <a:endParaRPr lang="en-US" altLang="zh-CN" sz="2000" cap="all" dirty="0" smtClean="0">
+            <a:endParaRPr lang="en-US" altLang="zh-CN" sz="2000" cap="all" dirty="0">
               <a:solidFill>
                 <a:schemeClr val="bg2">
                   <a:lumMod val="40000"/>
@@ -10554,7 +11235,7 @@
               <a:defRPr/>
             </a:pPr>
             <a:r>
-              <a:rPr lang="zh-CN" altLang="en-US" sz="2000" cap="all" dirty="0" smtClean="0">
+              <a:rPr lang="zh-CN" altLang="en-US" sz="2000" cap="all" dirty="0">
                 <a:solidFill>
                   <a:schemeClr val="bg2">
                     <a:lumMod val="40000"/>
@@ -10567,7 +11248,7 @@
               </a:rPr>
               <a:t>置信区间</a:t>
             </a:r>
-            <a:endParaRPr lang="en-US" altLang="zh-CN" sz="2000" cap="all" dirty="0" smtClean="0">
+            <a:endParaRPr lang="en-US" altLang="zh-CN" sz="2000" cap="all" dirty="0">
               <a:solidFill>
                 <a:schemeClr val="bg2">
                   <a:lumMod val="40000"/>
@@ -10603,7 +11284,7 @@
               <a:defRPr/>
             </a:pPr>
             <a:r>
-              <a:rPr kumimoji="0" lang="zh-CN" altLang="en-US" sz="2000" b="0" i="0" u="none" strike="noStrike" kern="1200" cap="all" spc="0" normalizeH="0" baseline="0" noProof="0" dirty="0" smtClean="0">
+              <a:rPr kumimoji="0" lang="zh-CN" altLang="en-US" sz="2000" b="0" i="0" u="none" strike="noStrike" kern="1200" cap="all" spc="0" normalizeH="0" baseline="0" noProof="0" dirty="0">
                 <a:ln>
                   <a:noFill/>
                 </a:ln>
@@ -10622,7 +11303,7 @@
               </a:rPr>
               <a:t>假设检验</a:t>
             </a:r>
-            <a:endParaRPr kumimoji="0" lang="en-US" altLang="zh-CN" sz="2000" b="0" i="0" u="none" strike="noStrike" kern="1200" cap="all" spc="0" normalizeH="0" baseline="0" noProof="0" dirty="0" smtClean="0">
+            <a:endParaRPr kumimoji="0" lang="en-US" altLang="zh-CN" sz="2000" b="0" i="0" u="none" strike="noStrike" kern="1200" cap="all" spc="0" normalizeH="0" baseline="0" noProof="0" dirty="0">
               <a:ln>
                 <a:noFill/>
               </a:ln>
@@ -10664,7 +11345,7 @@
               <a:defRPr/>
             </a:pPr>
             <a:r>
-              <a:rPr kumimoji="0" lang="zh-CN" altLang="en-US" sz="2000" b="0" i="0" u="none" strike="noStrike" kern="1200" cap="all" spc="0" normalizeH="0" baseline="0" noProof="0" dirty="0" smtClean="0">
+              <a:rPr kumimoji="0" lang="zh-CN" altLang="en-US" sz="2000" b="0" i="0" u="none" strike="noStrike" kern="1200" cap="all" spc="0" normalizeH="0" baseline="0" noProof="0" dirty="0">
                 <a:ln>
                   <a:noFill/>
                 </a:ln>
@@ -10683,7 +11364,7 @@
               </a:rPr>
               <a:t>方差分析</a:t>
             </a:r>
-            <a:endParaRPr kumimoji="0" lang="en-US" altLang="zh-CN" sz="2000" b="0" i="0" u="none" strike="noStrike" kern="1200" cap="all" spc="0" normalizeH="0" baseline="0" noProof="0" dirty="0" smtClean="0">
+            <a:endParaRPr kumimoji="0" lang="en-US" altLang="zh-CN" sz="2000" b="0" i="0" u="none" strike="noStrike" kern="1200" cap="all" spc="0" normalizeH="0" baseline="0" noProof="0" dirty="0">
               <a:ln>
                 <a:noFill/>
               </a:ln>
@@ -10708,7 +11389,7 @@
           <p:cNvPr id="5" name="副标题 2">
             <a:extLst>
               <a:ext uri="{FF2B5EF4-FFF2-40B4-BE49-F238E27FC236}">
-                <a16:creationId xmlns="" xmlns:a16="http://schemas.microsoft.com/office/drawing/2014/main" id="{A17CEEB7-976D-4463-900C-B0BA7A0621FF}"/>
+                <a16:creationId xmlns:a16="http://schemas.microsoft.com/office/drawing/2014/main" id="{A17CEEB7-976D-4463-900C-B0BA7A0621FF}"/>
               </a:ext>
             </a:extLst>
           </p:cNvPr>
@@ -10755,7 +11436,7 @@
               <a:defRPr/>
             </a:pPr>
             <a:r>
-              <a:rPr kumimoji="0" lang="zh-CN" altLang="en-US" sz="2000" b="0" i="0" u="none" strike="noStrike" kern="1200" cap="all" spc="0" normalizeH="0" baseline="0" noProof="0" dirty="0" smtClean="0">
+              <a:rPr kumimoji="0" lang="zh-CN" altLang="en-US" sz="2000" b="0" i="0" u="none" strike="noStrike" kern="1200" cap="all" spc="0" normalizeH="0" baseline="0" noProof="0" dirty="0">
                 <a:ln>
                   <a:noFill/>
                 </a:ln>
@@ -10774,7 +11455,7 @@
               </a:rPr>
               <a:t>最小二乘法</a:t>
             </a:r>
-            <a:endParaRPr kumimoji="0" lang="en-US" altLang="zh-CN" sz="2000" b="0" i="0" u="none" strike="noStrike" kern="1200" cap="all" spc="0" normalizeH="0" baseline="0" noProof="0" dirty="0" smtClean="0">
+            <a:endParaRPr kumimoji="0" lang="en-US" altLang="zh-CN" sz="2000" b="0" i="0" u="none" strike="noStrike" kern="1200" cap="all" spc="0" normalizeH="0" baseline="0" noProof="0" dirty="0">
               <a:ln>
                 <a:noFill/>
               </a:ln>
@@ -10797,20 +11478,13 @@
     </p:spTree>
     <p:extLst>
       <p:ext uri="{BB962C8B-B14F-4D97-AF65-F5344CB8AC3E}">
-        <p14:creationId xmlns="" xmlns:p14="http://schemas.microsoft.com/office/powerpoint/2010/main" val="1205979388"/>
+        <p14:creationId xmlns:p14="http://schemas.microsoft.com/office/powerpoint/2010/main" val="1272723870"/>
       </p:ext>
     </p:extLst>
   </p:cSld>
   <p:clrMapOvr>
     <a:masterClrMapping/>
   </p:clrMapOvr>
-  <p:timing>
-    <p:tnLst>
-      <p:par>
-        <p:cTn id="1" dur="indefinite" restart="never" nodeType="tmRoot"/>
-      </p:par>
-    </p:tnLst>
-  </p:timing>
 </p:sld>
 </file>
 
@@ -11074,7 +11748,302 @@
   <a:extraClrSchemeLst/>
   <a:extLst>
     <a:ext uri="{05A4C25C-085E-4340-85A3-A5531E510DB2}">
-      <thm15:themeFamily xmlns="" xmlns:thm15="http://schemas.microsoft.com/office/thememl/2012/main" name="Ion" id="{B8441ADB-2E43-4AF7-B97A-BD870242C6A8}" vid="{292E63A9-BB86-4E3D-B92A-7223C6510D2E}"/>
+      <thm15:themeFamily xmlns:thm15="http://schemas.microsoft.com/office/thememl/2012/main" name="Ion" id="{B8441ADB-2E43-4AF7-B97A-BD870242C6A8}" vid="{292E63A9-BB86-4E3D-B92A-7223C6510D2E}"/>
+    </a:ext>
+  </a:extLst>
+</a:theme>
+</file>
+
+<file path=ppt/theme/theme2.xml><?xml version="1.0" encoding="utf-8"?>
+<a:theme xmlns:a="http://schemas.openxmlformats.org/drawingml/2006/main" name="Office 主题​​">
+  <a:themeElements>
+    <a:clrScheme name="Office">
+      <a:dk1>
+        <a:sysClr val="windowText" lastClr="000000"/>
+      </a:dk1>
+      <a:lt1>
+        <a:sysClr val="window" lastClr="FFFFFF"/>
+      </a:lt1>
+      <a:dk2>
+        <a:srgbClr val="44546A"/>
+      </a:dk2>
+      <a:lt2>
+        <a:srgbClr val="E7E6E6"/>
+      </a:lt2>
+      <a:accent1>
+        <a:srgbClr val="4472C4"/>
+      </a:accent1>
+      <a:accent2>
+        <a:srgbClr val="ED7D31"/>
+      </a:accent2>
+      <a:accent3>
+        <a:srgbClr val="A5A5A5"/>
+      </a:accent3>
+      <a:accent4>
+        <a:srgbClr val="FFC000"/>
+      </a:accent4>
+      <a:accent5>
+        <a:srgbClr val="5B9BD5"/>
+      </a:accent5>
+      <a:accent6>
+        <a:srgbClr val="70AD47"/>
+      </a:accent6>
+      <a:hlink>
+        <a:srgbClr val="0563C1"/>
+      </a:hlink>
+      <a:folHlink>
+        <a:srgbClr val="954F72"/>
+      </a:folHlink>
+    </a:clrScheme>
+    <a:fontScheme name="Office">
+      <a:majorFont>
+        <a:latin typeface="等线 Light" panose="020F0302020204030204"/>
+        <a:ea typeface=""/>
+        <a:cs typeface=""/>
+        <a:font script="Jpan" typeface="游ゴシック Light"/>
+        <a:font script="Hang" typeface="맑은 고딕"/>
+        <a:font script="Hans" typeface="等线 Light"/>
+        <a:font script="Hant" typeface="新細明體"/>
+        <a:font script="Arab" typeface="Times New Roman"/>
+        <a:font script="Hebr" typeface="Times New Roman"/>
+        <a:font script="Thai" typeface="Angsana New"/>
+        <a:font script="Ethi" typeface="Nyala"/>
+        <a:font script="Beng" typeface="Vrinda"/>
+        <a:font script="Gujr" typeface="Shruti"/>
+        <a:font script="Khmr" typeface="MoolBoran"/>
+        <a:font script="Knda" typeface="Tunga"/>
+        <a:font script="Guru" typeface="Raavi"/>
+        <a:font script="Cans" typeface="Euphemia"/>
+        <a:font script="Cher" typeface="Plantagenet Cherokee"/>
+        <a:font script="Yiii" typeface="Microsoft Yi Baiti"/>
+        <a:font script="Tibt" typeface="Microsoft Himalaya"/>
+        <a:font script="Thaa" typeface="MV Boli"/>
+        <a:font script="Deva" typeface="Mangal"/>
+        <a:font script="Telu" typeface="Gautami"/>
+        <a:font script="Taml" typeface="Latha"/>
+        <a:font script="Syrc" typeface="Estrangelo Edessa"/>
+        <a:font script="Orya" typeface="Kalinga"/>
+        <a:font script="Mlym" typeface="Kartika"/>
+        <a:font script="Laoo" typeface="DokChampa"/>
+        <a:font script="Sinh" typeface="Iskoola Pota"/>
+        <a:font script="Mong" typeface="Mongolian Baiti"/>
+        <a:font script="Viet" typeface="Times New Roman"/>
+        <a:font script="Uigh" typeface="Microsoft Uighur"/>
+        <a:font script="Geor" typeface="Sylfaen"/>
+        <a:font script="Armn" typeface="Arial"/>
+        <a:font script="Bugi" typeface="Leelawadee UI"/>
+        <a:font script="Bopo" typeface="Microsoft JhengHei"/>
+        <a:font script="Java" typeface="Javanese Text"/>
+        <a:font script="Lisu" typeface="Segoe UI"/>
+        <a:font script="Mymr" typeface="Myanmar Text"/>
+        <a:font script="Nkoo" typeface="Ebrima"/>
+        <a:font script="Olck" typeface="Nirmala UI"/>
+        <a:font script="Osma" typeface="Ebrima"/>
+        <a:font script="Phag" typeface="Phagspa"/>
+        <a:font script="Syrn" typeface="Estrangelo Edessa"/>
+        <a:font script="Syrj" typeface="Estrangelo Edessa"/>
+        <a:font script="Syre" typeface="Estrangelo Edessa"/>
+        <a:font script="Sora" typeface="Nirmala UI"/>
+        <a:font script="Tale" typeface="Microsoft Tai Le"/>
+        <a:font script="Talu" typeface="Microsoft New Tai Lue"/>
+        <a:font script="Tfng" typeface="Ebrima"/>
+      </a:majorFont>
+      <a:minorFont>
+        <a:latin typeface="等线" panose="020F0502020204030204"/>
+        <a:ea typeface=""/>
+        <a:cs typeface=""/>
+        <a:font script="Jpan" typeface="游ゴシック"/>
+        <a:font script="Hang" typeface="맑은 고딕"/>
+        <a:font script="Hans" typeface="等线"/>
+        <a:font script="Hant" typeface="新細明體"/>
+        <a:font script="Arab" typeface="Arial"/>
+        <a:font script="Hebr" typeface="Arial"/>
+        <a:font script="Thai" typeface="Cordia New"/>
+        <a:font script="Ethi" typeface="Nyala"/>
+        <a:font script="Beng" typeface="Vrinda"/>
+        <a:font script="Gujr" typeface="Shruti"/>
+        <a:font script="Khmr" typeface="DaunPenh"/>
+        <a:font script="Knda" typeface="Tunga"/>
+        <a:font script="Guru" typeface="Raavi"/>
+        <a:font script="Cans" typeface="Euphemia"/>
+        <a:font script="Cher" typeface="Plantagenet Cherokee"/>
+        <a:font script="Yiii" typeface="Microsoft Yi Baiti"/>
+        <a:font script="Tibt" typeface="Microsoft Himalaya"/>
+        <a:font script="Thaa" typeface="MV Boli"/>
+        <a:font script="Deva" typeface="Mangal"/>
+        <a:font script="Telu" typeface="Gautami"/>
+        <a:font script="Taml" typeface="Latha"/>
+        <a:font script="Syrc" typeface="Estrangelo Edessa"/>
+        <a:font script="Orya" typeface="Kalinga"/>
+        <a:font script="Mlym" typeface="Kartika"/>
+        <a:font script="Laoo" typeface="DokChampa"/>
+        <a:font script="Sinh" typeface="Iskoola Pota"/>
+        <a:font script="Mong" typeface="Mongolian Baiti"/>
+        <a:font script="Viet" typeface="Arial"/>
+        <a:font script="Uigh" typeface="Microsoft Uighur"/>
+        <a:font script="Geor" typeface="Sylfaen"/>
+        <a:font script="Armn" typeface="Arial"/>
+        <a:font script="Bugi" typeface="Leelawadee UI"/>
+        <a:font script="Bopo" typeface="Microsoft JhengHei"/>
+        <a:font script="Java" typeface="Javanese Text"/>
+        <a:font script="Lisu" typeface="Segoe UI"/>
+        <a:font script="Mymr" typeface="Myanmar Text"/>
+        <a:font script="Nkoo" typeface="Ebrima"/>
+        <a:font script="Olck" typeface="Nirmala UI"/>
+        <a:font script="Osma" typeface="Ebrima"/>
+        <a:font script="Phag" typeface="Phagspa"/>
+        <a:font script="Syrn" typeface="Estrangelo Edessa"/>
+        <a:font script="Syrj" typeface="Estrangelo Edessa"/>
+        <a:font script="Syre" typeface="Estrangelo Edessa"/>
+        <a:font script="Sora" typeface="Nirmala UI"/>
+        <a:font script="Tale" typeface="Microsoft Tai Le"/>
+        <a:font script="Talu" typeface="Microsoft New Tai Lue"/>
+        <a:font script="Tfng" typeface="Ebrima"/>
+      </a:minorFont>
+    </a:fontScheme>
+    <a:fmtScheme name="Office">
+      <a:fillStyleLst>
+        <a:solidFill>
+          <a:schemeClr val="phClr"/>
+        </a:solidFill>
+        <a:gradFill rotWithShape="1">
+          <a:gsLst>
+            <a:gs pos="0">
+              <a:schemeClr val="phClr">
+                <a:lumMod val="110000"/>
+                <a:satMod val="105000"/>
+                <a:tint val="67000"/>
+              </a:schemeClr>
+            </a:gs>
+            <a:gs pos="50000">
+              <a:schemeClr val="phClr">
+                <a:lumMod val="105000"/>
+                <a:satMod val="103000"/>
+                <a:tint val="73000"/>
+              </a:schemeClr>
+            </a:gs>
+            <a:gs pos="100000">
+              <a:schemeClr val="phClr">
+                <a:lumMod val="105000"/>
+                <a:satMod val="109000"/>
+                <a:tint val="81000"/>
+              </a:schemeClr>
+            </a:gs>
+          </a:gsLst>
+          <a:lin ang="5400000" scaled="0"/>
+        </a:gradFill>
+        <a:gradFill rotWithShape="1">
+          <a:gsLst>
+            <a:gs pos="0">
+              <a:schemeClr val="phClr">
+                <a:satMod val="103000"/>
+                <a:lumMod val="102000"/>
+                <a:tint val="94000"/>
+              </a:schemeClr>
+            </a:gs>
+            <a:gs pos="50000">
+              <a:schemeClr val="phClr">
+                <a:satMod val="110000"/>
+                <a:lumMod val="100000"/>
+                <a:shade val="100000"/>
+              </a:schemeClr>
+            </a:gs>
+            <a:gs pos="100000">
+              <a:schemeClr val="phClr">
+                <a:lumMod val="99000"/>
+                <a:satMod val="120000"/>
+                <a:shade val="78000"/>
+              </a:schemeClr>
+            </a:gs>
+          </a:gsLst>
+          <a:lin ang="5400000" scaled="0"/>
+        </a:gradFill>
+      </a:fillStyleLst>
+      <a:lnStyleLst>
+        <a:ln w="6350" cap="flat" cmpd="sng" algn="ctr">
+          <a:solidFill>
+            <a:schemeClr val="phClr"/>
+          </a:solidFill>
+          <a:prstDash val="solid"/>
+          <a:miter lim="800000"/>
+        </a:ln>
+        <a:ln w="12700" cap="flat" cmpd="sng" algn="ctr">
+          <a:solidFill>
+            <a:schemeClr val="phClr"/>
+          </a:solidFill>
+          <a:prstDash val="solid"/>
+          <a:miter lim="800000"/>
+        </a:ln>
+        <a:ln w="19050" cap="flat" cmpd="sng" algn="ctr">
+          <a:solidFill>
+            <a:schemeClr val="phClr"/>
+          </a:solidFill>
+          <a:prstDash val="solid"/>
+          <a:miter lim="800000"/>
+        </a:ln>
+      </a:lnStyleLst>
+      <a:effectStyleLst>
+        <a:effectStyle>
+          <a:effectLst/>
+        </a:effectStyle>
+        <a:effectStyle>
+          <a:effectLst/>
+        </a:effectStyle>
+        <a:effectStyle>
+          <a:effectLst>
+            <a:outerShdw blurRad="57150" dist="19050" dir="5400000" algn="ctr" rotWithShape="0">
+              <a:srgbClr val="000000">
+                <a:alpha val="63000"/>
+              </a:srgbClr>
+            </a:outerShdw>
+          </a:effectLst>
+        </a:effectStyle>
+      </a:effectStyleLst>
+      <a:bgFillStyleLst>
+        <a:solidFill>
+          <a:schemeClr val="phClr"/>
+        </a:solidFill>
+        <a:solidFill>
+          <a:schemeClr val="phClr">
+            <a:tint val="95000"/>
+            <a:satMod val="170000"/>
+          </a:schemeClr>
+        </a:solidFill>
+        <a:gradFill rotWithShape="1">
+          <a:gsLst>
+            <a:gs pos="0">
+              <a:schemeClr val="phClr">
+                <a:tint val="93000"/>
+                <a:satMod val="150000"/>
+                <a:shade val="98000"/>
+                <a:lumMod val="102000"/>
+              </a:schemeClr>
+            </a:gs>
+            <a:gs pos="50000">
+              <a:schemeClr val="phClr">
+                <a:tint val="98000"/>
+                <a:satMod val="130000"/>
+                <a:shade val="90000"/>
+                <a:lumMod val="103000"/>
+              </a:schemeClr>
+            </a:gs>
+            <a:gs pos="100000">
+              <a:schemeClr val="phClr">
+                <a:shade val="63000"/>
+                <a:satMod val="120000"/>
+              </a:schemeClr>
+            </a:gs>
+          </a:gsLst>
+          <a:lin ang="5400000" scaled="0"/>
+        </a:gradFill>
+      </a:bgFillStyleLst>
+    </a:fmtScheme>
+  </a:themeElements>
+  <a:objectDefaults/>
+  <a:extraClrSchemeLst/>
+  <a:extLst>
+    <a:ext uri="{05A4C25C-085E-4340-85A3-A5531E510DB2}">
+      <thm15:themeFamily xmlns:thm15="http://schemas.microsoft.com/office/thememl/2012/main" name="Office Theme" id="{62F939B6-93AF-4DB8-9C6B-D6C7DFDC589F}" vid="{4A3C46E8-61CC-4603-A589-7422A47A8E4A}"/>
     </a:ext>
   </a:extLst>
 </a:theme>
